--- a/presentations/class-3/Class 3.1_ Objects.pptx
+++ b/presentations/class-3/Class 3.1_ Objects.pptx
@@ -1,29 +1,29 @@
 
 <file path=ppt/presentation.xml><?xml version="1.0" encoding="utf-8"?>
-<p:presentation xmlns:a="http://schemas.openxmlformats.org/drawingml/2006/main" xmlns:r="http://schemas.openxmlformats.org/officeDocument/2006/relationships" xmlns:mc="http://schemas.openxmlformats.org/markup-compatibility/2006" xmlns:mv="urn:schemas-microsoft-com:mac:vml" xmlns:p="http://schemas.openxmlformats.org/presentationml/2006/main" xmlns:c="http://schemas.openxmlformats.org/drawingml/2006/chart" xmlns:dgm="http://schemas.openxmlformats.org/drawingml/2006/diagram" xmlns:o="urn:schemas-microsoft-com:office:office" xmlns:v="urn:schemas-microsoft-com:vml" xmlns:pvml="urn:schemas-microsoft-com:office:powerpoint" xmlns:com="http://schemas.openxmlformats.org/drawingml/2006/compatibility" xmlns:p14="http://schemas.microsoft.com/office/powerpoint/2010/main" autoCompressPictures="0" strictFirstAndLastChars="0" saveSubsetFonts="1">
+<p:presentation xmlns:a="http://schemas.openxmlformats.org/drawingml/2006/main" xmlns:r="http://schemas.openxmlformats.org/officeDocument/2006/relationships" xmlns:p="http://schemas.openxmlformats.org/presentationml/2006/main" strictFirstAndLastChars="0" saveSubsetFonts="1" autoCompressPictures="0">
   <p:sldMasterIdLst>
-    <p:sldMasterId id="2147483654" r:id="rId4"/>
+    <p:sldMasterId id="2147483654" r:id="rId1"/>
   </p:sldMasterIdLst>
   <p:notesMasterIdLst>
-    <p:notesMasterId r:id="rId5"/>
+    <p:notesMasterId r:id="rId13"/>
   </p:notesMasterIdLst>
   <p:sldIdLst>
-    <p:sldId id="256" r:id="rId6"/>
-    <p:sldId id="257" r:id="rId7"/>
-    <p:sldId id="258" r:id="rId8"/>
-    <p:sldId id="259" r:id="rId9"/>
-    <p:sldId id="260" r:id="rId10"/>
-    <p:sldId id="261" r:id="rId11"/>
-    <p:sldId id="262" r:id="rId12"/>
-    <p:sldId id="263" r:id="rId13"/>
-    <p:sldId id="264" r:id="rId14"/>
-    <p:sldId id="265" r:id="rId15"/>
-    <p:sldId id="266" r:id="rId16"/>
+    <p:sldId id="256" r:id="rId2"/>
+    <p:sldId id="257" r:id="rId3"/>
+    <p:sldId id="258" r:id="rId4"/>
+    <p:sldId id="259" r:id="rId5"/>
+    <p:sldId id="260" r:id="rId6"/>
+    <p:sldId id="261" r:id="rId7"/>
+    <p:sldId id="262" r:id="rId8"/>
+    <p:sldId id="263" r:id="rId9"/>
+    <p:sldId id="264" r:id="rId10"/>
+    <p:sldId id="265" r:id="rId11"/>
+    <p:sldId id="266" r:id="rId12"/>
   </p:sldIdLst>
-  <p:sldSz cy="5143500" cx="9144000"/>
+  <p:sldSz cx="9144000" cy="5143500" type="screen16x9"/>
   <p:notesSz cx="6858000" cy="9144000"/>
   <p:defaultTextStyle>
-    <a:defPPr marR="0" rtl="0" algn="l">
+    <a:defPPr marR="0" algn="l" rtl="0">
       <a:lnSpc>
         <a:spcPct val="100000"/>
       </a:lnSpc>
@@ -34,7 +34,7 @@
         <a:spcPts val="0"/>
       </a:spcAft>
     </a:defPPr>
-    <a:lvl1pPr marR="0" rtl="0" algn="l">
+    <a:lvl1pPr marR="0" algn="l" rtl="0">
       <a:lnSpc>
         <a:spcPct val="100000"/>
       </a:lnSpc>
@@ -45,7 +45,7 @@
         <a:spcPts val="0"/>
       </a:spcAft>
       <a:buNone/>
-      <a:defRPr b="0" baseline="0" i="0" sz="1400" u="none" cap="none" strike="noStrike">
+      <a:defRPr sz="1400" b="0" i="0" u="none" strike="noStrike" cap="none" baseline="0">
         <a:solidFill>
           <a:srgbClr val="000000"/>
         </a:solidFill>
@@ -56,7 +56,7 @@
         <a:rtl val="0"/>
       </a:defRPr>
     </a:lvl1pPr>
-    <a:lvl2pPr marR="0" rtl="0" algn="l">
+    <a:lvl2pPr marR="0" algn="l" rtl="0">
       <a:lnSpc>
         <a:spcPct val="100000"/>
       </a:lnSpc>
@@ -67,7 +67,7 @@
         <a:spcPts val="0"/>
       </a:spcAft>
       <a:buNone/>
-      <a:defRPr b="0" baseline="0" i="0" sz="1400" u="none" cap="none" strike="noStrike">
+      <a:defRPr sz="1400" b="0" i="0" u="none" strike="noStrike" cap="none" baseline="0">
         <a:solidFill>
           <a:srgbClr val="000000"/>
         </a:solidFill>
@@ -78,7 +78,7 @@
         <a:rtl val="0"/>
       </a:defRPr>
     </a:lvl2pPr>
-    <a:lvl3pPr marR="0" rtl="0" algn="l">
+    <a:lvl3pPr marR="0" algn="l" rtl="0">
       <a:lnSpc>
         <a:spcPct val="100000"/>
       </a:lnSpc>
@@ -89,7 +89,7 @@
         <a:spcPts val="0"/>
       </a:spcAft>
       <a:buNone/>
-      <a:defRPr b="0" baseline="0" i="0" sz="1400" u="none" cap="none" strike="noStrike">
+      <a:defRPr sz="1400" b="0" i="0" u="none" strike="noStrike" cap="none" baseline="0">
         <a:solidFill>
           <a:srgbClr val="000000"/>
         </a:solidFill>
@@ -100,7 +100,7 @@
         <a:rtl val="0"/>
       </a:defRPr>
     </a:lvl3pPr>
-    <a:lvl4pPr marR="0" rtl="0" algn="l">
+    <a:lvl4pPr marR="0" algn="l" rtl="0">
       <a:lnSpc>
         <a:spcPct val="100000"/>
       </a:lnSpc>
@@ -111,7 +111,7 @@
         <a:spcPts val="0"/>
       </a:spcAft>
       <a:buNone/>
-      <a:defRPr b="0" baseline="0" i="0" sz="1400" u="none" cap="none" strike="noStrike">
+      <a:defRPr sz="1400" b="0" i="0" u="none" strike="noStrike" cap="none" baseline="0">
         <a:solidFill>
           <a:srgbClr val="000000"/>
         </a:solidFill>
@@ -122,7 +122,7 @@
         <a:rtl val="0"/>
       </a:defRPr>
     </a:lvl4pPr>
-    <a:lvl5pPr marR="0" rtl="0" algn="l">
+    <a:lvl5pPr marR="0" algn="l" rtl="0">
       <a:lnSpc>
         <a:spcPct val="100000"/>
       </a:lnSpc>
@@ -133,7 +133,7 @@
         <a:spcPts val="0"/>
       </a:spcAft>
       <a:buNone/>
-      <a:defRPr b="0" baseline="0" i="0" sz="1400" u="none" cap="none" strike="noStrike">
+      <a:defRPr sz="1400" b="0" i="0" u="none" strike="noStrike" cap="none" baseline="0">
         <a:solidFill>
           <a:srgbClr val="000000"/>
         </a:solidFill>
@@ -144,7 +144,7 @@
         <a:rtl val="0"/>
       </a:defRPr>
     </a:lvl5pPr>
-    <a:lvl6pPr marR="0" rtl="0" algn="l">
+    <a:lvl6pPr marR="0" algn="l" rtl="0">
       <a:lnSpc>
         <a:spcPct val="100000"/>
       </a:lnSpc>
@@ -155,7 +155,7 @@
         <a:spcPts val="0"/>
       </a:spcAft>
       <a:buNone/>
-      <a:defRPr b="0" baseline="0" i="0" sz="1400" u="none" cap="none" strike="noStrike">
+      <a:defRPr sz="1400" b="0" i="0" u="none" strike="noStrike" cap="none" baseline="0">
         <a:solidFill>
           <a:srgbClr val="000000"/>
         </a:solidFill>
@@ -166,7 +166,7 @@
         <a:rtl val="0"/>
       </a:defRPr>
     </a:lvl6pPr>
-    <a:lvl7pPr marR="0" rtl="0" algn="l">
+    <a:lvl7pPr marR="0" algn="l" rtl="0">
       <a:lnSpc>
         <a:spcPct val="100000"/>
       </a:lnSpc>
@@ -177,7 +177,7 @@
         <a:spcPts val="0"/>
       </a:spcAft>
       <a:buNone/>
-      <a:defRPr b="0" baseline="0" i="0" sz="1400" u="none" cap="none" strike="noStrike">
+      <a:defRPr sz="1400" b="0" i="0" u="none" strike="noStrike" cap="none" baseline="0">
         <a:solidFill>
           <a:srgbClr val="000000"/>
         </a:solidFill>
@@ -188,7 +188,7 @@
         <a:rtl val="0"/>
       </a:defRPr>
     </a:lvl7pPr>
-    <a:lvl8pPr marR="0" rtl="0" algn="l">
+    <a:lvl8pPr marR="0" algn="l" rtl="0">
       <a:lnSpc>
         <a:spcPct val="100000"/>
       </a:lnSpc>
@@ -199,7 +199,7 @@
         <a:spcPts val="0"/>
       </a:spcAft>
       <a:buNone/>
-      <a:defRPr b="0" baseline="0" i="0" sz="1400" u="none" cap="none" strike="noStrike">
+      <a:defRPr sz="1400" b="0" i="0" u="none" strike="noStrike" cap="none" baseline="0">
         <a:solidFill>
           <a:srgbClr val="000000"/>
         </a:solidFill>
@@ -210,7 +210,7 @@
         <a:rtl val="0"/>
       </a:defRPr>
     </a:lvl8pPr>
-    <a:lvl9pPr marR="0" rtl="0" algn="l">
+    <a:lvl9pPr marR="0" algn="l" rtl="0">
       <a:lnSpc>
         <a:spcPct val="100000"/>
       </a:lnSpc>
@@ -221,7 +221,7 @@
         <a:spcPts val="0"/>
       </a:spcAft>
       <a:buNone/>
-      <a:defRPr b="0" baseline="0" i="0" sz="1400" u="none" cap="none" strike="noStrike">
+      <a:defRPr sz="1400" b="0" i="0" u="none" strike="noStrike" cap="none" baseline="0">
         <a:solidFill>
           <a:srgbClr val="000000"/>
         </a:solidFill>
@@ -237,8 +237,13 @@
 </file>
 
 <file path=ppt/notesMasters/notesMaster1.xml><?xml version="1.0" encoding="utf-8"?>
-<p:notesMaster xmlns:a="http://schemas.openxmlformats.org/drawingml/2006/main" xmlns:r="http://schemas.openxmlformats.org/officeDocument/2006/relationships" xmlns:mc="http://schemas.openxmlformats.org/markup-compatibility/2006" xmlns:mv="urn:schemas-microsoft-com:mac:vml" xmlns:p="http://schemas.openxmlformats.org/presentationml/2006/main" xmlns:c="http://schemas.openxmlformats.org/drawingml/2006/chart" xmlns:dgm="http://schemas.openxmlformats.org/drawingml/2006/diagram" xmlns:o="urn:schemas-microsoft-com:office:office" xmlns:v="urn:schemas-microsoft-com:vml" xmlns:pvml="urn:schemas-microsoft-com:office:powerpoint" xmlns:com="http://schemas.openxmlformats.org/drawingml/2006/compatibility" xmlns:p14="http://schemas.microsoft.com/office/powerpoint/2010/main">
+<p:notesMaster xmlns:a="http://schemas.openxmlformats.org/drawingml/2006/main" xmlns:r="http://schemas.openxmlformats.org/officeDocument/2006/relationships" xmlns:p="http://schemas.openxmlformats.org/presentationml/2006/main">
   <p:cSld>
+    <p:bg>
+      <p:bgRef idx="1001">
+        <a:schemeClr val="bg1"/>
+      </p:bgRef>
+    </p:bg>
     <p:spTree>
       <p:nvGrpSpPr>
         <p:cNvPr id="1" name="Shape 1"/>
@@ -256,9 +261,11 @@
       <p:sp>
         <p:nvSpPr>
           <p:cNvPr id="2" name="Shape 2"/>
-          <p:cNvSpPr/>
+          <p:cNvSpPr>
+            <a:spLocks noGrp="1" noRot="1" noChangeAspect="1"/>
+          </p:cNvSpPr>
           <p:nvPr>
-            <p:ph idx="2" type="sldImg"/>
+            <p:ph type="sldImg" idx="2"/>
           </p:nvPr>
         </p:nvSpPr>
         <p:spPr>
@@ -267,8 +274,13 @@
             <a:ext cx="6096299" cy="3429000"/>
           </a:xfrm>
           <a:custGeom>
+            <a:avLst/>
+            <a:gdLst/>
+            <a:ahLst/>
+            <a:cxnLst/>
+            <a:rect l="0" t="0" r="0" b="0"/>
             <a:pathLst>
-              <a:path extrusionOk="0" h="120000" w="120000">
+              <a:path w="120000" h="120000" extrusionOk="0">
                 <a:moveTo>
                   <a:pt x="0" y="0"/>
                 </a:moveTo>
@@ -286,23 +298,25 @@
             </a:pathLst>
           </a:custGeom>
           <a:noFill/>
-          <a:ln cap="flat" cmpd="sng" w="9525">
+          <a:ln w="9525" cap="flat" cmpd="sng">
             <a:solidFill>
               <a:srgbClr val="000000"/>
             </a:solidFill>
             <a:prstDash val="solid"/>
             <a:round/>
-            <a:headEnd len="med" w="med" type="none"/>
-            <a:tailEnd len="med" w="med" type="none"/>
+            <a:headEnd type="none" w="med" len="med"/>
+            <a:tailEnd type="none" w="med" len="med"/>
           </a:ln>
         </p:spPr>
       </p:sp>
       <p:sp>
         <p:nvSpPr>
           <p:cNvPr id="3" name="Shape 3"/>
-          <p:cNvSpPr txBox="1"/>
+          <p:cNvSpPr txBox="1">
+            <a:spLocks noGrp="1"/>
+          </p:cNvSpPr>
           <p:nvPr>
-            <p:ph idx="1" type="body"/>
+            <p:ph type="body" idx="1"/>
           </p:nvPr>
         </p:nvSpPr>
         <p:spPr>
@@ -319,78 +333,177 @@
           </a:ln>
         </p:spPr>
         <p:txBody>
-          <a:bodyPr anchorCtr="0" anchor="t" bIns="91425" lIns="91425" rIns="91425" tIns="91425"/>
+          <a:bodyPr lIns="91425" tIns="91425" rIns="91425" bIns="91425" anchor="t" anchorCtr="0"/>
           <a:lstStyle>
-            <a:lvl1pPr indent="0" marL="0" marR="0" rtl="0" algn="l">
+            <a:lvl1pPr marL="0" marR="0" indent="0" algn="l" rtl="0">
               <a:spcBef>
                 <a:spcPts val="0"/>
               </a:spcBef>
               <a:defRPr/>
             </a:lvl1pPr>
-            <a:lvl2pPr indent="0" marL="0" marR="0" rtl="0" algn="l">
+            <a:lvl2pPr marL="0" marR="0" indent="0" algn="l" rtl="0">
               <a:spcBef>
                 <a:spcPts val="0"/>
               </a:spcBef>
               <a:defRPr/>
             </a:lvl2pPr>
-            <a:lvl3pPr indent="0" marL="0" marR="0" rtl="0" algn="l">
+            <a:lvl3pPr marL="0" marR="0" indent="0" algn="l" rtl="0">
               <a:spcBef>
                 <a:spcPts val="0"/>
               </a:spcBef>
               <a:defRPr/>
             </a:lvl3pPr>
-            <a:lvl4pPr indent="0" marL="0" marR="0" rtl="0" algn="l">
+            <a:lvl4pPr marL="0" marR="0" indent="0" algn="l" rtl="0">
               <a:spcBef>
                 <a:spcPts val="0"/>
               </a:spcBef>
               <a:defRPr/>
             </a:lvl4pPr>
-            <a:lvl5pPr indent="0" marL="0" marR="0" rtl="0" algn="l">
+            <a:lvl5pPr marL="0" marR="0" indent="0" algn="l" rtl="0">
               <a:spcBef>
                 <a:spcPts val="0"/>
               </a:spcBef>
               <a:defRPr/>
             </a:lvl5pPr>
-            <a:lvl6pPr indent="0" marL="0" marR="0" rtl="0" algn="l">
+            <a:lvl6pPr marL="0" marR="0" indent="0" algn="l" rtl="0">
               <a:spcBef>
                 <a:spcPts val="0"/>
               </a:spcBef>
               <a:defRPr/>
             </a:lvl6pPr>
-            <a:lvl7pPr indent="0" marL="0" marR="0" rtl="0" algn="l">
+            <a:lvl7pPr marL="0" marR="0" indent="0" algn="l" rtl="0">
               <a:spcBef>
                 <a:spcPts val="0"/>
               </a:spcBef>
               <a:defRPr/>
             </a:lvl7pPr>
-            <a:lvl8pPr indent="0" marL="0" marR="0" rtl="0" algn="l">
+            <a:lvl8pPr marL="0" marR="0" indent="0" algn="l" rtl="0">
               <a:spcBef>
                 <a:spcPts val="0"/>
               </a:spcBef>
               <a:defRPr/>
             </a:lvl8pPr>
-            <a:lvl9pPr indent="0" marL="0" marR="0" rtl="0" algn="l">
+            <a:lvl9pPr marL="0" marR="0" indent="0" algn="l" rtl="0">
               <a:spcBef>
                 <a:spcPts val="0"/>
               </a:spcBef>
               <a:defRPr/>
             </a:lvl9pPr>
           </a:lstStyle>
-          <a:p/>
+          <a:p>
+            <a:endParaRPr/>
+          </a:p>
         </p:txBody>
       </p:sp>
     </p:spTree>
+    <p:extLst>
+      <p:ext uri="{BB962C8B-B14F-4D97-AF65-F5344CB8AC3E}">
+        <p14:creationId xmlns:p14="http://schemas.microsoft.com/office/powerpoint/2010/main" val="3680271615"/>
+      </p:ext>
+    </p:extLst>
   </p:cSld>
-  <p:clrMap accent1="accent1" accent2="accent2" accent3="accent3" accent4="accent4" accent5="accent5" accent6="accent6" bg1="lt1" bg2="dk2" tx1="dk1" tx2="lt2" folHlink="folHlink" hlink="hlink"/>
+  <p:clrMap bg1="lt1" tx1="dk1" bg2="dk2" tx2="lt2" accent1="accent1" accent2="accent2" accent3="accent3" accent4="accent4" accent5="accent5" accent6="accent6" hlink="hlink" folHlink="folHlink"/>
+  <p:notesStyle>
+    <a:lvl1pPr marL="0" algn="l" defTabSz="457200" rtl="0" eaLnBrk="1" latinLnBrk="0" hangingPunct="1">
+      <a:defRPr sz="1200" kern="1200">
+        <a:solidFill>
+          <a:schemeClr val="tx1"/>
+        </a:solidFill>
+        <a:latin typeface="+mn-lt"/>
+        <a:ea typeface="+mn-ea"/>
+        <a:cs typeface="+mn-cs"/>
+      </a:defRPr>
+    </a:lvl1pPr>
+    <a:lvl2pPr marL="457200" algn="l" defTabSz="457200" rtl="0" eaLnBrk="1" latinLnBrk="0" hangingPunct="1">
+      <a:defRPr sz="1200" kern="1200">
+        <a:solidFill>
+          <a:schemeClr val="tx1"/>
+        </a:solidFill>
+        <a:latin typeface="+mn-lt"/>
+        <a:ea typeface="+mn-ea"/>
+        <a:cs typeface="+mn-cs"/>
+      </a:defRPr>
+    </a:lvl2pPr>
+    <a:lvl3pPr marL="914400" algn="l" defTabSz="457200" rtl="0" eaLnBrk="1" latinLnBrk="0" hangingPunct="1">
+      <a:defRPr sz="1200" kern="1200">
+        <a:solidFill>
+          <a:schemeClr val="tx1"/>
+        </a:solidFill>
+        <a:latin typeface="+mn-lt"/>
+        <a:ea typeface="+mn-ea"/>
+        <a:cs typeface="+mn-cs"/>
+      </a:defRPr>
+    </a:lvl3pPr>
+    <a:lvl4pPr marL="1371600" algn="l" defTabSz="457200" rtl="0" eaLnBrk="1" latinLnBrk="0" hangingPunct="1">
+      <a:defRPr sz="1200" kern="1200">
+        <a:solidFill>
+          <a:schemeClr val="tx1"/>
+        </a:solidFill>
+        <a:latin typeface="+mn-lt"/>
+        <a:ea typeface="+mn-ea"/>
+        <a:cs typeface="+mn-cs"/>
+      </a:defRPr>
+    </a:lvl4pPr>
+    <a:lvl5pPr marL="1828800" algn="l" defTabSz="457200" rtl="0" eaLnBrk="1" latinLnBrk="0" hangingPunct="1">
+      <a:defRPr sz="1200" kern="1200">
+        <a:solidFill>
+          <a:schemeClr val="tx1"/>
+        </a:solidFill>
+        <a:latin typeface="+mn-lt"/>
+        <a:ea typeface="+mn-ea"/>
+        <a:cs typeface="+mn-cs"/>
+      </a:defRPr>
+    </a:lvl5pPr>
+    <a:lvl6pPr marL="2286000" algn="l" defTabSz="457200" rtl="0" eaLnBrk="1" latinLnBrk="0" hangingPunct="1">
+      <a:defRPr sz="1200" kern="1200">
+        <a:solidFill>
+          <a:schemeClr val="tx1"/>
+        </a:solidFill>
+        <a:latin typeface="+mn-lt"/>
+        <a:ea typeface="+mn-ea"/>
+        <a:cs typeface="+mn-cs"/>
+      </a:defRPr>
+    </a:lvl6pPr>
+    <a:lvl7pPr marL="2743200" algn="l" defTabSz="457200" rtl="0" eaLnBrk="1" latinLnBrk="0" hangingPunct="1">
+      <a:defRPr sz="1200" kern="1200">
+        <a:solidFill>
+          <a:schemeClr val="tx1"/>
+        </a:solidFill>
+        <a:latin typeface="+mn-lt"/>
+        <a:ea typeface="+mn-ea"/>
+        <a:cs typeface="+mn-cs"/>
+      </a:defRPr>
+    </a:lvl7pPr>
+    <a:lvl8pPr marL="3200400" algn="l" defTabSz="457200" rtl="0" eaLnBrk="1" latinLnBrk="0" hangingPunct="1">
+      <a:defRPr sz="1200" kern="1200">
+        <a:solidFill>
+          <a:schemeClr val="tx1"/>
+        </a:solidFill>
+        <a:latin typeface="+mn-lt"/>
+        <a:ea typeface="+mn-ea"/>
+        <a:cs typeface="+mn-cs"/>
+      </a:defRPr>
+    </a:lvl8pPr>
+    <a:lvl9pPr marL="3657600" algn="l" defTabSz="457200" rtl="0" eaLnBrk="1" latinLnBrk="0" hangingPunct="1">
+      <a:defRPr sz="1200" kern="1200">
+        <a:solidFill>
+          <a:schemeClr val="tx1"/>
+        </a:solidFill>
+        <a:latin typeface="+mn-lt"/>
+        <a:ea typeface="+mn-ea"/>
+        <a:cs typeface="+mn-cs"/>
+      </a:defRPr>
+    </a:lvl9pPr>
+  </p:notesStyle>
 </p:notesMaster>
 </file>
 
 <file path=ppt/notesSlides/notesSlide1.xml><?xml version="1.0" encoding="utf-8"?>
-<p:notes xmlns:a="http://schemas.openxmlformats.org/drawingml/2006/main" xmlns:r="http://schemas.openxmlformats.org/officeDocument/2006/relationships" xmlns:mc="http://schemas.openxmlformats.org/markup-compatibility/2006" xmlns:mv="urn:schemas-microsoft-com:mac:vml" xmlns:p="http://schemas.openxmlformats.org/presentationml/2006/main" xmlns:c="http://schemas.openxmlformats.org/drawingml/2006/chart" xmlns:dgm="http://schemas.openxmlformats.org/drawingml/2006/diagram" xmlns:o="urn:schemas-microsoft-com:office:office" xmlns:v="urn:schemas-microsoft-com:vml" xmlns:pvml="urn:schemas-microsoft-com:office:powerpoint" xmlns:com="http://schemas.openxmlformats.org/drawingml/2006/compatibility" xmlns:p14="http://schemas.microsoft.com/office/powerpoint/2010/main" showMasterPhAnim="0" showMasterSp="0">
+<p:notes xmlns:a="http://schemas.openxmlformats.org/drawingml/2006/main" xmlns:r="http://schemas.openxmlformats.org/officeDocument/2006/relationships" xmlns:p="http://schemas.openxmlformats.org/presentationml/2006/main" showMasterSp="0" showMasterPhAnim="0">
   <p:cSld>
     <p:spTree>
       <p:nvGrpSpPr>
-        <p:cNvPr id="36" name="Shape 36"/>
+        <p:cNvPr id="1" name="Shape 36"/>
         <p:cNvGrpSpPr/>
         <p:nvPr/>
       </p:nvGrpSpPr>
@@ -405,19 +518,26 @@
       <p:sp>
         <p:nvSpPr>
           <p:cNvPr id="37" name="Shape 37"/>
-          <p:cNvSpPr/>
+          <p:cNvSpPr>
+            <a:spLocks noGrp="1" noRot="1" noChangeAspect="1"/>
+          </p:cNvSpPr>
           <p:nvPr>
-            <p:ph idx="2" type="sldImg"/>
+            <p:ph type="sldImg" idx="2"/>
           </p:nvPr>
         </p:nvSpPr>
         <p:spPr>
           <a:xfrm>
-            <a:off x="381187" y="685800"/>
-            <a:ext cx="6096299" cy="3429000"/>
+            <a:off x="381000" y="685800"/>
+            <a:ext cx="6096000" cy="3429000"/>
           </a:xfrm>
           <a:custGeom>
+            <a:avLst/>
+            <a:gdLst/>
+            <a:ahLst/>
+            <a:cxnLst/>
+            <a:rect l="0" t="0" r="0" b="0"/>
             <a:pathLst>
-              <a:path extrusionOk="0" h="120000" w="120000">
+              <a:path w="120000" h="120000" extrusionOk="0">
                 <a:moveTo>
                   <a:pt x="0" y="0"/>
                 </a:moveTo>
@@ -435,23 +555,25 @@
             </a:pathLst>
           </a:custGeom>
           <a:noFill/>
-          <a:ln cap="flat" cmpd="sng" w="9525">
+          <a:ln w="9525" cap="flat" cmpd="sng">
             <a:solidFill>
               <a:srgbClr val="000000"/>
             </a:solidFill>
             <a:prstDash val="solid"/>
             <a:round/>
-            <a:headEnd len="med" w="med" type="none"/>
-            <a:tailEnd len="med" w="med" type="none"/>
+            <a:headEnd type="none" w="med" len="med"/>
+            <a:tailEnd type="none" w="med" len="med"/>
           </a:ln>
         </p:spPr>
       </p:sp>
       <p:sp>
         <p:nvSpPr>
           <p:cNvPr id="38" name="Shape 38"/>
-          <p:cNvSpPr txBox="1"/>
+          <p:cNvSpPr txBox="1">
+            <a:spLocks noGrp="1"/>
+          </p:cNvSpPr>
           <p:nvPr>
-            <p:ph idx="1" type="body"/>
+            <p:ph type="body" idx="1"/>
           </p:nvPr>
         </p:nvSpPr>
         <p:spPr>
@@ -468,22 +590,19 @@
           </a:ln>
         </p:spPr>
         <p:txBody>
-          <a:bodyPr anchorCtr="0" anchor="t" bIns="91425" lIns="91425" rIns="91425" tIns="91425">
+          <a:bodyPr lIns="91425" tIns="91425" rIns="91425" bIns="91425" anchor="t" anchorCtr="0">
             <a:noAutofit/>
           </a:bodyPr>
           <a:lstStyle/>
           <a:p>
-            <a:pPr indent="0" lvl="0" marL="0" marR="0" rtl="0" algn="l">
+            <a:pPr marL="0" marR="0" lvl="0" indent="0" algn="l" rtl="0">
               <a:spcBef>
                 <a:spcPts val="0"/>
               </a:spcBef>
               <a:buFont typeface="Arial"/>
               <a:buNone/>
             </a:pPr>
-            <a:r>
-              <a:t/>
-            </a:r>
-            <a:endParaRPr b="0" baseline="0" i="0" sz="1100" u="none" cap="none" strike="noStrike"/>
+            <a:endParaRPr sz="1100" b="0" i="0" u="none" strike="noStrike" cap="none" baseline="0"/>
           </a:p>
         </p:txBody>
       </p:sp>
@@ -496,11 +615,11 @@
 </file>
 
 <file path=ppt/notesSlides/notesSlide10.xml><?xml version="1.0" encoding="utf-8"?>
-<p:notes xmlns:a="http://schemas.openxmlformats.org/drawingml/2006/main" xmlns:r="http://schemas.openxmlformats.org/officeDocument/2006/relationships" xmlns:mc="http://schemas.openxmlformats.org/markup-compatibility/2006" xmlns:mv="urn:schemas-microsoft-com:mac:vml" xmlns:p="http://schemas.openxmlformats.org/presentationml/2006/main" xmlns:c="http://schemas.openxmlformats.org/drawingml/2006/chart" xmlns:dgm="http://schemas.openxmlformats.org/drawingml/2006/diagram" xmlns:o="urn:schemas-microsoft-com:office:office" xmlns:v="urn:schemas-microsoft-com:vml" xmlns:pvml="urn:schemas-microsoft-com:office:powerpoint" xmlns:com="http://schemas.openxmlformats.org/drawingml/2006/compatibility" xmlns:p14="http://schemas.microsoft.com/office/powerpoint/2010/main" showMasterPhAnim="0" showMasterSp="0">
+<p:notes xmlns:a="http://schemas.openxmlformats.org/drawingml/2006/main" xmlns:r="http://schemas.openxmlformats.org/officeDocument/2006/relationships" xmlns:p="http://schemas.openxmlformats.org/presentationml/2006/main" showMasterSp="0" showMasterPhAnim="0">
   <p:cSld>
     <p:spTree>
       <p:nvGrpSpPr>
-        <p:cNvPr id="90" name="Shape 90"/>
+        <p:cNvPr id="1" name="Shape 90"/>
         <p:cNvGrpSpPr/>
         <p:nvPr/>
       </p:nvGrpSpPr>
@@ -515,19 +634,26 @@
       <p:sp>
         <p:nvSpPr>
           <p:cNvPr id="91" name="Shape 91"/>
-          <p:cNvSpPr/>
+          <p:cNvSpPr>
+            <a:spLocks noGrp="1" noRot="1" noChangeAspect="1"/>
+          </p:cNvSpPr>
           <p:nvPr>
-            <p:ph idx="2" type="sldImg"/>
+            <p:ph type="sldImg" idx="2"/>
           </p:nvPr>
         </p:nvSpPr>
         <p:spPr>
           <a:xfrm>
-            <a:off x="381187" y="685800"/>
-            <a:ext cx="6096299" cy="3429000"/>
+            <a:off x="381000" y="685800"/>
+            <a:ext cx="6096000" cy="3429000"/>
           </a:xfrm>
           <a:custGeom>
+            <a:avLst/>
+            <a:gdLst/>
+            <a:ahLst/>
+            <a:cxnLst/>
+            <a:rect l="0" t="0" r="0" b="0"/>
             <a:pathLst>
-              <a:path extrusionOk="0" h="120000" w="120000">
+              <a:path w="120000" h="120000" extrusionOk="0">
                 <a:moveTo>
                   <a:pt x="0" y="0"/>
                 </a:moveTo>
@@ -545,23 +671,25 @@
             </a:pathLst>
           </a:custGeom>
           <a:noFill/>
-          <a:ln cap="flat" cmpd="sng" w="9525">
+          <a:ln w="9525" cap="flat" cmpd="sng">
             <a:solidFill>
               <a:srgbClr val="000000"/>
             </a:solidFill>
             <a:prstDash val="solid"/>
             <a:round/>
-            <a:headEnd len="med" w="med" type="none"/>
-            <a:tailEnd len="med" w="med" type="none"/>
+            <a:headEnd type="none" w="med" len="med"/>
+            <a:tailEnd type="none" w="med" len="med"/>
           </a:ln>
         </p:spPr>
       </p:sp>
       <p:sp>
         <p:nvSpPr>
           <p:cNvPr id="92" name="Shape 92"/>
-          <p:cNvSpPr txBox="1"/>
+          <p:cNvSpPr txBox="1">
+            <a:spLocks noGrp="1"/>
+          </p:cNvSpPr>
           <p:nvPr>
-            <p:ph idx="1" type="body"/>
+            <p:ph type="body" idx="1"/>
           </p:nvPr>
         </p:nvSpPr>
         <p:spPr>
@@ -578,22 +706,19 @@
           </a:ln>
         </p:spPr>
         <p:txBody>
-          <a:bodyPr anchorCtr="0" anchor="t" bIns="91425" lIns="91425" rIns="91425" tIns="91425">
+          <a:bodyPr lIns="91425" tIns="91425" rIns="91425" bIns="91425" anchor="t" anchorCtr="0">
             <a:noAutofit/>
           </a:bodyPr>
           <a:lstStyle/>
           <a:p>
-            <a:pPr indent="0" lvl="0" marL="0" marR="0" rtl="0" algn="l">
+            <a:pPr marL="0" marR="0" lvl="0" indent="0" algn="l" rtl="0">
               <a:spcBef>
                 <a:spcPts val="0"/>
               </a:spcBef>
               <a:buFont typeface="Arial"/>
               <a:buNone/>
             </a:pPr>
-            <a:r>
-              <a:t/>
-            </a:r>
-            <a:endParaRPr b="0" baseline="0" i="0" sz="1100" u="none" cap="none" strike="noStrike"/>
+            <a:endParaRPr sz="1100" b="0" i="0" u="none" strike="noStrike" cap="none" baseline="0"/>
           </a:p>
         </p:txBody>
       </p:sp>
@@ -606,11 +731,11 @@
 </file>
 
 <file path=ppt/notesSlides/notesSlide11.xml><?xml version="1.0" encoding="utf-8"?>
-<p:notes xmlns:a="http://schemas.openxmlformats.org/drawingml/2006/main" xmlns:r="http://schemas.openxmlformats.org/officeDocument/2006/relationships" xmlns:mc="http://schemas.openxmlformats.org/markup-compatibility/2006" xmlns:mv="urn:schemas-microsoft-com:mac:vml" xmlns:p="http://schemas.openxmlformats.org/presentationml/2006/main" xmlns:c="http://schemas.openxmlformats.org/drawingml/2006/chart" xmlns:dgm="http://schemas.openxmlformats.org/drawingml/2006/diagram" xmlns:o="urn:schemas-microsoft-com:office:office" xmlns:v="urn:schemas-microsoft-com:vml" xmlns:pvml="urn:schemas-microsoft-com:office:powerpoint" xmlns:com="http://schemas.openxmlformats.org/drawingml/2006/compatibility" xmlns:p14="http://schemas.microsoft.com/office/powerpoint/2010/main" showMasterPhAnim="0" showMasterSp="0">
+<p:notes xmlns:a="http://schemas.openxmlformats.org/drawingml/2006/main" xmlns:r="http://schemas.openxmlformats.org/officeDocument/2006/relationships" xmlns:p="http://schemas.openxmlformats.org/presentationml/2006/main" showMasterSp="0" showMasterPhAnim="0">
   <p:cSld>
     <p:spTree>
       <p:nvGrpSpPr>
-        <p:cNvPr id="96" name="Shape 96"/>
+        <p:cNvPr id="1" name="Shape 96"/>
         <p:cNvGrpSpPr/>
         <p:nvPr/>
       </p:nvGrpSpPr>
@@ -625,9 +750,11 @@
       <p:sp>
         <p:nvSpPr>
           <p:cNvPr id="97" name="Shape 97"/>
-          <p:cNvSpPr/>
+          <p:cNvSpPr>
+            <a:spLocks noGrp="1" noRot="1" noChangeAspect="1"/>
+          </p:cNvSpPr>
           <p:nvPr>
-            <p:ph idx="2" type="sldImg"/>
+            <p:ph type="sldImg" idx="2"/>
           </p:nvPr>
         </p:nvSpPr>
         <p:spPr>
@@ -636,8 +763,13 @@
             <a:ext cx="6096299" cy="3429000"/>
           </a:xfrm>
           <a:custGeom>
+            <a:avLst/>
+            <a:gdLst/>
+            <a:ahLst/>
+            <a:cxnLst/>
+            <a:rect l="0" t="0" r="0" b="0"/>
             <a:pathLst>
-              <a:path extrusionOk="0" h="120000" w="120000">
+              <a:path w="120000" h="120000" extrusionOk="0">
                 <a:moveTo>
                   <a:pt x="0" y="0"/>
                 </a:moveTo>
@@ -655,23 +787,25 @@
             </a:pathLst>
           </a:custGeom>
           <a:noFill/>
-          <a:ln cap="flat" cmpd="sng" w="9525">
+          <a:ln w="9525" cap="flat" cmpd="sng">
             <a:solidFill>
               <a:srgbClr val="000000"/>
             </a:solidFill>
             <a:prstDash val="solid"/>
             <a:round/>
-            <a:headEnd len="med" w="med" type="none"/>
-            <a:tailEnd len="med" w="med" type="none"/>
+            <a:headEnd type="none" w="med" len="med"/>
+            <a:tailEnd type="none" w="med" len="med"/>
           </a:ln>
         </p:spPr>
       </p:sp>
       <p:sp>
         <p:nvSpPr>
           <p:cNvPr id="98" name="Shape 98"/>
-          <p:cNvSpPr txBox="1"/>
+          <p:cNvSpPr txBox="1">
+            <a:spLocks noGrp="1"/>
+          </p:cNvSpPr>
           <p:nvPr>
-            <p:ph idx="1" type="body"/>
+            <p:ph type="body" idx="1"/>
           </p:nvPr>
         </p:nvSpPr>
         <p:spPr>
@@ -688,22 +822,19 @@
           </a:ln>
         </p:spPr>
         <p:txBody>
-          <a:bodyPr anchorCtr="0" anchor="t" bIns="91425" lIns="91425" rIns="91425" tIns="91425">
+          <a:bodyPr lIns="91425" tIns="91425" rIns="91425" bIns="91425" anchor="t" anchorCtr="0">
             <a:noAutofit/>
           </a:bodyPr>
           <a:lstStyle/>
           <a:p>
-            <a:pPr indent="0" lvl="0" marL="0" marR="0" rtl="0" algn="l">
+            <a:pPr marL="0" marR="0" lvl="0" indent="0" algn="l" rtl="0">
               <a:spcBef>
                 <a:spcPts val="0"/>
               </a:spcBef>
               <a:buFont typeface="Arial"/>
               <a:buNone/>
             </a:pPr>
-            <a:r>
-              <a:t/>
-            </a:r>
-            <a:endParaRPr b="0" baseline="0" i="0" sz="1100" u="none" cap="none" strike="noStrike"/>
+            <a:endParaRPr sz="1100" b="0" i="0" u="none" strike="noStrike" cap="none" baseline="0"/>
           </a:p>
         </p:txBody>
       </p:sp>
@@ -716,11 +847,11 @@
 </file>
 
 <file path=ppt/notesSlides/notesSlide2.xml><?xml version="1.0" encoding="utf-8"?>
-<p:notes xmlns:a="http://schemas.openxmlformats.org/drawingml/2006/main" xmlns:r="http://schemas.openxmlformats.org/officeDocument/2006/relationships" xmlns:mc="http://schemas.openxmlformats.org/markup-compatibility/2006" xmlns:mv="urn:schemas-microsoft-com:mac:vml" xmlns:p="http://schemas.openxmlformats.org/presentationml/2006/main" xmlns:c="http://schemas.openxmlformats.org/drawingml/2006/chart" xmlns:dgm="http://schemas.openxmlformats.org/drawingml/2006/diagram" xmlns:o="urn:schemas-microsoft-com:office:office" xmlns:v="urn:schemas-microsoft-com:vml" xmlns:pvml="urn:schemas-microsoft-com:office:powerpoint" xmlns:com="http://schemas.openxmlformats.org/drawingml/2006/compatibility" xmlns:p14="http://schemas.microsoft.com/office/powerpoint/2010/main" showMasterPhAnim="0" showMasterSp="0">
+<p:notes xmlns:a="http://schemas.openxmlformats.org/drawingml/2006/main" xmlns:r="http://schemas.openxmlformats.org/officeDocument/2006/relationships" xmlns:p="http://schemas.openxmlformats.org/presentationml/2006/main" showMasterSp="0" showMasterPhAnim="0">
   <p:cSld>
     <p:spTree>
       <p:nvGrpSpPr>
-        <p:cNvPr id="42" name="Shape 42"/>
+        <p:cNvPr id="1" name="Shape 42"/>
         <p:cNvGrpSpPr/>
         <p:nvPr/>
       </p:nvGrpSpPr>
@@ -735,9 +866,11 @@
       <p:sp>
         <p:nvSpPr>
           <p:cNvPr id="43" name="Shape 43"/>
-          <p:cNvSpPr/>
+          <p:cNvSpPr>
+            <a:spLocks noGrp="1" noRot="1" noChangeAspect="1"/>
+          </p:cNvSpPr>
           <p:nvPr>
-            <p:ph idx="2" type="sldImg"/>
+            <p:ph type="sldImg" idx="2"/>
           </p:nvPr>
         </p:nvSpPr>
         <p:spPr>
@@ -746,8 +879,13 @@
             <a:ext cx="6096299" cy="3429000"/>
           </a:xfrm>
           <a:custGeom>
+            <a:avLst/>
+            <a:gdLst/>
+            <a:ahLst/>
+            <a:cxnLst/>
+            <a:rect l="0" t="0" r="0" b="0"/>
             <a:pathLst>
-              <a:path extrusionOk="0" h="120000" w="120000">
+              <a:path w="120000" h="120000" extrusionOk="0">
                 <a:moveTo>
                   <a:pt x="0" y="0"/>
                 </a:moveTo>
@@ -765,23 +903,25 @@
             </a:pathLst>
           </a:custGeom>
           <a:noFill/>
-          <a:ln cap="flat" cmpd="sng" w="9525">
+          <a:ln w="9525" cap="flat" cmpd="sng">
             <a:solidFill>
               <a:srgbClr val="000000"/>
             </a:solidFill>
             <a:prstDash val="solid"/>
             <a:round/>
-            <a:headEnd len="med" w="med" type="none"/>
-            <a:tailEnd len="med" w="med" type="none"/>
+            <a:headEnd type="none" w="med" len="med"/>
+            <a:tailEnd type="none" w="med" len="med"/>
           </a:ln>
         </p:spPr>
       </p:sp>
       <p:sp>
         <p:nvSpPr>
           <p:cNvPr id="44" name="Shape 44"/>
-          <p:cNvSpPr txBox="1"/>
+          <p:cNvSpPr txBox="1">
+            <a:spLocks noGrp="1"/>
+          </p:cNvSpPr>
           <p:nvPr>
-            <p:ph idx="1" type="body"/>
+            <p:ph type="body" idx="1"/>
           </p:nvPr>
         </p:nvSpPr>
         <p:spPr>
@@ -798,22 +938,19 @@
           </a:ln>
         </p:spPr>
         <p:txBody>
-          <a:bodyPr anchorCtr="0" anchor="t" bIns="91425" lIns="91425" rIns="91425" tIns="91425">
+          <a:bodyPr lIns="91425" tIns="91425" rIns="91425" bIns="91425" anchor="t" anchorCtr="0">
             <a:noAutofit/>
           </a:bodyPr>
           <a:lstStyle/>
           <a:p>
-            <a:pPr indent="0" lvl="0" marL="0" marR="0" rtl="0" algn="l">
+            <a:pPr marL="0" marR="0" lvl="0" indent="0" algn="l" rtl="0">
               <a:spcBef>
                 <a:spcPts val="0"/>
               </a:spcBef>
               <a:buFont typeface="Arial"/>
               <a:buNone/>
             </a:pPr>
-            <a:r>
-              <a:t/>
-            </a:r>
-            <a:endParaRPr b="0" baseline="0" i="0" sz="1100" u="none" cap="none" strike="noStrike"/>
+            <a:endParaRPr sz="1100" b="0" i="0" u="none" strike="noStrike" cap="none" baseline="0"/>
           </a:p>
         </p:txBody>
       </p:sp>
@@ -826,11 +963,11 @@
 </file>
 
 <file path=ppt/notesSlides/notesSlide3.xml><?xml version="1.0" encoding="utf-8"?>
-<p:notes xmlns:a="http://schemas.openxmlformats.org/drawingml/2006/main" xmlns:r="http://schemas.openxmlformats.org/officeDocument/2006/relationships" xmlns:mc="http://schemas.openxmlformats.org/markup-compatibility/2006" xmlns:mv="urn:schemas-microsoft-com:mac:vml" xmlns:p="http://schemas.openxmlformats.org/presentationml/2006/main" xmlns:c="http://schemas.openxmlformats.org/drawingml/2006/chart" xmlns:dgm="http://schemas.openxmlformats.org/drawingml/2006/diagram" xmlns:o="urn:schemas-microsoft-com:office:office" xmlns:v="urn:schemas-microsoft-com:vml" xmlns:pvml="urn:schemas-microsoft-com:office:powerpoint" xmlns:com="http://schemas.openxmlformats.org/drawingml/2006/compatibility" xmlns:p14="http://schemas.microsoft.com/office/powerpoint/2010/main" showMasterPhAnim="0" showMasterSp="0">
+<p:notes xmlns:a="http://schemas.openxmlformats.org/drawingml/2006/main" xmlns:r="http://schemas.openxmlformats.org/officeDocument/2006/relationships" xmlns:p="http://schemas.openxmlformats.org/presentationml/2006/main" showMasterSp="0" showMasterPhAnim="0">
   <p:cSld>
     <p:spTree>
       <p:nvGrpSpPr>
-        <p:cNvPr id="48" name="Shape 48"/>
+        <p:cNvPr id="1" name="Shape 48"/>
         <p:cNvGrpSpPr/>
         <p:nvPr/>
       </p:nvGrpSpPr>
@@ -845,19 +982,26 @@
       <p:sp>
         <p:nvSpPr>
           <p:cNvPr id="49" name="Shape 49"/>
-          <p:cNvSpPr/>
+          <p:cNvSpPr>
+            <a:spLocks noGrp="1" noRot="1" noChangeAspect="1"/>
+          </p:cNvSpPr>
           <p:nvPr>
-            <p:ph idx="2" type="sldImg"/>
+            <p:ph type="sldImg" idx="2"/>
           </p:nvPr>
         </p:nvSpPr>
         <p:spPr>
           <a:xfrm>
-            <a:off x="381187" y="685800"/>
-            <a:ext cx="6096299" cy="3429000"/>
+            <a:off x="381000" y="685800"/>
+            <a:ext cx="6096000" cy="3429000"/>
           </a:xfrm>
           <a:custGeom>
+            <a:avLst/>
+            <a:gdLst/>
+            <a:ahLst/>
+            <a:cxnLst/>
+            <a:rect l="0" t="0" r="0" b="0"/>
             <a:pathLst>
-              <a:path extrusionOk="0" h="120000" w="120000">
+              <a:path w="120000" h="120000" extrusionOk="0">
                 <a:moveTo>
                   <a:pt x="0" y="0"/>
                 </a:moveTo>
@@ -875,23 +1019,25 @@
             </a:pathLst>
           </a:custGeom>
           <a:noFill/>
-          <a:ln cap="flat" cmpd="sng" w="9525">
+          <a:ln w="9525" cap="flat" cmpd="sng">
             <a:solidFill>
               <a:srgbClr val="000000"/>
             </a:solidFill>
             <a:prstDash val="solid"/>
             <a:round/>
-            <a:headEnd len="med" w="med" type="none"/>
-            <a:tailEnd len="med" w="med" type="none"/>
+            <a:headEnd type="none" w="med" len="med"/>
+            <a:tailEnd type="none" w="med" len="med"/>
           </a:ln>
         </p:spPr>
       </p:sp>
       <p:sp>
         <p:nvSpPr>
           <p:cNvPr id="50" name="Shape 50"/>
-          <p:cNvSpPr txBox="1"/>
+          <p:cNvSpPr txBox="1">
+            <a:spLocks noGrp="1"/>
+          </p:cNvSpPr>
           <p:nvPr>
-            <p:ph idx="1" type="body"/>
+            <p:ph type="body" idx="1"/>
           </p:nvPr>
         </p:nvSpPr>
         <p:spPr>
@@ -908,22 +1054,19 @@
           </a:ln>
         </p:spPr>
         <p:txBody>
-          <a:bodyPr anchorCtr="0" anchor="t" bIns="91425" lIns="91425" rIns="91425" tIns="91425">
+          <a:bodyPr lIns="91425" tIns="91425" rIns="91425" bIns="91425" anchor="t" anchorCtr="0">
             <a:noAutofit/>
           </a:bodyPr>
           <a:lstStyle/>
           <a:p>
-            <a:pPr indent="0" lvl="0" marL="0" marR="0" rtl="0" algn="l">
+            <a:pPr marL="0" marR="0" lvl="0" indent="0" algn="l" rtl="0">
               <a:spcBef>
                 <a:spcPts val="0"/>
               </a:spcBef>
               <a:buFont typeface="Arial"/>
               <a:buNone/>
             </a:pPr>
-            <a:r>
-              <a:t/>
-            </a:r>
-            <a:endParaRPr b="0" baseline="0" i="0" sz="1100" u="none" cap="none" strike="noStrike"/>
+            <a:endParaRPr sz="1100" b="0" i="0" u="none" strike="noStrike" cap="none" baseline="0"/>
           </a:p>
         </p:txBody>
       </p:sp>
@@ -936,11 +1079,11 @@
 </file>
 
 <file path=ppt/notesSlides/notesSlide4.xml><?xml version="1.0" encoding="utf-8"?>
-<p:notes xmlns:a="http://schemas.openxmlformats.org/drawingml/2006/main" xmlns:r="http://schemas.openxmlformats.org/officeDocument/2006/relationships" xmlns:mc="http://schemas.openxmlformats.org/markup-compatibility/2006" xmlns:mv="urn:schemas-microsoft-com:mac:vml" xmlns:p="http://schemas.openxmlformats.org/presentationml/2006/main" xmlns:c="http://schemas.openxmlformats.org/drawingml/2006/chart" xmlns:dgm="http://schemas.openxmlformats.org/drawingml/2006/diagram" xmlns:o="urn:schemas-microsoft-com:office:office" xmlns:v="urn:schemas-microsoft-com:vml" xmlns:pvml="urn:schemas-microsoft-com:office:powerpoint" xmlns:com="http://schemas.openxmlformats.org/drawingml/2006/compatibility" xmlns:p14="http://schemas.microsoft.com/office/powerpoint/2010/main" showMasterPhAnim="0" showMasterSp="0">
+<p:notes xmlns:a="http://schemas.openxmlformats.org/drawingml/2006/main" xmlns:r="http://schemas.openxmlformats.org/officeDocument/2006/relationships" xmlns:p="http://schemas.openxmlformats.org/presentationml/2006/main" showMasterSp="0" showMasterPhAnim="0">
   <p:cSld>
     <p:spTree>
       <p:nvGrpSpPr>
-        <p:cNvPr id="54" name="Shape 54"/>
+        <p:cNvPr id="1" name="Shape 54"/>
         <p:cNvGrpSpPr/>
         <p:nvPr/>
       </p:nvGrpSpPr>
@@ -955,9 +1098,11 @@
       <p:sp>
         <p:nvSpPr>
           <p:cNvPr id="55" name="Shape 55"/>
-          <p:cNvSpPr/>
+          <p:cNvSpPr>
+            <a:spLocks noGrp="1" noRot="1" noChangeAspect="1"/>
+          </p:cNvSpPr>
           <p:nvPr>
-            <p:ph idx="2" type="sldImg"/>
+            <p:ph type="sldImg" idx="2"/>
           </p:nvPr>
         </p:nvSpPr>
         <p:spPr>
@@ -966,8 +1111,13 @@
             <a:ext cx="6096299" cy="3429000"/>
           </a:xfrm>
           <a:custGeom>
+            <a:avLst/>
+            <a:gdLst/>
+            <a:ahLst/>
+            <a:cxnLst/>
+            <a:rect l="0" t="0" r="0" b="0"/>
             <a:pathLst>
-              <a:path extrusionOk="0" h="120000" w="120000">
+              <a:path w="120000" h="120000" extrusionOk="0">
                 <a:moveTo>
                   <a:pt x="0" y="0"/>
                 </a:moveTo>
@@ -985,23 +1135,25 @@
             </a:pathLst>
           </a:custGeom>
           <a:noFill/>
-          <a:ln cap="flat" cmpd="sng" w="9525">
+          <a:ln w="9525" cap="flat" cmpd="sng">
             <a:solidFill>
               <a:srgbClr val="000000"/>
             </a:solidFill>
             <a:prstDash val="solid"/>
             <a:round/>
-            <a:headEnd len="med" w="med" type="none"/>
-            <a:tailEnd len="med" w="med" type="none"/>
+            <a:headEnd type="none" w="med" len="med"/>
+            <a:tailEnd type="none" w="med" len="med"/>
           </a:ln>
         </p:spPr>
       </p:sp>
       <p:sp>
         <p:nvSpPr>
           <p:cNvPr id="56" name="Shape 56"/>
-          <p:cNvSpPr txBox="1"/>
+          <p:cNvSpPr txBox="1">
+            <a:spLocks noGrp="1"/>
+          </p:cNvSpPr>
           <p:nvPr>
-            <p:ph idx="1" type="body"/>
+            <p:ph type="body" idx="1"/>
           </p:nvPr>
         </p:nvSpPr>
         <p:spPr>
@@ -1018,22 +1170,19 @@
           </a:ln>
         </p:spPr>
         <p:txBody>
-          <a:bodyPr anchorCtr="0" anchor="t" bIns="91425" lIns="91425" rIns="91425" tIns="91425">
+          <a:bodyPr lIns="91425" tIns="91425" rIns="91425" bIns="91425" anchor="t" anchorCtr="0">
             <a:noAutofit/>
           </a:bodyPr>
           <a:lstStyle/>
           <a:p>
-            <a:pPr indent="0" lvl="0" marL="0" marR="0" rtl="0" algn="l">
+            <a:pPr marL="0" marR="0" lvl="0" indent="0" algn="l" rtl="0">
               <a:spcBef>
                 <a:spcPts val="0"/>
               </a:spcBef>
               <a:buFont typeface="Arial"/>
               <a:buNone/>
             </a:pPr>
-            <a:r>
-              <a:t/>
-            </a:r>
-            <a:endParaRPr b="0" baseline="0" i="0" sz="1100" u="none" cap="none" strike="noStrike"/>
+            <a:endParaRPr sz="1100" b="0" i="0" u="none" strike="noStrike" cap="none" baseline="0"/>
           </a:p>
         </p:txBody>
       </p:sp>
@@ -1046,11 +1195,11 @@
 </file>
 
 <file path=ppt/notesSlides/notesSlide5.xml><?xml version="1.0" encoding="utf-8"?>
-<p:notes xmlns:a="http://schemas.openxmlformats.org/drawingml/2006/main" xmlns:r="http://schemas.openxmlformats.org/officeDocument/2006/relationships" xmlns:mc="http://schemas.openxmlformats.org/markup-compatibility/2006" xmlns:mv="urn:schemas-microsoft-com:mac:vml" xmlns:p="http://schemas.openxmlformats.org/presentationml/2006/main" xmlns:c="http://schemas.openxmlformats.org/drawingml/2006/chart" xmlns:dgm="http://schemas.openxmlformats.org/drawingml/2006/diagram" xmlns:o="urn:schemas-microsoft-com:office:office" xmlns:v="urn:schemas-microsoft-com:vml" xmlns:pvml="urn:schemas-microsoft-com:office:powerpoint" xmlns:com="http://schemas.openxmlformats.org/drawingml/2006/compatibility" xmlns:p14="http://schemas.microsoft.com/office/powerpoint/2010/main" showMasterPhAnim="0" showMasterSp="0">
+<p:notes xmlns:a="http://schemas.openxmlformats.org/drawingml/2006/main" xmlns:r="http://schemas.openxmlformats.org/officeDocument/2006/relationships" xmlns:p="http://schemas.openxmlformats.org/presentationml/2006/main" showMasterSp="0" showMasterPhAnim="0">
   <p:cSld>
     <p:spTree>
       <p:nvGrpSpPr>
-        <p:cNvPr id="60" name="Shape 60"/>
+        <p:cNvPr id="1" name="Shape 60"/>
         <p:cNvGrpSpPr/>
         <p:nvPr/>
       </p:nvGrpSpPr>
@@ -1065,9 +1214,11 @@
       <p:sp>
         <p:nvSpPr>
           <p:cNvPr id="61" name="Shape 61"/>
-          <p:cNvSpPr/>
+          <p:cNvSpPr>
+            <a:spLocks noGrp="1" noRot="1" noChangeAspect="1"/>
+          </p:cNvSpPr>
           <p:nvPr>
-            <p:ph idx="2" type="sldImg"/>
+            <p:ph type="sldImg" idx="2"/>
           </p:nvPr>
         </p:nvSpPr>
         <p:spPr>
@@ -1076,8 +1227,13 @@
             <a:ext cx="6096299" cy="3429000"/>
           </a:xfrm>
           <a:custGeom>
+            <a:avLst/>
+            <a:gdLst/>
+            <a:ahLst/>
+            <a:cxnLst/>
+            <a:rect l="0" t="0" r="0" b="0"/>
             <a:pathLst>
-              <a:path extrusionOk="0" h="120000" w="120000">
+              <a:path w="120000" h="120000" extrusionOk="0">
                 <a:moveTo>
                   <a:pt x="0" y="0"/>
                 </a:moveTo>
@@ -1095,23 +1251,25 @@
             </a:pathLst>
           </a:custGeom>
           <a:noFill/>
-          <a:ln cap="flat" cmpd="sng" w="9525">
+          <a:ln w="9525" cap="flat" cmpd="sng">
             <a:solidFill>
               <a:srgbClr val="000000"/>
             </a:solidFill>
             <a:prstDash val="solid"/>
             <a:round/>
-            <a:headEnd len="med" w="med" type="none"/>
-            <a:tailEnd len="med" w="med" type="none"/>
+            <a:headEnd type="none" w="med" len="med"/>
+            <a:tailEnd type="none" w="med" len="med"/>
           </a:ln>
         </p:spPr>
       </p:sp>
       <p:sp>
         <p:nvSpPr>
           <p:cNvPr id="62" name="Shape 62"/>
-          <p:cNvSpPr txBox="1"/>
+          <p:cNvSpPr txBox="1">
+            <a:spLocks noGrp="1"/>
+          </p:cNvSpPr>
           <p:nvPr>
-            <p:ph idx="1" type="body"/>
+            <p:ph type="body" idx="1"/>
           </p:nvPr>
         </p:nvSpPr>
         <p:spPr>
@@ -1128,22 +1286,19 @@
           </a:ln>
         </p:spPr>
         <p:txBody>
-          <a:bodyPr anchorCtr="0" anchor="t" bIns="91425" lIns="91425" rIns="91425" tIns="91425">
+          <a:bodyPr lIns="91425" tIns="91425" rIns="91425" bIns="91425" anchor="t" anchorCtr="0">
             <a:noAutofit/>
           </a:bodyPr>
           <a:lstStyle/>
           <a:p>
-            <a:pPr indent="0" lvl="0" marL="0" marR="0" rtl="0" algn="l">
+            <a:pPr marL="0" marR="0" lvl="0" indent="0" algn="l" rtl="0">
               <a:spcBef>
                 <a:spcPts val="0"/>
               </a:spcBef>
               <a:buFont typeface="Arial"/>
               <a:buNone/>
             </a:pPr>
-            <a:r>
-              <a:t/>
-            </a:r>
-            <a:endParaRPr b="0" baseline="0" i="0" sz="1100" u="none" cap="none" strike="noStrike"/>
+            <a:endParaRPr sz="1100" b="0" i="0" u="none" strike="noStrike" cap="none" baseline="0"/>
           </a:p>
         </p:txBody>
       </p:sp>
@@ -1156,11 +1311,11 @@
 </file>
 
 <file path=ppt/notesSlides/notesSlide6.xml><?xml version="1.0" encoding="utf-8"?>
-<p:notes xmlns:a="http://schemas.openxmlformats.org/drawingml/2006/main" xmlns:r="http://schemas.openxmlformats.org/officeDocument/2006/relationships" xmlns:mc="http://schemas.openxmlformats.org/markup-compatibility/2006" xmlns:mv="urn:schemas-microsoft-com:mac:vml" xmlns:p="http://schemas.openxmlformats.org/presentationml/2006/main" xmlns:c="http://schemas.openxmlformats.org/drawingml/2006/chart" xmlns:dgm="http://schemas.openxmlformats.org/drawingml/2006/diagram" xmlns:o="urn:schemas-microsoft-com:office:office" xmlns:v="urn:schemas-microsoft-com:vml" xmlns:pvml="urn:schemas-microsoft-com:office:powerpoint" xmlns:com="http://schemas.openxmlformats.org/drawingml/2006/compatibility" xmlns:p14="http://schemas.microsoft.com/office/powerpoint/2010/main" showMasterPhAnim="0" showMasterSp="0">
+<p:notes xmlns:a="http://schemas.openxmlformats.org/drawingml/2006/main" xmlns:r="http://schemas.openxmlformats.org/officeDocument/2006/relationships" xmlns:p="http://schemas.openxmlformats.org/presentationml/2006/main" showMasterSp="0" showMasterPhAnim="0">
   <p:cSld>
     <p:spTree>
       <p:nvGrpSpPr>
-        <p:cNvPr id="66" name="Shape 66"/>
+        <p:cNvPr id="1" name="Shape 66"/>
         <p:cNvGrpSpPr/>
         <p:nvPr/>
       </p:nvGrpSpPr>
@@ -1175,9 +1330,11 @@
       <p:sp>
         <p:nvSpPr>
           <p:cNvPr id="67" name="Shape 67"/>
-          <p:cNvSpPr/>
+          <p:cNvSpPr>
+            <a:spLocks noGrp="1" noRot="1" noChangeAspect="1"/>
+          </p:cNvSpPr>
           <p:nvPr>
-            <p:ph idx="2" type="sldImg"/>
+            <p:ph type="sldImg" idx="2"/>
           </p:nvPr>
         </p:nvSpPr>
         <p:spPr>
@@ -1186,8 +1343,13 @@
             <a:ext cx="6096299" cy="3429000"/>
           </a:xfrm>
           <a:custGeom>
+            <a:avLst/>
+            <a:gdLst/>
+            <a:ahLst/>
+            <a:cxnLst/>
+            <a:rect l="0" t="0" r="0" b="0"/>
             <a:pathLst>
-              <a:path extrusionOk="0" h="120000" w="120000">
+              <a:path w="120000" h="120000" extrusionOk="0">
                 <a:moveTo>
                   <a:pt x="0" y="0"/>
                 </a:moveTo>
@@ -1205,23 +1367,25 @@
             </a:pathLst>
           </a:custGeom>
           <a:noFill/>
-          <a:ln cap="flat" cmpd="sng" w="9525">
+          <a:ln w="9525" cap="flat" cmpd="sng">
             <a:solidFill>
               <a:srgbClr val="000000"/>
             </a:solidFill>
             <a:prstDash val="solid"/>
             <a:round/>
-            <a:headEnd len="med" w="med" type="none"/>
-            <a:tailEnd len="med" w="med" type="none"/>
+            <a:headEnd type="none" w="med" len="med"/>
+            <a:tailEnd type="none" w="med" len="med"/>
           </a:ln>
         </p:spPr>
       </p:sp>
       <p:sp>
         <p:nvSpPr>
           <p:cNvPr id="68" name="Shape 68"/>
-          <p:cNvSpPr txBox="1"/>
+          <p:cNvSpPr txBox="1">
+            <a:spLocks noGrp="1"/>
+          </p:cNvSpPr>
           <p:nvPr>
-            <p:ph idx="1" type="body"/>
+            <p:ph type="body" idx="1"/>
           </p:nvPr>
         </p:nvSpPr>
         <p:spPr>
@@ -1238,22 +1402,19 @@
           </a:ln>
         </p:spPr>
         <p:txBody>
-          <a:bodyPr anchorCtr="0" anchor="t" bIns="91425" lIns="91425" rIns="91425" tIns="91425">
+          <a:bodyPr lIns="91425" tIns="91425" rIns="91425" bIns="91425" anchor="t" anchorCtr="0">
             <a:noAutofit/>
           </a:bodyPr>
           <a:lstStyle/>
           <a:p>
-            <a:pPr indent="0" lvl="0" marL="0" marR="0" rtl="0" algn="l">
+            <a:pPr marL="0" marR="0" lvl="0" indent="0" algn="l" rtl="0">
               <a:spcBef>
                 <a:spcPts val="0"/>
               </a:spcBef>
               <a:buFont typeface="Arial"/>
               <a:buNone/>
             </a:pPr>
-            <a:r>
-              <a:t/>
-            </a:r>
-            <a:endParaRPr b="0" baseline="0" i="0" sz="1100" u="none" cap="none" strike="noStrike"/>
+            <a:endParaRPr sz="1100" b="0" i="0" u="none" strike="noStrike" cap="none" baseline="0"/>
           </a:p>
         </p:txBody>
       </p:sp>
@@ -1266,11 +1427,11 @@
 </file>
 
 <file path=ppt/notesSlides/notesSlide7.xml><?xml version="1.0" encoding="utf-8"?>
-<p:notes xmlns:a="http://schemas.openxmlformats.org/drawingml/2006/main" xmlns:r="http://schemas.openxmlformats.org/officeDocument/2006/relationships" xmlns:mc="http://schemas.openxmlformats.org/markup-compatibility/2006" xmlns:mv="urn:schemas-microsoft-com:mac:vml" xmlns:p="http://schemas.openxmlformats.org/presentationml/2006/main" xmlns:c="http://schemas.openxmlformats.org/drawingml/2006/chart" xmlns:dgm="http://schemas.openxmlformats.org/drawingml/2006/diagram" xmlns:o="urn:schemas-microsoft-com:office:office" xmlns:v="urn:schemas-microsoft-com:vml" xmlns:pvml="urn:schemas-microsoft-com:office:powerpoint" xmlns:com="http://schemas.openxmlformats.org/drawingml/2006/compatibility" xmlns:p14="http://schemas.microsoft.com/office/powerpoint/2010/main" showMasterPhAnim="0" showMasterSp="0">
+<p:notes xmlns:a="http://schemas.openxmlformats.org/drawingml/2006/main" xmlns:r="http://schemas.openxmlformats.org/officeDocument/2006/relationships" xmlns:p="http://schemas.openxmlformats.org/presentationml/2006/main" showMasterSp="0" showMasterPhAnim="0">
   <p:cSld>
     <p:spTree>
       <p:nvGrpSpPr>
-        <p:cNvPr id="72" name="Shape 72"/>
+        <p:cNvPr id="1" name="Shape 72"/>
         <p:cNvGrpSpPr/>
         <p:nvPr/>
       </p:nvGrpSpPr>
@@ -1285,9 +1446,11 @@
       <p:sp>
         <p:nvSpPr>
           <p:cNvPr id="73" name="Shape 73"/>
-          <p:cNvSpPr/>
+          <p:cNvSpPr>
+            <a:spLocks noGrp="1" noRot="1" noChangeAspect="1"/>
+          </p:cNvSpPr>
           <p:nvPr>
-            <p:ph idx="2" type="sldImg"/>
+            <p:ph type="sldImg" idx="2"/>
           </p:nvPr>
         </p:nvSpPr>
         <p:spPr>
@@ -1296,8 +1459,13 @@
             <a:ext cx="6096299" cy="3429000"/>
           </a:xfrm>
           <a:custGeom>
+            <a:avLst/>
+            <a:gdLst/>
+            <a:ahLst/>
+            <a:cxnLst/>
+            <a:rect l="0" t="0" r="0" b="0"/>
             <a:pathLst>
-              <a:path extrusionOk="0" h="120000" w="120000">
+              <a:path w="120000" h="120000" extrusionOk="0">
                 <a:moveTo>
                   <a:pt x="0" y="0"/>
                 </a:moveTo>
@@ -1315,23 +1483,25 @@
             </a:pathLst>
           </a:custGeom>
           <a:noFill/>
-          <a:ln cap="flat" cmpd="sng" w="9525">
+          <a:ln w="9525" cap="flat" cmpd="sng">
             <a:solidFill>
               <a:srgbClr val="000000"/>
             </a:solidFill>
             <a:prstDash val="solid"/>
             <a:round/>
-            <a:headEnd len="med" w="med" type="none"/>
-            <a:tailEnd len="med" w="med" type="none"/>
+            <a:headEnd type="none" w="med" len="med"/>
+            <a:tailEnd type="none" w="med" len="med"/>
           </a:ln>
         </p:spPr>
       </p:sp>
       <p:sp>
         <p:nvSpPr>
           <p:cNvPr id="74" name="Shape 74"/>
-          <p:cNvSpPr txBox="1"/>
+          <p:cNvSpPr txBox="1">
+            <a:spLocks noGrp="1"/>
+          </p:cNvSpPr>
           <p:nvPr>
-            <p:ph idx="1" type="body"/>
+            <p:ph type="body" idx="1"/>
           </p:nvPr>
         </p:nvSpPr>
         <p:spPr>
@@ -1348,22 +1518,19 @@
           </a:ln>
         </p:spPr>
         <p:txBody>
-          <a:bodyPr anchorCtr="0" anchor="t" bIns="91425" lIns="91425" rIns="91425" tIns="91425">
+          <a:bodyPr lIns="91425" tIns="91425" rIns="91425" bIns="91425" anchor="t" anchorCtr="0">
             <a:noAutofit/>
           </a:bodyPr>
           <a:lstStyle/>
           <a:p>
-            <a:pPr indent="0" lvl="0" marL="0" marR="0" rtl="0" algn="l">
+            <a:pPr marL="0" marR="0" lvl="0" indent="0" algn="l" rtl="0">
               <a:spcBef>
                 <a:spcPts val="0"/>
               </a:spcBef>
               <a:buFont typeface="Arial"/>
               <a:buNone/>
             </a:pPr>
-            <a:r>
-              <a:t/>
-            </a:r>
-            <a:endParaRPr b="0" baseline="0" i="0" sz="1100" u="none" cap="none" strike="noStrike"/>
+            <a:endParaRPr sz="1100" b="0" i="0" u="none" strike="noStrike" cap="none" baseline="0"/>
           </a:p>
         </p:txBody>
       </p:sp>
@@ -1376,11 +1543,11 @@
 </file>
 
 <file path=ppt/notesSlides/notesSlide8.xml><?xml version="1.0" encoding="utf-8"?>
-<p:notes xmlns:a="http://schemas.openxmlformats.org/drawingml/2006/main" xmlns:r="http://schemas.openxmlformats.org/officeDocument/2006/relationships" xmlns:mc="http://schemas.openxmlformats.org/markup-compatibility/2006" xmlns:mv="urn:schemas-microsoft-com:mac:vml" xmlns:p="http://schemas.openxmlformats.org/presentationml/2006/main" xmlns:c="http://schemas.openxmlformats.org/drawingml/2006/chart" xmlns:dgm="http://schemas.openxmlformats.org/drawingml/2006/diagram" xmlns:o="urn:schemas-microsoft-com:office:office" xmlns:v="urn:schemas-microsoft-com:vml" xmlns:pvml="urn:schemas-microsoft-com:office:powerpoint" xmlns:com="http://schemas.openxmlformats.org/drawingml/2006/compatibility" xmlns:p14="http://schemas.microsoft.com/office/powerpoint/2010/main" showMasterPhAnim="0" showMasterSp="0">
+<p:notes xmlns:a="http://schemas.openxmlformats.org/drawingml/2006/main" xmlns:r="http://schemas.openxmlformats.org/officeDocument/2006/relationships" xmlns:p="http://schemas.openxmlformats.org/presentationml/2006/main" showMasterSp="0" showMasterPhAnim="0">
   <p:cSld>
     <p:spTree>
       <p:nvGrpSpPr>
-        <p:cNvPr id="78" name="Shape 78"/>
+        <p:cNvPr id="1" name="Shape 78"/>
         <p:cNvGrpSpPr/>
         <p:nvPr/>
       </p:nvGrpSpPr>
@@ -1395,9 +1562,11 @@
       <p:sp>
         <p:nvSpPr>
           <p:cNvPr id="79" name="Shape 79"/>
-          <p:cNvSpPr/>
+          <p:cNvSpPr>
+            <a:spLocks noGrp="1" noRot="1" noChangeAspect="1"/>
+          </p:cNvSpPr>
           <p:nvPr>
-            <p:ph idx="2" type="sldImg"/>
+            <p:ph type="sldImg" idx="2"/>
           </p:nvPr>
         </p:nvSpPr>
         <p:spPr>
@@ -1406,8 +1575,13 @@
             <a:ext cx="6096299" cy="3429000"/>
           </a:xfrm>
           <a:custGeom>
+            <a:avLst/>
+            <a:gdLst/>
+            <a:ahLst/>
+            <a:cxnLst/>
+            <a:rect l="0" t="0" r="0" b="0"/>
             <a:pathLst>
-              <a:path extrusionOk="0" h="120000" w="120000">
+              <a:path w="120000" h="120000" extrusionOk="0">
                 <a:moveTo>
                   <a:pt x="0" y="0"/>
                 </a:moveTo>
@@ -1425,23 +1599,25 @@
             </a:pathLst>
           </a:custGeom>
           <a:noFill/>
-          <a:ln cap="flat" cmpd="sng" w="9525">
+          <a:ln w="9525" cap="flat" cmpd="sng">
             <a:solidFill>
               <a:srgbClr val="000000"/>
             </a:solidFill>
             <a:prstDash val="solid"/>
             <a:round/>
-            <a:headEnd len="med" w="med" type="none"/>
-            <a:tailEnd len="med" w="med" type="none"/>
+            <a:headEnd type="none" w="med" len="med"/>
+            <a:tailEnd type="none" w="med" len="med"/>
           </a:ln>
         </p:spPr>
       </p:sp>
       <p:sp>
         <p:nvSpPr>
           <p:cNvPr id="80" name="Shape 80"/>
-          <p:cNvSpPr txBox="1"/>
+          <p:cNvSpPr txBox="1">
+            <a:spLocks noGrp="1"/>
+          </p:cNvSpPr>
           <p:nvPr>
-            <p:ph idx="1" type="body"/>
+            <p:ph type="body" idx="1"/>
           </p:nvPr>
         </p:nvSpPr>
         <p:spPr>
@@ -1458,22 +1634,19 @@
           </a:ln>
         </p:spPr>
         <p:txBody>
-          <a:bodyPr anchorCtr="0" anchor="t" bIns="91425" lIns="91425" rIns="91425" tIns="91425">
+          <a:bodyPr lIns="91425" tIns="91425" rIns="91425" bIns="91425" anchor="t" anchorCtr="0">
             <a:noAutofit/>
           </a:bodyPr>
           <a:lstStyle/>
           <a:p>
-            <a:pPr indent="0" lvl="0" marL="0" marR="0" rtl="0" algn="l">
+            <a:pPr marL="0" marR="0" lvl="0" indent="0" algn="l" rtl="0">
               <a:spcBef>
                 <a:spcPts val="0"/>
               </a:spcBef>
               <a:buFont typeface="Arial"/>
               <a:buNone/>
             </a:pPr>
-            <a:r>
-              <a:t/>
-            </a:r>
-            <a:endParaRPr b="0" baseline="0" i="0" sz="1100" u="none" cap="none" strike="noStrike"/>
+            <a:endParaRPr sz="1100" b="0" i="0" u="none" strike="noStrike" cap="none" baseline="0"/>
           </a:p>
         </p:txBody>
       </p:sp>
@@ -1486,11 +1659,11 @@
 </file>
 
 <file path=ppt/notesSlides/notesSlide9.xml><?xml version="1.0" encoding="utf-8"?>
-<p:notes xmlns:a="http://schemas.openxmlformats.org/drawingml/2006/main" xmlns:r="http://schemas.openxmlformats.org/officeDocument/2006/relationships" xmlns:mc="http://schemas.openxmlformats.org/markup-compatibility/2006" xmlns:mv="urn:schemas-microsoft-com:mac:vml" xmlns:p="http://schemas.openxmlformats.org/presentationml/2006/main" xmlns:c="http://schemas.openxmlformats.org/drawingml/2006/chart" xmlns:dgm="http://schemas.openxmlformats.org/drawingml/2006/diagram" xmlns:o="urn:schemas-microsoft-com:office:office" xmlns:v="urn:schemas-microsoft-com:vml" xmlns:pvml="urn:schemas-microsoft-com:office:powerpoint" xmlns:com="http://schemas.openxmlformats.org/drawingml/2006/compatibility" xmlns:p14="http://schemas.microsoft.com/office/powerpoint/2010/main" showMasterPhAnim="0" showMasterSp="0">
+<p:notes xmlns:a="http://schemas.openxmlformats.org/drawingml/2006/main" xmlns:r="http://schemas.openxmlformats.org/officeDocument/2006/relationships" xmlns:p="http://schemas.openxmlformats.org/presentationml/2006/main" showMasterSp="0" showMasterPhAnim="0">
   <p:cSld>
     <p:spTree>
       <p:nvGrpSpPr>
-        <p:cNvPr id="84" name="Shape 84"/>
+        <p:cNvPr id="1" name="Shape 84"/>
         <p:cNvGrpSpPr/>
         <p:nvPr/>
       </p:nvGrpSpPr>
@@ -1505,9 +1678,11 @@
       <p:sp>
         <p:nvSpPr>
           <p:cNvPr id="85" name="Shape 85"/>
-          <p:cNvSpPr/>
+          <p:cNvSpPr>
+            <a:spLocks noGrp="1" noRot="1" noChangeAspect="1"/>
+          </p:cNvSpPr>
           <p:nvPr>
-            <p:ph idx="2" type="sldImg"/>
+            <p:ph type="sldImg" idx="2"/>
           </p:nvPr>
         </p:nvSpPr>
         <p:spPr>
@@ -1516,8 +1691,13 @@
             <a:ext cx="6096299" cy="3429000"/>
           </a:xfrm>
           <a:custGeom>
+            <a:avLst/>
+            <a:gdLst/>
+            <a:ahLst/>
+            <a:cxnLst/>
+            <a:rect l="0" t="0" r="0" b="0"/>
             <a:pathLst>
-              <a:path extrusionOk="0" h="120000" w="120000">
+              <a:path w="120000" h="120000" extrusionOk="0">
                 <a:moveTo>
                   <a:pt x="0" y="0"/>
                 </a:moveTo>
@@ -1535,23 +1715,25 @@
             </a:pathLst>
           </a:custGeom>
           <a:noFill/>
-          <a:ln cap="flat" cmpd="sng" w="9525">
+          <a:ln w="9525" cap="flat" cmpd="sng">
             <a:solidFill>
               <a:srgbClr val="000000"/>
             </a:solidFill>
             <a:prstDash val="solid"/>
             <a:round/>
-            <a:headEnd len="med" w="med" type="none"/>
-            <a:tailEnd len="med" w="med" type="none"/>
+            <a:headEnd type="none" w="med" len="med"/>
+            <a:tailEnd type="none" w="med" len="med"/>
           </a:ln>
         </p:spPr>
       </p:sp>
       <p:sp>
         <p:nvSpPr>
           <p:cNvPr id="86" name="Shape 86"/>
-          <p:cNvSpPr txBox="1"/>
+          <p:cNvSpPr txBox="1">
+            <a:spLocks noGrp="1"/>
+          </p:cNvSpPr>
           <p:nvPr>
-            <p:ph idx="1" type="body"/>
+            <p:ph type="body" idx="1"/>
           </p:nvPr>
         </p:nvSpPr>
         <p:spPr>
@@ -1568,22 +1750,19 @@
           </a:ln>
         </p:spPr>
         <p:txBody>
-          <a:bodyPr anchorCtr="0" anchor="t" bIns="91425" lIns="91425" rIns="91425" tIns="91425">
+          <a:bodyPr lIns="91425" tIns="91425" rIns="91425" bIns="91425" anchor="t" anchorCtr="0">
             <a:noAutofit/>
           </a:bodyPr>
           <a:lstStyle/>
           <a:p>
-            <a:pPr indent="0" lvl="0" marL="0" marR="0" rtl="0" algn="l">
+            <a:pPr marL="0" marR="0" lvl="0" indent="0" algn="l" rtl="0">
               <a:spcBef>
                 <a:spcPts val="0"/>
               </a:spcBef>
               <a:buFont typeface="Arial"/>
               <a:buNone/>
             </a:pPr>
-            <a:r>
-              <a:t/>
-            </a:r>
-            <a:endParaRPr b="0" baseline="0" i="0" sz="1100" u="none" cap="none" strike="noStrike"/>
+            <a:endParaRPr sz="1100" b="0" i="0" u="none" strike="noStrike" cap="none" baseline="0"/>
           </a:p>
         </p:txBody>
       </p:sp>
@@ -1596,11 +1775,11 @@
 </file>
 
 <file path=ppt/slideLayouts/slideLayout1.xml><?xml version="1.0" encoding="utf-8"?>
-<p:sldLayout xmlns:a="http://schemas.openxmlformats.org/drawingml/2006/main" xmlns:r="http://schemas.openxmlformats.org/officeDocument/2006/relationships" xmlns:mc="http://schemas.openxmlformats.org/markup-compatibility/2006" xmlns:mv="urn:schemas-microsoft-com:mac:vml" xmlns:p="http://schemas.openxmlformats.org/presentationml/2006/main" xmlns:c="http://schemas.openxmlformats.org/drawingml/2006/chart" xmlns:dgm="http://schemas.openxmlformats.org/drawingml/2006/diagram" xmlns:o="urn:schemas-microsoft-com:office:office" xmlns:v="urn:schemas-microsoft-com:vml" xmlns:pvml="urn:schemas-microsoft-com:office:powerpoint" xmlns:com="http://schemas.openxmlformats.org/drawingml/2006/compatibility" xmlns:p14="http://schemas.microsoft.com/office/powerpoint/2010/main" type="title">
+<p:sldLayout xmlns:a="http://schemas.openxmlformats.org/drawingml/2006/main" xmlns:r="http://schemas.openxmlformats.org/officeDocument/2006/relationships" xmlns:p="http://schemas.openxmlformats.org/presentationml/2006/main" type="title">
   <p:cSld name="Title Slide">
     <p:spTree>
       <p:nvGrpSpPr>
-        <p:cNvPr id="7" name="Shape 7"/>
+        <p:cNvPr id="1" name="Shape 7"/>
         <p:cNvGrpSpPr/>
         <p:nvPr/>
       </p:nvGrpSpPr>
@@ -1625,7 +1804,7 @@
           </a:xfrm>
           <a:prstGeom prst="roundRect">
             <a:avLst>
-              <a:gd fmla="val 3653" name="adj"/>
+              <a:gd name="adj" fmla="val 3653"/>
             </a:avLst>
           </a:prstGeom>
           <a:solidFill>
@@ -1636,12 +1815,12 @@
           </a:ln>
         </p:spPr>
         <p:txBody>
-          <a:bodyPr anchorCtr="0" anchor="ctr" bIns="45700" lIns="91425" rIns="91425" tIns="45700">
+          <a:bodyPr lIns="91425" tIns="45700" rIns="91425" bIns="45700" anchor="ctr" anchorCtr="0">
             <a:noAutofit/>
           </a:bodyPr>
           <a:lstStyle/>
           <a:p>
-            <a:pPr indent="0" lvl="0" marL="0" marR="0" rtl="0" algn="l">
+            <a:pPr marL="0" marR="0" lvl="0" indent="0" algn="l" rtl="0">
               <a:lnSpc>
                 <a:spcPct val="100000"/>
               </a:lnSpc>
@@ -1657,10 +1836,7 @@
               <a:buFont typeface="Arial"/>
               <a:buNone/>
             </a:pPr>
-            <a:r>
-              <a:t/>
-            </a:r>
-            <a:endParaRPr b="0" baseline="0" i="0" sz="1400" u="none" cap="none" strike="noStrike">
+            <a:endParaRPr sz="1400" b="0" i="0" u="none" strike="noStrike" cap="none" baseline="0">
               <a:solidFill>
                 <a:srgbClr val="000000"/>
               </a:solidFill>
@@ -1686,7 +1862,7 @@
           </a:xfrm>
           <a:prstGeom prst="roundRect">
             <a:avLst>
-              <a:gd fmla="val 15243" name="adj"/>
+              <a:gd name="adj" fmla="val 15243"/>
             </a:avLst>
           </a:prstGeom>
           <a:solidFill>
@@ -1697,12 +1873,12 @@
           </a:ln>
         </p:spPr>
         <p:txBody>
-          <a:bodyPr anchorCtr="0" anchor="ctr" bIns="45700" lIns="91425" rIns="91425" tIns="45700">
+          <a:bodyPr lIns="91425" tIns="45700" rIns="91425" bIns="45700" anchor="ctr" anchorCtr="0">
             <a:noAutofit/>
           </a:bodyPr>
           <a:lstStyle/>
           <a:p>
-            <a:pPr indent="0" lvl="0" marL="0" marR="0" rtl="0" algn="l">
+            <a:pPr marL="0" marR="0" lvl="0" indent="0" algn="l" rtl="0">
               <a:lnSpc>
                 <a:spcPct val="100000"/>
               </a:lnSpc>
@@ -1718,10 +1894,7 @@
               <a:buFont typeface="Arial"/>
               <a:buNone/>
             </a:pPr>
-            <a:r>
-              <a:t/>
-            </a:r>
-            <a:endParaRPr b="0" baseline="0" i="0" sz="1400" u="none" cap="none" strike="noStrike">
+            <a:endParaRPr sz="1400" b="0" i="0" u="none" strike="noStrike" cap="none" baseline="0">
               <a:solidFill>
                 <a:srgbClr val="000000"/>
               </a:solidFill>
@@ -1737,7 +1910,9 @@
       <p:sp>
         <p:nvSpPr>
           <p:cNvPr id="10" name="Shape 10"/>
-          <p:cNvSpPr txBox="1"/>
+          <p:cNvSpPr txBox="1">
+            <a:spLocks noGrp="1"/>
+          </p:cNvSpPr>
           <p:nvPr>
             <p:ph type="ctrTitle"/>
           </p:nvPr>
@@ -1756,9 +1931,9 @@
           </a:ln>
         </p:spPr>
         <p:txBody>
-          <a:bodyPr anchorCtr="0" anchor="b" bIns="91425" lIns="91425" rIns="91425" tIns="91425"/>
+          <a:bodyPr lIns="91425" tIns="91425" rIns="91425" bIns="91425" anchor="b" anchorCtr="0"/>
           <a:lstStyle>
-            <a:lvl1pPr indent="0" marL="0" marR="0" rtl="0" algn="l">
+            <a:lvl1pPr marL="0" marR="0" indent="0" algn="l" rtl="0">
               <a:lnSpc>
                 <a:spcPct val="100000"/>
               </a:lnSpc>
@@ -1775,7 +1950,7 @@
               <a:buNone/>
               <a:defRPr/>
             </a:lvl1pPr>
-            <a:lvl2pPr indent="0" marL="0" marR="0" rtl="0" algn="l">
+            <a:lvl2pPr marL="0" marR="0" indent="0" algn="l" rtl="0">
               <a:lnSpc>
                 <a:spcPct val="100000"/>
               </a:lnSpc>
@@ -1792,7 +1967,7 @@
               <a:buNone/>
               <a:defRPr/>
             </a:lvl2pPr>
-            <a:lvl3pPr indent="0" marL="0" marR="0" rtl="0" algn="l">
+            <a:lvl3pPr marL="0" marR="0" indent="0" algn="l" rtl="0">
               <a:spcBef>
                 <a:spcPts val="0"/>
               </a:spcBef>
@@ -1803,7 +1978,7 @@
               <a:buNone/>
               <a:defRPr/>
             </a:lvl3pPr>
-            <a:lvl4pPr indent="0" marL="0" marR="0" rtl="0" algn="l">
+            <a:lvl4pPr marL="0" marR="0" indent="0" algn="l" rtl="0">
               <a:spcBef>
                 <a:spcPts val="0"/>
               </a:spcBef>
@@ -1814,7 +1989,7 @@
               <a:buNone/>
               <a:defRPr/>
             </a:lvl4pPr>
-            <a:lvl5pPr indent="0" marL="0" marR="0" rtl="0" algn="l">
+            <a:lvl5pPr marL="0" marR="0" indent="0" algn="l" rtl="0">
               <a:spcBef>
                 <a:spcPts val="0"/>
               </a:spcBef>
@@ -1825,7 +2000,7 @@
               <a:buNone/>
               <a:defRPr/>
             </a:lvl5pPr>
-            <a:lvl6pPr indent="0" marL="0" marR="0" rtl="0" algn="l">
+            <a:lvl6pPr marL="0" marR="0" indent="0" algn="l" rtl="0">
               <a:spcBef>
                 <a:spcPts val="0"/>
               </a:spcBef>
@@ -1836,7 +2011,7 @@
               <a:buNone/>
               <a:defRPr/>
             </a:lvl6pPr>
-            <a:lvl7pPr indent="0" marL="0" marR="0" rtl="0" algn="l">
+            <a:lvl7pPr marL="0" marR="0" indent="0" algn="l" rtl="0">
               <a:spcBef>
                 <a:spcPts val="0"/>
               </a:spcBef>
@@ -1847,7 +2022,7 @@
               <a:buNone/>
               <a:defRPr/>
             </a:lvl7pPr>
-            <a:lvl8pPr indent="0" marL="0" marR="0" rtl="0" algn="l">
+            <a:lvl8pPr marL="0" marR="0" indent="0" algn="l" rtl="0">
               <a:spcBef>
                 <a:spcPts val="0"/>
               </a:spcBef>
@@ -1858,7 +2033,7 @@
               <a:buNone/>
               <a:defRPr/>
             </a:lvl8pPr>
-            <a:lvl9pPr indent="0" marL="0" marR="0" rtl="0" algn="l">
+            <a:lvl9pPr marL="0" marR="0" indent="0" algn="l" rtl="0">
               <a:spcBef>
                 <a:spcPts val="0"/>
               </a:spcBef>
@@ -1870,15 +2045,19 @@
               <a:defRPr/>
             </a:lvl9pPr>
           </a:lstStyle>
-          <a:p/>
+          <a:p>
+            <a:endParaRPr/>
+          </a:p>
         </p:txBody>
       </p:sp>
       <p:sp>
         <p:nvSpPr>
           <p:cNvPr id="11" name="Shape 11"/>
-          <p:cNvSpPr txBox="1"/>
+          <p:cNvSpPr txBox="1">
+            <a:spLocks noGrp="1"/>
+          </p:cNvSpPr>
           <p:nvPr>
-            <p:ph idx="1" type="subTitle"/>
+            <p:ph type="subTitle" idx="1"/>
           </p:nvPr>
         </p:nvSpPr>
         <p:spPr>
@@ -1895,9 +2074,9 @@
           </a:ln>
         </p:spPr>
         <p:txBody>
-          <a:bodyPr anchorCtr="0" anchor="ctr" bIns="91425" lIns="91425" rIns="91425" tIns="91425"/>
+          <a:bodyPr lIns="91425" tIns="91425" rIns="91425" bIns="91425" anchor="ctr" anchorCtr="0"/>
           <a:lstStyle>
-            <a:lvl1pPr indent="0" marL="0" marR="0" rtl="0" algn="l">
+            <a:lvl1pPr marL="0" marR="0" indent="0" algn="l" rtl="0">
               <a:lnSpc>
                 <a:spcPct val="100000"/>
               </a:lnSpc>
@@ -1914,7 +2093,7 @@
               <a:buNone/>
               <a:defRPr/>
             </a:lvl1pPr>
-            <a:lvl2pPr indent="0" marL="0" marR="0" rtl="0" algn="l">
+            <a:lvl2pPr marL="0" marR="0" indent="0" algn="l" rtl="0">
               <a:lnSpc>
                 <a:spcPct val="100000"/>
               </a:lnSpc>
@@ -1931,7 +2110,7 @@
               <a:buNone/>
               <a:defRPr/>
             </a:lvl2pPr>
-            <a:lvl3pPr indent="0" marL="0" marR="0" rtl="0" algn="l">
+            <a:lvl3pPr marL="0" marR="0" indent="0" algn="l" rtl="0">
               <a:lnSpc>
                 <a:spcPct val="100000"/>
               </a:lnSpc>
@@ -1948,7 +2127,7 @@
               <a:buNone/>
               <a:defRPr/>
             </a:lvl3pPr>
-            <a:lvl4pPr indent="0" marL="0" marR="0" rtl="0" algn="l">
+            <a:lvl4pPr marL="0" marR="0" indent="0" algn="l" rtl="0">
               <a:lnSpc>
                 <a:spcPct val="100000"/>
               </a:lnSpc>
@@ -1965,7 +2144,7 @@
               <a:buNone/>
               <a:defRPr/>
             </a:lvl4pPr>
-            <a:lvl5pPr indent="0" marL="0" marR="0" rtl="0" algn="l">
+            <a:lvl5pPr marL="0" marR="0" indent="0" algn="l" rtl="0">
               <a:lnSpc>
                 <a:spcPct val="100000"/>
               </a:lnSpc>
@@ -1982,7 +2161,7 @@
               <a:buNone/>
               <a:defRPr/>
             </a:lvl5pPr>
-            <a:lvl6pPr indent="0" marL="0" marR="0" rtl="0" algn="l">
+            <a:lvl6pPr marL="0" marR="0" indent="0" algn="l" rtl="0">
               <a:lnSpc>
                 <a:spcPct val="100000"/>
               </a:lnSpc>
@@ -1999,7 +2178,7 @@
               <a:buNone/>
               <a:defRPr/>
             </a:lvl6pPr>
-            <a:lvl7pPr indent="0" marL="0" marR="0" rtl="0" algn="l">
+            <a:lvl7pPr marL="0" marR="0" indent="0" algn="l" rtl="0">
               <a:lnSpc>
                 <a:spcPct val="100000"/>
               </a:lnSpc>
@@ -2016,7 +2195,7 @@
               <a:buNone/>
               <a:defRPr/>
             </a:lvl7pPr>
-            <a:lvl8pPr indent="0" marL="0" marR="0" rtl="0" algn="l">
+            <a:lvl8pPr marL="0" marR="0" indent="0" algn="l" rtl="0">
               <a:lnSpc>
                 <a:spcPct val="100000"/>
               </a:lnSpc>
@@ -2033,7 +2212,7 @@
               <a:buNone/>
               <a:defRPr/>
             </a:lvl8pPr>
-            <a:lvl9pPr indent="0" marL="0" marR="0" rtl="0" algn="l">
+            <a:lvl9pPr marL="0" marR="0" indent="0" algn="l" rtl="0">
               <a:lnSpc>
                 <a:spcPct val="100000"/>
               </a:lnSpc>
@@ -2051,7 +2230,9 @@
               <a:defRPr/>
             </a:lvl9pPr>
           </a:lstStyle>
-          <a:p/>
+          <a:p>
+            <a:endParaRPr/>
+          </a:p>
         </p:txBody>
       </p:sp>
     </p:spTree>
@@ -2063,11 +2244,11 @@
 </file>
 
 <file path=ppt/slideLayouts/slideLayout2.xml><?xml version="1.0" encoding="utf-8"?>
-<p:sldLayout xmlns:a="http://schemas.openxmlformats.org/drawingml/2006/main" xmlns:r="http://schemas.openxmlformats.org/officeDocument/2006/relationships" xmlns:mc="http://schemas.openxmlformats.org/markup-compatibility/2006" xmlns:mv="urn:schemas-microsoft-com:mac:vml" xmlns:p="http://schemas.openxmlformats.org/presentationml/2006/main" xmlns:c="http://schemas.openxmlformats.org/drawingml/2006/chart" xmlns:dgm="http://schemas.openxmlformats.org/drawingml/2006/diagram" xmlns:o="urn:schemas-microsoft-com:office:office" xmlns:v="urn:schemas-microsoft-com:vml" xmlns:pvml="urn:schemas-microsoft-com:office:powerpoint" xmlns:com="http://schemas.openxmlformats.org/drawingml/2006/compatibility" xmlns:p14="http://schemas.microsoft.com/office/powerpoint/2010/main" type="tx">
+<p:sldLayout xmlns:a="http://schemas.openxmlformats.org/drawingml/2006/main" xmlns:r="http://schemas.openxmlformats.org/officeDocument/2006/relationships" xmlns:p="http://schemas.openxmlformats.org/presentationml/2006/main" type="tx">
   <p:cSld name="Title and Body">
     <p:spTree>
       <p:nvGrpSpPr>
-        <p:cNvPr id="12" name="Shape 12"/>
+        <p:cNvPr id="1" name="Shape 12"/>
         <p:cNvGrpSpPr/>
         <p:nvPr/>
       </p:nvGrpSpPr>
@@ -2092,7 +2273,7 @@
           </a:xfrm>
           <a:prstGeom prst="roundRect">
             <a:avLst>
-              <a:gd fmla="val 2970" name="adj"/>
+              <a:gd name="adj" fmla="val 2970"/>
             </a:avLst>
           </a:prstGeom>
           <a:solidFill>
@@ -2103,12 +2284,12 @@
           </a:ln>
         </p:spPr>
         <p:txBody>
-          <a:bodyPr anchorCtr="0" anchor="ctr" bIns="45700" lIns="91425" rIns="91425" tIns="45700">
+          <a:bodyPr lIns="91425" tIns="45700" rIns="91425" bIns="45700" anchor="ctr" anchorCtr="0">
             <a:noAutofit/>
           </a:bodyPr>
           <a:lstStyle/>
           <a:p>
-            <a:pPr indent="0" lvl="0" marL="0" marR="0" rtl="0" algn="l">
+            <a:pPr marL="0" marR="0" lvl="0" indent="0" algn="l" rtl="0">
               <a:lnSpc>
                 <a:spcPct val="100000"/>
               </a:lnSpc>
@@ -2124,10 +2305,7 @@
               <a:buFont typeface="Arial"/>
               <a:buNone/>
             </a:pPr>
-            <a:r>
-              <a:t/>
-            </a:r>
-            <a:endParaRPr b="0" baseline="0" i="0" sz="1400" u="none" cap="none" strike="noStrike">
+            <a:endParaRPr sz="1400" b="0" i="0" u="none" strike="noStrike" cap="none" baseline="0">
               <a:solidFill>
                 <a:srgbClr val="000000"/>
               </a:solidFill>
@@ -2147,14 +2325,14 @@
           <p:nvPr/>
         </p:nvSpPr>
         <p:spPr>
-          <a:xfrm flipH="1" rot="10800000">
+          <a:xfrm rot="10800000" flipH="1">
             <a:off x="372035" y="58"/>
             <a:ext cx="8399999" cy="1049700"/>
           </a:xfrm>
           <a:prstGeom prst="round2SameRect">
             <a:avLst>
-              <a:gd fmla="val 10590" name="adj1"/>
-              <a:gd fmla="val 0" name="adj2"/>
+              <a:gd name="adj1" fmla="val 10590"/>
+              <a:gd name="adj2" fmla="val 0"/>
             </a:avLst>
           </a:prstGeom>
           <a:solidFill>
@@ -2165,12 +2343,12 @@
           </a:ln>
         </p:spPr>
         <p:txBody>
-          <a:bodyPr anchorCtr="0" anchor="ctr" bIns="45700" lIns="91425" rIns="91425" tIns="45700">
+          <a:bodyPr lIns="91425" tIns="45700" rIns="91425" bIns="45700" anchor="ctr" anchorCtr="0">
             <a:noAutofit/>
           </a:bodyPr>
           <a:lstStyle/>
           <a:p>
-            <a:pPr indent="0" lvl="0" marL="0" marR="0" rtl="0" algn="l">
+            <a:pPr marL="0" marR="0" lvl="0" indent="0" algn="l" rtl="0">
               <a:lnSpc>
                 <a:spcPct val="100000"/>
               </a:lnSpc>
@@ -2186,10 +2364,7 @@
               <a:buFont typeface="Arial"/>
               <a:buNone/>
             </a:pPr>
-            <a:r>
-              <a:t/>
-            </a:r>
-            <a:endParaRPr b="0" baseline="0" i="0" sz="1400" u="none" cap="none" strike="noStrike">
+            <a:endParaRPr sz="1400" b="0" i="0" u="none" strike="noStrike" cap="none" baseline="0">
               <a:solidFill>
                 <a:srgbClr val="000000"/>
               </a:solidFill>
@@ -2205,7 +2380,9 @@
       <p:sp>
         <p:nvSpPr>
           <p:cNvPr id="15" name="Shape 15"/>
-          <p:cNvSpPr txBox="1"/>
+          <p:cNvSpPr txBox="1">
+            <a:spLocks noGrp="1"/>
+          </p:cNvSpPr>
           <p:nvPr>
             <p:ph type="title"/>
           </p:nvPr>
@@ -2224,7 +2401,7 @@
           </a:ln>
         </p:spPr>
         <p:txBody>
-          <a:bodyPr anchorCtr="0" anchor="b" bIns="91425" lIns="91425" rIns="91425" tIns="91425"/>
+          <a:bodyPr lIns="91425" tIns="91425" rIns="91425" bIns="91425" anchor="b" anchorCtr="0"/>
           <a:lstStyle>
             <a:lvl1pPr rtl="0">
               <a:spcBef>
@@ -2281,15 +2458,19 @@
               <a:defRPr/>
             </a:lvl9pPr>
           </a:lstStyle>
-          <a:p/>
+          <a:p>
+            <a:endParaRPr/>
+          </a:p>
         </p:txBody>
       </p:sp>
       <p:sp>
         <p:nvSpPr>
           <p:cNvPr id="16" name="Shape 16"/>
-          <p:cNvSpPr txBox="1"/>
+          <p:cNvSpPr txBox="1">
+            <a:spLocks noGrp="1"/>
+          </p:cNvSpPr>
           <p:nvPr>
-            <p:ph idx="1" type="body"/>
+            <p:ph type="body" idx="1"/>
           </p:nvPr>
         </p:nvSpPr>
         <p:spPr>
@@ -2306,7 +2487,7 @@
           </a:ln>
         </p:spPr>
         <p:txBody>
-          <a:bodyPr anchorCtr="0" anchor="t" bIns="91425" lIns="91425" rIns="91425" tIns="91425"/>
+          <a:bodyPr lIns="91425" tIns="91425" rIns="91425" bIns="91425" anchor="t" anchorCtr="0"/>
           <a:lstStyle>
             <a:lvl1pPr rtl="0">
               <a:spcBef>
@@ -2363,7 +2544,9 @@
               <a:defRPr/>
             </a:lvl9pPr>
           </a:lstStyle>
-          <a:p/>
+          <a:p>
+            <a:endParaRPr/>
+          </a:p>
         </p:txBody>
       </p:sp>
     </p:spTree>
@@ -2375,11 +2558,11 @@
 </file>
 
 <file path=ppt/slideLayouts/slideLayout3.xml><?xml version="1.0" encoding="utf-8"?>
-<p:sldLayout xmlns:a="http://schemas.openxmlformats.org/drawingml/2006/main" xmlns:r="http://schemas.openxmlformats.org/officeDocument/2006/relationships" xmlns:mc="http://schemas.openxmlformats.org/markup-compatibility/2006" xmlns:mv="urn:schemas-microsoft-com:mac:vml" xmlns:p="http://schemas.openxmlformats.org/presentationml/2006/main" xmlns:c="http://schemas.openxmlformats.org/drawingml/2006/chart" xmlns:dgm="http://schemas.openxmlformats.org/drawingml/2006/diagram" xmlns:o="urn:schemas-microsoft-com:office:office" xmlns:v="urn:schemas-microsoft-com:vml" xmlns:pvml="urn:schemas-microsoft-com:office:powerpoint" xmlns:com="http://schemas.openxmlformats.org/drawingml/2006/compatibility" xmlns:p14="http://schemas.microsoft.com/office/powerpoint/2010/main" type="twoColTx">
+<p:sldLayout xmlns:a="http://schemas.openxmlformats.org/drawingml/2006/main" xmlns:r="http://schemas.openxmlformats.org/officeDocument/2006/relationships" xmlns:p="http://schemas.openxmlformats.org/presentationml/2006/main" type="twoColTx">
   <p:cSld name="Title and Two Columns">
     <p:spTree>
       <p:nvGrpSpPr>
-        <p:cNvPr id="17" name="Shape 17"/>
+        <p:cNvPr id="1" name="Shape 17"/>
         <p:cNvGrpSpPr/>
         <p:nvPr/>
       </p:nvGrpSpPr>
@@ -2404,7 +2587,7 @@
           </a:xfrm>
           <a:prstGeom prst="roundRect">
             <a:avLst>
-              <a:gd fmla="val 3784" name="adj"/>
+              <a:gd name="adj" fmla="val 3784"/>
             </a:avLst>
           </a:prstGeom>
           <a:solidFill>
@@ -2415,12 +2598,12 @@
           </a:ln>
         </p:spPr>
         <p:txBody>
-          <a:bodyPr anchorCtr="0" anchor="ctr" bIns="45700" lIns="91425" rIns="91425" tIns="45700">
+          <a:bodyPr lIns="91425" tIns="45700" rIns="91425" bIns="45700" anchor="ctr" anchorCtr="0">
             <a:noAutofit/>
           </a:bodyPr>
           <a:lstStyle/>
           <a:p>
-            <a:pPr indent="0" lvl="0" marL="0" marR="0" rtl="0" algn="l">
+            <a:pPr marL="0" marR="0" lvl="0" indent="0" algn="l" rtl="0">
               <a:lnSpc>
                 <a:spcPct val="100000"/>
               </a:lnSpc>
@@ -2436,10 +2619,7 @@
               <a:buFont typeface="Arial"/>
               <a:buNone/>
             </a:pPr>
-            <a:r>
-              <a:t/>
-            </a:r>
-            <a:endParaRPr b="0" baseline="0" i="0" sz="1400" u="none" cap="none" strike="noStrike">
+            <a:endParaRPr sz="1400" b="0" i="0" u="none" strike="noStrike" cap="none" baseline="0">
               <a:solidFill>
                 <a:srgbClr val="000000"/>
               </a:solidFill>
@@ -2459,14 +2639,14 @@
           <p:nvPr/>
         </p:nvSpPr>
         <p:spPr>
-          <a:xfrm flipH="1" rot="10800000">
+          <a:xfrm rot="10800000" flipH="1">
             <a:off x="372035" y="58"/>
             <a:ext cx="8399999" cy="1049700"/>
           </a:xfrm>
           <a:prstGeom prst="round2SameRect">
             <a:avLst>
-              <a:gd fmla="val 10590" name="adj1"/>
-              <a:gd fmla="val 0" name="adj2"/>
+              <a:gd name="adj1" fmla="val 10590"/>
+              <a:gd name="adj2" fmla="val 0"/>
             </a:avLst>
           </a:prstGeom>
           <a:solidFill>
@@ -2477,12 +2657,12 @@
           </a:ln>
         </p:spPr>
         <p:txBody>
-          <a:bodyPr anchorCtr="0" anchor="ctr" bIns="45700" lIns="91425" rIns="91425" tIns="45700">
+          <a:bodyPr lIns="91425" tIns="45700" rIns="91425" bIns="45700" anchor="ctr" anchorCtr="0">
             <a:noAutofit/>
           </a:bodyPr>
           <a:lstStyle/>
           <a:p>
-            <a:pPr indent="0" lvl="0" marL="0" marR="0" rtl="0" algn="l">
+            <a:pPr marL="0" marR="0" lvl="0" indent="0" algn="l" rtl="0">
               <a:lnSpc>
                 <a:spcPct val="100000"/>
               </a:lnSpc>
@@ -2498,10 +2678,7 @@
               <a:buFont typeface="Arial"/>
               <a:buNone/>
             </a:pPr>
-            <a:r>
-              <a:t/>
-            </a:r>
-            <a:endParaRPr b="0" baseline="0" i="0" sz="1400" u="none" cap="none" strike="noStrike">
+            <a:endParaRPr sz="1400" b="0" i="0" u="none" strike="noStrike" cap="none" baseline="0">
               <a:solidFill>
                 <a:srgbClr val="000000"/>
               </a:solidFill>
@@ -2517,7 +2694,9 @@
       <p:sp>
         <p:nvSpPr>
           <p:cNvPr id="20" name="Shape 20"/>
-          <p:cNvSpPr txBox="1"/>
+          <p:cNvSpPr txBox="1">
+            <a:spLocks noGrp="1"/>
+          </p:cNvSpPr>
           <p:nvPr>
             <p:ph type="title"/>
           </p:nvPr>
@@ -2536,7 +2715,7 @@
           </a:ln>
         </p:spPr>
         <p:txBody>
-          <a:bodyPr anchorCtr="0" anchor="b" bIns="91425" lIns="91425" rIns="91425" tIns="91425"/>
+          <a:bodyPr lIns="91425" tIns="91425" rIns="91425" bIns="91425" anchor="b" anchorCtr="0"/>
           <a:lstStyle>
             <a:lvl1pPr rtl="0">
               <a:spcBef>
@@ -2593,15 +2772,19 @@
               <a:defRPr/>
             </a:lvl9pPr>
           </a:lstStyle>
-          <a:p/>
+          <a:p>
+            <a:endParaRPr/>
+          </a:p>
         </p:txBody>
       </p:sp>
       <p:sp>
         <p:nvSpPr>
           <p:cNvPr id="21" name="Shape 21"/>
-          <p:cNvSpPr txBox="1"/>
+          <p:cNvSpPr txBox="1">
+            <a:spLocks noGrp="1"/>
+          </p:cNvSpPr>
           <p:nvPr>
-            <p:ph idx="1" type="body"/>
+            <p:ph type="body" idx="1"/>
           </p:nvPr>
         </p:nvSpPr>
         <p:spPr>
@@ -2618,7 +2801,7 @@
           </a:ln>
         </p:spPr>
         <p:txBody>
-          <a:bodyPr anchorCtr="0" anchor="t" bIns="91425" lIns="91425" rIns="91425" tIns="91425"/>
+          <a:bodyPr lIns="91425" tIns="91425" rIns="91425" bIns="91425" anchor="t" anchorCtr="0"/>
           <a:lstStyle>
             <a:lvl1pPr rtl="0">
               <a:spcBef>
@@ -2675,7 +2858,9 @@
               <a:defRPr/>
             </a:lvl9pPr>
           </a:lstStyle>
-          <a:p/>
+          <a:p>
+            <a:endParaRPr/>
+          </a:p>
         </p:txBody>
       </p:sp>
       <p:sp>
@@ -2691,7 +2876,7 @@
           </a:xfrm>
           <a:prstGeom prst="roundRect">
             <a:avLst>
-              <a:gd fmla="val 3784" name="adj"/>
+              <a:gd name="adj" fmla="val 3784"/>
             </a:avLst>
           </a:prstGeom>
           <a:solidFill>
@@ -2702,12 +2887,12 @@
           </a:ln>
         </p:spPr>
         <p:txBody>
-          <a:bodyPr anchorCtr="0" anchor="ctr" bIns="45700" lIns="91425" rIns="91425" tIns="45700">
+          <a:bodyPr lIns="91425" tIns="45700" rIns="91425" bIns="45700" anchor="ctr" anchorCtr="0">
             <a:noAutofit/>
           </a:bodyPr>
           <a:lstStyle/>
           <a:p>
-            <a:pPr indent="0" lvl="0" marL="0" marR="0" rtl="0" algn="l">
+            <a:pPr marL="0" marR="0" lvl="0" indent="0" algn="l" rtl="0">
               <a:lnSpc>
                 <a:spcPct val="100000"/>
               </a:lnSpc>
@@ -2723,10 +2908,7 @@
               <a:buFont typeface="Arial"/>
               <a:buNone/>
             </a:pPr>
-            <a:r>
-              <a:t/>
-            </a:r>
-            <a:endParaRPr b="0" baseline="0" i="0" sz="1400" u="none" cap="none" strike="noStrike">
+            <a:endParaRPr sz="1400" b="0" i="0" u="none" strike="noStrike" cap="none" baseline="0">
               <a:solidFill>
                 <a:srgbClr val="000000"/>
               </a:solidFill>
@@ -2742,9 +2924,11 @@
       <p:sp>
         <p:nvSpPr>
           <p:cNvPr id="23" name="Shape 23"/>
-          <p:cNvSpPr txBox="1"/>
+          <p:cNvSpPr txBox="1">
+            <a:spLocks noGrp="1"/>
+          </p:cNvSpPr>
           <p:nvPr>
-            <p:ph idx="2" type="body"/>
+            <p:ph type="body" idx="2"/>
           </p:nvPr>
         </p:nvSpPr>
         <p:spPr>
@@ -2761,7 +2945,7 @@
           </a:ln>
         </p:spPr>
         <p:txBody>
-          <a:bodyPr anchorCtr="0" anchor="t" bIns="91425" lIns="91425" rIns="91425" tIns="91425"/>
+          <a:bodyPr lIns="91425" tIns="91425" rIns="91425" bIns="91425" anchor="t" anchorCtr="0"/>
           <a:lstStyle>
             <a:lvl1pPr rtl="0">
               <a:spcBef>
@@ -2818,7 +3002,9 @@
               <a:defRPr/>
             </a:lvl9pPr>
           </a:lstStyle>
-          <a:p/>
+          <a:p>
+            <a:endParaRPr/>
+          </a:p>
         </p:txBody>
       </p:sp>
     </p:spTree>
@@ -2830,11 +3016,11 @@
 </file>
 
 <file path=ppt/slideLayouts/slideLayout4.xml><?xml version="1.0" encoding="utf-8"?>
-<p:sldLayout xmlns:a="http://schemas.openxmlformats.org/drawingml/2006/main" xmlns:r="http://schemas.openxmlformats.org/officeDocument/2006/relationships" xmlns:mc="http://schemas.openxmlformats.org/markup-compatibility/2006" xmlns:mv="urn:schemas-microsoft-com:mac:vml" xmlns:p="http://schemas.openxmlformats.org/presentationml/2006/main" xmlns:c="http://schemas.openxmlformats.org/drawingml/2006/chart" xmlns:dgm="http://schemas.openxmlformats.org/drawingml/2006/diagram" xmlns:o="urn:schemas-microsoft-com:office:office" xmlns:v="urn:schemas-microsoft-com:vml" xmlns:pvml="urn:schemas-microsoft-com:office:powerpoint" xmlns:com="http://schemas.openxmlformats.org/drawingml/2006/compatibility" xmlns:p14="http://schemas.microsoft.com/office/powerpoint/2010/main" type="titleOnly">
+<p:sldLayout xmlns:a="http://schemas.openxmlformats.org/drawingml/2006/main" xmlns:r="http://schemas.openxmlformats.org/officeDocument/2006/relationships" xmlns:p="http://schemas.openxmlformats.org/presentationml/2006/main" type="titleOnly">
   <p:cSld name="Title Only">
     <p:spTree>
       <p:nvGrpSpPr>
-        <p:cNvPr id="24" name="Shape 24"/>
+        <p:cNvPr id="1" name="Shape 24"/>
         <p:cNvGrpSpPr/>
         <p:nvPr/>
       </p:nvGrpSpPr>
@@ -2859,7 +3045,7 @@
           </a:xfrm>
           <a:prstGeom prst="roundRect">
             <a:avLst>
-              <a:gd fmla="val 2970" name="adj"/>
+              <a:gd name="adj" fmla="val 2970"/>
             </a:avLst>
           </a:prstGeom>
           <a:solidFill>
@@ -2870,12 +3056,12 @@
           </a:ln>
         </p:spPr>
         <p:txBody>
-          <a:bodyPr anchorCtr="0" anchor="ctr" bIns="45700" lIns="91425" rIns="91425" tIns="45700">
+          <a:bodyPr lIns="91425" tIns="45700" rIns="91425" bIns="45700" anchor="ctr" anchorCtr="0">
             <a:noAutofit/>
           </a:bodyPr>
           <a:lstStyle/>
           <a:p>
-            <a:pPr indent="0" lvl="0" marL="0" marR="0" rtl="0" algn="l">
+            <a:pPr marL="0" marR="0" lvl="0" indent="0" algn="l" rtl="0">
               <a:lnSpc>
                 <a:spcPct val="100000"/>
               </a:lnSpc>
@@ -2891,10 +3077,7 @@
               <a:buFont typeface="Arial"/>
               <a:buNone/>
             </a:pPr>
-            <a:r>
-              <a:t/>
-            </a:r>
-            <a:endParaRPr b="0" baseline="0" i="0" sz="1400" u="none" cap="none" strike="noStrike">
+            <a:endParaRPr sz="1400" b="0" i="0" u="none" strike="noStrike" cap="none" baseline="0">
               <a:solidFill>
                 <a:srgbClr val="000000"/>
               </a:solidFill>
@@ -2914,14 +3097,14 @@
           <p:nvPr/>
         </p:nvSpPr>
         <p:spPr>
-          <a:xfrm flipH="1" rot="10800000">
+          <a:xfrm rot="10800000" flipH="1">
             <a:off x="372035" y="58"/>
             <a:ext cx="8399999" cy="1049700"/>
           </a:xfrm>
           <a:prstGeom prst="round2SameRect">
             <a:avLst>
-              <a:gd fmla="val 10590" name="adj1"/>
-              <a:gd fmla="val 0" name="adj2"/>
+              <a:gd name="adj1" fmla="val 10590"/>
+              <a:gd name="adj2" fmla="val 0"/>
             </a:avLst>
           </a:prstGeom>
           <a:solidFill>
@@ -2932,12 +3115,12 @@
           </a:ln>
         </p:spPr>
         <p:txBody>
-          <a:bodyPr anchorCtr="0" anchor="ctr" bIns="45700" lIns="91425" rIns="91425" tIns="45700">
+          <a:bodyPr lIns="91425" tIns="45700" rIns="91425" bIns="45700" anchor="ctr" anchorCtr="0">
             <a:noAutofit/>
           </a:bodyPr>
           <a:lstStyle/>
           <a:p>
-            <a:pPr indent="0" lvl="0" marL="0" marR="0" rtl="0" algn="l">
+            <a:pPr marL="0" marR="0" lvl="0" indent="0" algn="l" rtl="0">
               <a:lnSpc>
                 <a:spcPct val="100000"/>
               </a:lnSpc>
@@ -2953,10 +3136,7 @@
               <a:buFont typeface="Arial"/>
               <a:buNone/>
             </a:pPr>
-            <a:r>
-              <a:t/>
-            </a:r>
-            <a:endParaRPr b="0" baseline="0" i="0" sz="1400" u="none" cap="none" strike="noStrike">
+            <a:endParaRPr sz="1400" b="0" i="0" u="none" strike="noStrike" cap="none" baseline="0">
               <a:solidFill>
                 <a:srgbClr val="000000"/>
               </a:solidFill>
@@ -2972,7 +3152,9 @@
       <p:sp>
         <p:nvSpPr>
           <p:cNvPr id="27" name="Shape 27"/>
-          <p:cNvSpPr txBox="1"/>
+          <p:cNvSpPr txBox="1">
+            <a:spLocks noGrp="1"/>
+          </p:cNvSpPr>
           <p:nvPr>
             <p:ph type="title"/>
           </p:nvPr>
@@ -2991,7 +3173,7 @@
           </a:ln>
         </p:spPr>
         <p:txBody>
-          <a:bodyPr anchorCtr="0" anchor="b" bIns="91425" lIns="91425" rIns="91425" tIns="91425"/>
+          <a:bodyPr lIns="91425" tIns="91425" rIns="91425" bIns="91425" anchor="b" anchorCtr="0"/>
           <a:lstStyle>
             <a:lvl1pPr rtl="0">
               <a:spcBef>
@@ -3048,7 +3230,9 @@
               <a:defRPr/>
             </a:lvl9pPr>
           </a:lstStyle>
-          <a:p/>
+          <a:p>
+            <a:endParaRPr/>
+          </a:p>
         </p:txBody>
       </p:sp>
     </p:spTree>
@@ -3060,11 +3244,11 @@
 </file>
 
 <file path=ppt/slideLayouts/slideLayout5.xml><?xml version="1.0" encoding="utf-8"?>
-<p:sldLayout xmlns:a="http://schemas.openxmlformats.org/drawingml/2006/main" xmlns:r="http://schemas.openxmlformats.org/officeDocument/2006/relationships" xmlns:mc="http://schemas.openxmlformats.org/markup-compatibility/2006" xmlns:mv="urn:schemas-microsoft-com:mac:vml" xmlns:p="http://schemas.openxmlformats.org/presentationml/2006/main" xmlns:c="http://schemas.openxmlformats.org/drawingml/2006/chart" xmlns:dgm="http://schemas.openxmlformats.org/drawingml/2006/diagram" xmlns:o="urn:schemas-microsoft-com:office:office" xmlns:v="urn:schemas-microsoft-com:vml" xmlns:pvml="urn:schemas-microsoft-com:office:powerpoint" xmlns:com="http://schemas.openxmlformats.org/drawingml/2006/compatibility" xmlns:p14="http://schemas.microsoft.com/office/powerpoint/2010/main">
+<p:sldLayout xmlns:a="http://schemas.openxmlformats.org/drawingml/2006/main" xmlns:r="http://schemas.openxmlformats.org/officeDocument/2006/relationships" xmlns:p="http://schemas.openxmlformats.org/presentationml/2006/main">
   <p:cSld name="Caption">
     <p:spTree>
       <p:nvGrpSpPr>
-        <p:cNvPr id="28" name="Shape 28"/>
+        <p:cNvPr id="1" name="Shape 28"/>
         <p:cNvGrpSpPr/>
         <p:nvPr/>
       </p:nvGrpSpPr>
@@ -3079,9 +3263,11 @@
       <p:sp>
         <p:nvSpPr>
           <p:cNvPr id="29" name="Shape 29"/>
-          <p:cNvSpPr txBox="1"/>
+          <p:cNvSpPr txBox="1">
+            <a:spLocks noGrp="1"/>
+          </p:cNvSpPr>
           <p:nvPr>
-            <p:ph idx="1" type="body"/>
+            <p:ph type="body" idx="1"/>
           </p:nvPr>
         </p:nvSpPr>
         <p:spPr>
@@ -3098,7 +3284,7 @@
           </a:ln>
         </p:spPr>
         <p:txBody>
-          <a:bodyPr anchorCtr="0" anchor="t" bIns="91425" lIns="91425" rIns="91425" tIns="91425"/>
+          <a:bodyPr lIns="91425" tIns="91425" rIns="91425" bIns="91425" anchor="t" anchorCtr="0"/>
           <a:lstStyle>
             <a:lvl1pPr rtl="0">
               <a:spcBef>
@@ -3160,7 +3346,9 @@
               <a:defRPr/>
             </a:lvl9pPr>
           </a:lstStyle>
-          <a:p/>
+          <a:p>
+            <a:endParaRPr/>
+          </a:p>
         </p:txBody>
       </p:sp>
       <p:sp>
@@ -3176,7 +3364,7 @@
           </a:xfrm>
           <a:prstGeom prst="roundRect">
             <a:avLst>
-              <a:gd fmla="val 2776" name="adj"/>
+              <a:gd name="adj" fmla="val 2776"/>
             </a:avLst>
           </a:prstGeom>
           <a:solidFill>
@@ -3187,12 +3375,12 @@
           </a:ln>
         </p:spPr>
         <p:txBody>
-          <a:bodyPr anchorCtr="0" anchor="ctr" bIns="45700" lIns="91425" rIns="91425" tIns="45700">
+          <a:bodyPr lIns="91425" tIns="45700" rIns="91425" bIns="45700" anchor="ctr" anchorCtr="0">
             <a:noAutofit/>
           </a:bodyPr>
           <a:lstStyle/>
           <a:p>
-            <a:pPr indent="0" lvl="0" marL="0" marR="0" rtl="0" algn="l">
+            <a:pPr marL="0" marR="0" lvl="0" indent="0" algn="l" rtl="0">
               <a:lnSpc>
                 <a:spcPct val="100000"/>
               </a:lnSpc>
@@ -3208,10 +3396,7 @@
               <a:buFont typeface="Arial"/>
               <a:buNone/>
             </a:pPr>
-            <a:r>
-              <a:t/>
-            </a:r>
-            <a:endParaRPr b="0" baseline="0" i="0" sz="1400" u="none" cap="none" strike="noStrike">
+            <a:endParaRPr sz="1400" b="0" i="0" u="none" strike="noStrike" cap="none" baseline="0">
               <a:solidFill>
                 <a:srgbClr val="000000"/>
               </a:solidFill>
@@ -3233,11 +3418,11 @@
 </file>
 
 <file path=ppt/slideLayouts/slideLayout6.xml><?xml version="1.0" encoding="utf-8"?>
-<p:sldLayout xmlns:a="http://schemas.openxmlformats.org/drawingml/2006/main" xmlns:r="http://schemas.openxmlformats.org/officeDocument/2006/relationships" xmlns:mc="http://schemas.openxmlformats.org/markup-compatibility/2006" xmlns:mv="urn:schemas-microsoft-com:mac:vml" xmlns:p="http://schemas.openxmlformats.org/presentationml/2006/main" xmlns:c="http://schemas.openxmlformats.org/drawingml/2006/chart" xmlns:dgm="http://schemas.openxmlformats.org/drawingml/2006/diagram" xmlns:o="urn:schemas-microsoft-com:office:office" xmlns:v="urn:schemas-microsoft-com:vml" xmlns:pvml="urn:schemas-microsoft-com:office:powerpoint" xmlns:com="http://schemas.openxmlformats.org/drawingml/2006/compatibility" xmlns:p14="http://schemas.microsoft.com/office/powerpoint/2010/main" type="blank">
+<p:sldLayout xmlns:a="http://schemas.openxmlformats.org/drawingml/2006/main" xmlns:r="http://schemas.openxmlformats.org/officeDocument/2006/relationships" xmlns:p="http://schemas.openxmlformats.org/presentationml/2006/main" type="blank">
   <p:cSld name="Blank">
     <p:spTree>
       <p:nvGrpSpPr>
-        <p:cNvPr id="31" name="Shape 31"/>
+        <p:cNvPr id="1" name="Shape 31"/>
         <p:cNvGrpSpPr/>
         <p:nvPr/>
       </p:nvGrpSpPr>
@@ -3262,7 +3447,7 @@
           </a:xfrm>
           <a:prstGeom prst="roundRect">
             <a:avLst>
-              <a:gd fmla="val 2255" name="adj"/>
+              <a:gd name="adj" fmla="val 2255"/>
             </a:avLst>
           </a:prstGeom>
           <a:solidFill>
@@ -3273,12 +3458,12 @@
           </a:ln>
         </p:spPr>
         <p:txBody>
-          <a:bodyPr anchorCtr="0" anchor="ctr" bIns="45700" lIns="91425" rIns="91425" tIns="45700">
+          <a:bodyPr lIns="91425" tIns="45700" rIns="91425" bIns="45700" anchor="ctr" anchorCtr="0">
             <a:noAutofit/>
           </a:bodyPr>
           <a:lstStyle/>
           <a:p>
-            <a:pPr indent="0" lvl="0" marL="0" marR="0" rtl="0" algn="l">
+            <a:pPr marL="0" marR="0" lvl="0" indent="0" algn="l" rtl="0">
               <a:lnSpc>
                 <a:spcPct val="100000"/>
               </a:lnSpc>
@@ -3294,10 +3479,7 @@
               <a:buFont typeface="Arial"/>
               <a:buNone/>
             </a:pPr>
-            <a:r>
-              <a:t/>
-            </a:r>
-            <a:endParaRPr b="0" baseline="0" i="0" sz="1400" u="none" cap="none" strike="noStrike">
+            <a:endParaRPr sz="1400" b="0" i="0" u="none" strike="noStrike" cap="none" baseline="0">
               <a:solidFill>
                 <a:srgbClr val="000000"/>
               </a:solidFill>
@@ -3319,18 +3501,19 @@
 </file>
 
 <file path=ppt/slideMasters/slideMaster1.xml><?xml version="1.0" encoding="utf-8"?>
-<p:sldMaster xmlns:a="http://schemas.openxmlformats.org/drawingml/2006/main" xmlns:r="http://schemas.openxmlformats.org/officeDocument/2006/relationships" xmlns:mc="http://schemas.openxmlformats.org/markup-compatibility/2006" xmlns:mv="urn:schemas-microsoft-com:mac:vml" xmlns:p="http://schemas.openxmlformats.org/presentationml/2006/main" xmlns:c="http://schemas.openxmlformats.org/drawingml/2006/chart" xmlns:dgm="http://schemas.openxmlformats.org/drawingml/2006/diagram" xmlns:o="urn:schemas-microsoft-com:office:office" xmlns:v="urn:schemas-microsoft-com:vml" xmlns:pvml="urn:schemas-microsoft-com:office:powerpoint" xmlns:com="http://schemas.openxmlformats.org/drawingml/2006/compatibility" xmlns:p14="http://schemas.microsoft.com/office/powerpoint/2010/main">
+<p:sldMaster xmlns:a="http://schemas.openxmlformats.org/drawingml/2006/main" xmlns:r="http://schemas.openxmlformats.org/officeDocument/2006/relationships" xmlns:p="http://schemas.openxmlformats.org/presentationml/2006/main">
   <p:cSld>
     <p:bg>
       <p:bgPr>
         <a:solidFill>
           <a:schemeClr val="dk2"/>
         </a:solidFill>
+        <a:effectLst/>
       </p:bgPr>
     </p:bg>
     <p:spTree>
       <p:nvGrpSpPr>
-        <p:cNvPr id="4" name="Shape 4"/>
+        <p:cNvPr id="1" name="Shape 4"/>
         <p:cNvGrpSpPr/>
         <p:nvPr/>
       </p:nvGrpSpPr>
@@ -3345,7 +3528,9 @@
       <p:sp>
         <p:nvSpPr>
           <p:cNvPr id="5" name="Shape 5"/>
-          <p:cNvSpPr txBox="1"/>
+          <p:cNvSpPr txBox="1">
+            <a:spLocks noGrp="1"/>
+          </p:cNvSpPr>
           <p:nvPr>
             <p:ph type="title"/>
           </p:nvPr>
@@ -3364,9 +3549,9 @@
           </a:ln>
         </p:spPr>
         <p:txBody>
-          <a:bodyPr anchorCtr="0" anchor="b" bIns="91425" lIns="91425" rIns="91425" tIns="91425"/>
+          <a:bodyPr lIns="91425" tIns="91425" rIns="91425" bIns="91425" anchor="b" anchorCtr="0"/>
           <a:lstStyle>
-            <a:lvl1pPr indent="0" marL="0" marR="0" rtl="0" algn="l">
+            <a:lvl1pPr marL="0" marR="0" indent="0" algn="l" rtl="0">
               <a:lnSpc>
                 <a:spcPct val="100000"/>
               </a:lnSpc>
@@ -3383,7 +3568,7 @@
               <a:buNone/>
               <a:defRPr/>
             </a:lvl1pPr>
-            <a:lvl2pPr indent="0" marL="0" marR="0" rtl="0" algn="l">
+            <a:lvl2pPr marL="0" marR="0" indent="0" algn="l" rtl="0">
               <a:lnSpc>
                 <a:spcPct val="100000"/>
               </a:lnSpc>
@@ -3400,7 +3585,7 @@
               <a:buNone/>
               <a:defRPr/>
             </a:lvl2pPr>
-            <a:lvl3pPr indent="0" marL="0" marR="0" rtl="0" algn="l">
+            <a:lvl3pPr marL="0" marR="0" indent="0" algn="l" rtl="0">
               <a:spcBef>
                 <a:spcPts val="0"/>
               </a:spcBef>
@@ -3411,7 +3596,7 @@
               <a:buNone/>
               <a:defRPr/>
             </a:lvl3pPr>
-            <a:lvl4pPr indent="0" marL="0" marR="0" rtl="0" algn="l">
+            <a:lvl4pPr marL="0" marR="0" indent="0" algn="l" rtl="0">
               <a:spcBef>
                 <a:spcPts val="0"/>
               </a:spcBef>
@@ -3422,7 +3607,7 @@
               <a:buNone/>
               <a:defRPr/>
             </a:lvl4pPr>
-            <a:lvl5pPr indent="0" marL="0" marR="0" rtl="0" algn="l">
+            <a:lvl5pPr marL="0" marR="0" indent="0" algn="l" rtl="0">
               <a:spcBef>
                 <a:spcPts val="0"/>
               </a:spcBef>
@@ -3433,7 +3618,7 @@
               <a:buNone/>
               <a:defRPr/>
             </a:lvl5pPr>
-            <a:lvl6pPr indent="0" marL="0" marR="0" rtl="0" algn="l">
+            <a:lvl6pPr marL="0" marR="0" indent="0" algn="l" rtl="0">
               <a:spcBef>
                 <a:spcPts val="0"/>
               </a:spcBef>
@@ -3444,7 +3629,7 @@
               <a:buNone/>
               <a:defRPr/>
             </a:lvl6pPr>
-            <a:lvl7pPr indent="0" marL="0" marR="0" rtl="0" algn="l">
+            <a:lvl7pPr marL="0" marR="0" indent="0" algn="l" rtl="0">
               <a:spcBef>
                 <a:spcPts val="0"/>
               </a:spcBef>
@@ -3455,7 +3640,7 @@
               <a:buNone/>
               <a:defRPr/>
             </a:lvl7pPr>
-            <a:lvl8pPr indent="0" marL="0" marR="0" rtl="0" algn="l">
+            <a:lvl8pPr marL="0" marR="0" indent="0" algn="l" rtl="0">
               <a:spcBef>
                 <a:spcPts val="0"/>
               </a:spcBef>
@@ -3466,7 +3651,7 @@
               <a:buNone/>
               <a:defRPr/>
             </a:lvl8pPr>
-            <a:lvl9pPr indent="0" marL="0" marR="0" rtl="0" algn="l">
+            <a:lvl9pPr marL="0" marR="0" indent="0" algn="l" rtl="0">
               <a:spcBef>
                 <a:spcPts val="0"/>
               </a:spcBef>
@@ -3478,15 +3663,19 @@
               <a:defRPr/>
             </a:lvl9pPr>
           </a:lstStyle>
-          <a:p/>
+          <a:p>
+            <a:endParaRPr/>
+          </a:p>
         </p:txBody>
       </p:sp>
       <p:sp>
         <p:nvSpPr>
           <p:cNvPr id="6" name="Shape 6"/>
-          <p:cNvSpPr txBox="1"/>
+          <p:cNvSpPr txBox="1">
+            <a:spLocks noGrp="1"/>
+          </p:cNvSpPr>
           <p:nvPr>
-            <p:ph idx="1" type="body"/>
+            <p:ph type="body" idx="1"/>
           </p:nvPr>
         </p:nvSpPr>
         <p:spPr>
@@ -3503,9 +3692,9 @@
           </a:ln>
         </p:spPr>
         <p:txBody>
-          <a:bodyPr anchorCtr="0" anchor="t" bIns="91425" lIns="91425" rIns="91425" tIns="91425"/>
+          <a:bodyPr lIns="91425" tIns="91425" rIns="91425" bIns="91425" anchor="t" anchorCtr="0"/>
           <a:lstStyle>
-            <a:lvl1pPr indent="0" marL="0" marR="0" rtl="0" algn="l">
+            <a:lvl1pPr marL="0" marR="0" indent="0" algn="l" rtl="0">
               <a:lnSpc>
                 <a:spcPct val="100000"/>
               </a:lnSpc>
@@ -3522,7 +3711,7 @@
               <a:buNone/>
               <a:defRPr/>
             </a:lvl1pPr>
-            <a:lvl2pPr indent="0" marL="0" marR="0" rtl="0" algn="l">
+            <a:lvl2pPr marL="0" marR="0" indent="0" algn="l" rtl="0">
               <a:lnSpc>
                 <a:spcPct val="100000"/>
               </a:lnSpc>
@@ -3539,7 +3728,7 @@
               <a:buNone/>
               <a:defRPr/>
             </a:lvl2pPr>
-            <a:lvl3pPr indent="0" marL="0" marR="0" rtl="0" algn="l">
+            <a:lvl3pPr marL="0" marR="0" indent="0" algn="l" rtl="0">
               <a:lnSpc>
                 <a:spcPct val="100000"/>
               </a:lnSpc>
@@ -3556,7 +3745,7 @@
               <a:buNone/>
               <a:defRPr/>
             </a:lvl3pPr>
-            <a:lvl4pPr indent="0" marL="0" marR="0" rtl="0" algn="l">
+            <a:lvl4pPr marL="0" marR="0" indent="0" algn="l" rtl="0">
               <a:lnSpc>
                 <a:spcPct val="100000"/>
               </a:lnSpc>
@@ -3573,7 +3762,7 @@
               <a:buNone/>
               <a:defRPr/>
             </a:lvl4pPr>
-            <a:lvl5pPr indent="0" marL="0" marR="0" rtl="0" algn="l">
+            <a:lvl5pPr marL="0" marR="0" indent="0" algn="l" rtl="0">
               <a:lnSpc>
                 <a:spcPct val="100000"/>
               </a:lnSpc>
@@ -3590,7 +3779,7 @@
               <a:buNone/>
               <a:defRPr/>
             </a:lvl5pPr>
-            <a:lvl6pPr indent="0" marL="0" marR="0" rtl="0" algn="l">
+            <a:lvl6pPr marL="0" marR="0" indent="0" algn="l" rtl="0">
               <a:lnSpc>
                 <a:spcPct val="100000"/>
               </a:lnSpc>
@@ -3607,7 +3796,7 @@
               <a:buNone/>
               <a:defRPr/>
             </a:lvl6pPr>
-            <a:lvl7pPr indent="0" marL="0" marR="0" rtl="0" algn="l">
+            <a:lvl7pPr marL="0" marR="0" indent="0" algn="l" rtl="0">
               <a:lnSpc>
                 <a:spcPct val="100000"/>
               </a:lnSpc>
@@ -3624,7 +3813,7 @@
               <a:buNone/>
               <a:defRPr/>
             </a:lvl7pPr>
-            <a:lvl8pPr indent="0" marL="0" marR="0" rtl="0" algn="l">
+            <a:lvl8pPr marL="0" marR="0" indent="0" algn="l" rtl="0">
               <a:lnSpc>
                 <a:spcPct val="100000"/>
               </a:lnSpc>
@@ -3641,7 +3830,7 @@
               <a:buNone/>
               <a:defRPr/>
             </a:lvl8pPr>
-            <a:lvl9pPr indent="0" marL="0" marR="0" rtl="0" algn="l">
+            <a:lvl9pPr marL="0" marR="0" indent="0" algn="l" rtl="0">
               <a:lnSpc>
                 <a:spcPct val="100000"/>
               </a:lnSpc>
@@ -3659,12 +3848,14 @@
               <a:defRPr/>
             </a:lvl9pPr>
           </a:lstStyle>
-          <a:p/>
+          <a:p>
+            <a:endParaRPr/>
+          </a:p>
         </p:txBody>
       </p:sp>
     </p:spTree>
   </p:cSld>
-  <p:clrMap accent1="accent1" accent2="accent2" accent3="accent3" accent4="accent4" accent5="accent5" accent6="accent6" bg1="lt1" bg2="dk2" tx1="dk1" tx2="lt2" folHlink="folHlink" hlink="hlink"/>
+  <p:clrMap bg1="lt1" tx1="dk1" bg2="dk2" tx2="lt2" accent1="accent1" accent2="accent2" accent3="accent3" accent4="accent4" accent5="accent5" accent6="accent6" hlink="hlink" folHlink="folHlink"/>
   <p:sldLayoutIdLst>
     <p:sldLayoutId id="2147483648" r:id="rId1"/>
     <p:sldLayoutId id="2147483649" r:id="rId2"/>
@@ -3673,10 +3864,10 @@
     <p:sldLayoutId id="2147483652" r:id="rId5"/>
     <p:sldLayoutId id="2147483653" r:id="rId6"/>
   </p:sldLayoutIdLst>
-  <p:hf dt="0" ftr="0" hdr="0" sldNum="0"/>
+  <p:hf sldNum="0" hdr="0" ftr="0" dt="0"/>
   <p:txStyles>
     <p:titleStyle>
-      <a:defPPr marR="0" rtl="0" algn="l">
+      <a:defPPr marR="0" algn="l" rtl="0">
         <a:lnSpc>
           <a:spcPct val="100000"/>
         </a:lnSpc>
@@ -3687,7 +3878,7 @@
           <a:spcPts val="0"/>
         </a:spcAft>
       </a:defPPr>
-      <a:lvl1pPr marR="0" rtl="0" algn="l">
+      <a:lvl1pPr marR="0" algn="l" rtl="0">
         <a:lnSpc>
           <a:spcPct val="100000"/>
         </a:lnSpc>
@@ -3698,7 +3889,7 @@
           <a:spcPts val="0"/>
         </a:spcAft>
         <a:buNone/>
-        <a:defRPr b="0" baseline="0" i="0" sz="1400" u="none" cap="none" strike="noStrike">
+        <a:defRPr sz="1400" b="0" i="0" u="none" strike="noStrike" cap="none" baseline="0">
           <a:solidFill>
             <a:srgbClr val="000000"/>
           </a:solidFill>
@@ -3709,7 +3900,7 @@
           <a:rtl val="0"/>
         </a:defRPr>
       </a:lvl1pPr>
-      <a:lvl2pPr marR="0" rtl="0" algn="l">
+      <a:lvl2pPr marR="0" algn="l" rtl="0">
         <a:lnSpc>
           <a:spcPct val="100000"/>
         </a:lnSpc>
@@ -3720,7 +3911,7 @@
           <a:spcPts val="0"/>
         </a:spcAft>
         <a:buNone/>
-        <a:defRPr b="0" baseline="0" i="0" sz="1400" u="none" cap="none" strike="noStrike">
+        <a:defRPr sz="1400" b="0" i="0" u="none" strike="noStrike" cap="none" baseline="0">
           <a:solidFill>
             <a:srgbClr val="000000"/>
           </a:solidFill>
@@ -3733,7 +3924,7 @@
       </a:lvl2pPr>
     </p:titleStyle>
     <p:bodyStyle>
-      <a:defPPr marR="0" rtl="0" algn="l">
+      <a:defPPr marR="0" algn="l" rtl="0">
         <a:lnSpc>
           <a:spcPct val="100000"/>
         </a:lnSpc>
@@ -3744,7 +3935,7 @@
           <a:spcPts val="0"/>
         </a:spcAft>
       </a:defPPr>
-      <a:lvl1pPr marR="0" rtl="0" algn="l">
+      <a:lvl1pPr marR="0" algn="l" rtl="0">
         <a:lnSpc>
           <a:spcPct val="100000"/>
         </a:lnSpc>
@@ -3755,7 +3946,7 @@
           <a:spcPts val="0"/>
         </a:spcAft>
         <a:buNone/>
-        <a:defRPr b="0" baseline="0" i="0" sz="1400" u="none" cap="none" strike="noStrike">
+        <a:defRPr sz="1400" b="0" i="0" u="none" strike="noStrike" cap="none" baseline="0">
           <a:solidFill>
             <a:srgbClr val="000000"/>
           </a:solidFill>
@@ -3766,7 +3957,7 @@
           <a:rtl val="0"/>
         </a:defRPr>
       </a:lvl1pPr>
-      <a:lvl2pPr marR="0" rtl="0" algn="l">
+      <a:lvl2pPr marR="0" algn="l" rtl="0">
         <a:lnSpc>
           <a:spcPct val="100000"/>
         </a:lnSpc>
@@ -3777,7 +3968,7 @@
           <a:spcPts val="0"/>
         </a:spcAft>
         <a:buNone/>
-        <a:defRPr b="0" baseline="0" i="0" sz="1400" u="none" cap="none" strike="noStrike">
+        <a:defRPr sz="1400" b="0" i="0" u="none" strike="noStrike" cap="none" baseline="0">
           <a:solidFill>
             <a:srgbClr val="000000"/>
           </a:solidFill>
@@ -3788,7 +3979,7 @@
           <a:rtl val="0"/>
         </a:defRPr>
       </a:lvl2pPr>
-      <a:lvl3pPr marR="0" rtl="0" algn="l">
+      <a:lvl3pPr marR="0" algn="l" rtl="0">
         <a:lnSpc>
           <a:spcPct val="100000"/>
         </a:lnSpc>
@@ -3799,7 +3990,7 @@
           <a:spcPts val="0"/>
         </a:spcAft>
         <a:buNone/>
-        <a:defRPr b="0" baseline="0" i="0" sz="1400" u="none" cap="none" strike="noStrike">
+        <a:defRPr sz="1400" b="0" i="0" u="none" strike="noStrike" cap="none" baseline="0">
           <a:solidFill>
             <a:srgbClr val="000000"/>
           </a:solidFill>
@@ -3810,7 +4001,7 @@
           <a:rtl val="0"/>
         </a:defRPr>
       </a:lvl3pPr>
-      <a:lvl4pPr marR="0" rtl="0" algn="l">
+      <a:lvl4pPr marR="0" algn="l" rtl="0">
         <a:lnSpc>
           <a:spcPct val="100000"/>
         </a:lnSpc>
@@ -3821,7 +4012,7 @@
           <a:spcPts val="0"/>
         </a:spcAft>
         <a:buNone/>
-        <a:defRPr b="0" baseline="0" i="0" sz="1400" u="none" cap="none" strike="noStrike">
+        <a:defRPr sz="1400" b="0" i="0" u="none" strike="noStrike" cap="none" baseline="0">
           <a:solidFill>
             <a:srgbClr val="000000"/>
           </a:solidFill>
@@ -3832,7 +4023,7 @@
           <a:rtl val="0"/>
         </a:defRPr>
       </a:lvl4pPr>
-      <a:lvl5pPr marR="0" rtl="0" algn="l">
+      <a:lvl5pPr marR="0" algn="l" rtl="0">
         <a:lnSpc>
           <a:spcPct val="100000"/>
         </a:lnSpc>
@@ -3843,7 +4034,7 @@
           <a:spcPts val="0"/>
         </a:spcAft>
         <a:buNone/>
-        <a:defRPr b="0" baseline="0" i="0" sz="1400" u="none" cap="none" strike="noStrike">
+        <a:defRPr sz="1400" b="0" i="0" u="none" strike="noStrike" cap="none" baseline="0">
           <a:solidFill>
             <a:srgbClr val="000000"/>
           </a:solidFill>
@@ -3854,7 +4045,7 @@
           <a:rtl val="0"/>
         </a:defRPr>
       </a:lvl5pPr>
-      <a:lvl6pPr marR="0" rtl="0" algn="l">
+      <a:lvl6pPr marR="0" algn="l" rtl="0">
         <a:lnSpc>
           <a:spcPct val="100000"/>
         </a:lnSpc>
@@ -3865,7 +4056,7 @@
           <a:spcPts val="0"/>
         </a:spcAft>
         <a:buNone/>
-        <a:defRPr b="0" baseline="0" i="0" sz="1400" u="none" cap="none" strike="noStrike">
+        <a:defRPr sz="1400" b="0" i="0" u="none" strike="noStrike" cap="none" baseline="0">
           <a:solidFill>
             <a:srgbClr val="000000"/>
           </a:solidFill>
@@ -3876,7 +4067,7 @@
           <a:rtl val="0"/>
         </a:defRPr>
       </a:lvl6pPr>
-      <a:lvl7pPr marR="0" rtl="0" algn="l">
+      <a:lvl7pPr marR="0" algn="l" rtl="0">
         <a:lnSpc>
           <a:spcPct val="100000"/>
         </a:lnSpc>
@@ -3887,7 +4078,7 @@
           <a:spcPts val="0"/>
         </a:spcAft>
         <a:buNone/>
-        <a:defRPr b="0" baseline="0" i="0" sz="1400" u="none" cap="none" strike="noStrike">
+        <a:defRPr sz="1400" b="0" i="0" u="none" strike="noStrike" cap="none" baseline="0">
           <a:solidFill>
             <a:srgbClr val="000000"/>
           </a:solidFill>
@@ -3898,7 +4089,7 @@
           <a:rtl val="0"/>
         </a:defRPr>
       </a:lvl7pPr>
-      <a:lvl8pPr marR="0" rtl="0" algn="l">
+      <a:lvl8pPr marR="0" algn="l" rtl="0">
         <a:lnSpc>
           <a:spcPct val="100000"/>
         </a:lnSpc>
@@ -3909,7 +4100,7 @@
           <a:spcPts val="0"/>
         </a:spcAft>
         <a:buNone/>
-        <a:defRPr b="0" baseline="0" i="0" sz="1400" u="none" cap="none" strike="noStrike">
+        <a:defRPr sz="1400" b="0" i="0" u="none" strike="noStrike" cap="none" baseline="0">
           <a:solidFill>
             <a:srgbClr val="000000"/>
           </a:solidFill>
@@ -3920,7 +4111,7 @@
           <a:rtl val="0"/>
         </a:defRPr>
       </a:lvl8pPr>
-      <a:lvl9pPr marR="0" rtl="0" algn="l">
+      <a:lvl9pPr marR="0" algn="l" rtl="0">
         <a:lnSpc>
           <a:spcPct val="100000"/>
         </a:lnSpc>
@@ -3931,7 +4122,7 @@
           <a:spcPts val="0"/>
         </a:spcAft>
         <a:buNone/>
-        <a:defRPr b="0" baseline="0" i="0" sz="1400" u="none" cap="none" strike="noStrike">
+        <a:defRPr sz="1400" b="0" i="0" u="none" strike="noStrike" cap="none" baseline="0">
           <a:solidFill>
             <a:srgbClr val="000000"/>
           </a:solidFill>
@@ -3944,7 +4135,7 @@
       </a:lvl9pPr>
     </p:bodyStyle>
     <p:otherStyle>
-      <a:defPPr marR="0" rtl="0" algn="l">
+      <a:defPPr marR="0" algn="l" rtl="0">
         <a:lnSpc>
           <a:spcPct val="100000"/>
         </a:lnSpc>
@@ -3955,7 +4146,7 @@
           <a:spcPts val="0"/>
         </a:spcAft>
       </a:defPPr>
-      <a:lvl1pPr marR="0" rtl="0" algn="l">
+      <a:lvl1pPr marR="0" algn="l" rtl="0">
         <a:lnSpc>
           <a:spcPct val="100000"/>
         </a:lnSpc>
@@ -3966,7 +4157,7 @@
           <a:spcPts val="0"/>
         </a:spcAft>
         <a:buNone/>
-        <a:defRPr b="0" baseline="0" i="0" sz="1400" u="none" cap="none" strike="noStrike">
+        <a:defRPr sz="1400" b="0" i="0" u="none" strike="noStrike" cap="none" baseline="0">
           <a:solidFill>
             <a:srgbClr val="000000"/>
           </a:solidFill>
@@ -3977,7 +4168,7 @@
           <a:rtl val="0"/>
         </a:defRPr>
       </a:lvl1pPr>
-      <a:lvl2pPr marR="0" rtl="0" algn="l">
+      <a:lvl2pPr marR="0" algn="l" rtl="0">
         <a:lnSpc>
           <a:spcPct val="100000"/>
         </a:lnSpc>
@@ -3988,7 +4179,7 @@
           <a:spcPts val="0"/>
         </a:spcAft>
         <a:buNone/>
-        <a:defRPr b="0" baseline="0" i="0" sz="1400" u="none" cap="none" strike="noStrike">
+        <a:defRPr sz="1400" b="0" i="0" u="none" strike="noStrike" cap="none" baseline="0">
           <a:solidFill>
             <a:srgbClr val="000000"/>
           </a:solidFill>
@@ -3999,7 +4190,7 @@
           <a:rtl val="0"/>
         </a:defRPr>
       </a:lvl2pPr>
-      <a:lvl3pPr marR="0" rtl="0" algn="l">
+      <a:lvl3pPr marR="0" algn="l" rtl="0">
         <a:lnSpc>
           <a:spcPct val="100000"/>
         </a:lnSpc>
@@ -4010,7 +4201,7 @@
           <a:spcPts val="0"/>
         </a:spcAft>
         <a:buNone/>
-        <a:defRPr b="0" baseline="0" i="0" sz="1400" u="none" cap="none" strike="noStrike">
+        <a:defRPr sz="1400" b="0" i="0" u="none" strike="noStrike" cap="none" baseline="0">
           <a:solidFill>
             <a:srgbClr val="000000"/>
           </a:solidFill>
@@ -4021,7 +4212,7 @@
           <a:rtl val="0"/>
         </a:defRPr>
       </a:lvl3pPr>
-      <a:lvl4pPr marR="0" rtl="0" algn="l">
+      <a:lvl4pPr marR="0" algn="l" rtl="0">
         <a:lnSpc>
           <a:spcPct val="100000"/>
         </a:lnSpc>
@@ -4032,7 +4223,7 @@
           <a:spcPts val="0"/>
         </a:spcAft>
         <a:buNone/>
-        <a:defRPr b="0" baseline="0" i="0" sz="1400" u="none" cap="none" strike="noStrike">
+        <a:defRPr sz="1400" b="0" i="0" u="none" strike="noStrike" cap="none" baseline="0">
           <a:solidFill>
             <a:srgbClr val="000000"/>
           </a:solidFill>
@@ -4043,7 +4234,7 @@
           <a:rtl val="0"/>
         </a:defRPr>
       </a:lvl4pPr>
-      <a:lvl5pPr marR="0" rtl="0" algn="l">
+      <a:lvl5pPr marR="0" algn="l" rtl="0">
         <a:lnSpc>
           <a:spcPct val="100000"/>
         </a:lnSpc>
@@ -4054,7 +4245,7 @@
           <a:spcPts val="0"/>
         </a:spcAft>
         <a:buNone/>
-        <a:defRPr b="0" baseline="0" i="0" sz="1400" u="none" cap="none" strike="noStrike">
+        <a:defRPr sz="1400" b="0" i="0" u="none" strike="noStrike" cap="none" baseline="0">
           <a:solidFill>
             <a:srgbClr val="000000"/>
           </a:solidFill>
@@ -4065,7 +4256,7 @@
           <a:rtl val="0"/>
         </a:defRPr>
       </a:lvl5pPr>
-      <a:lvl6pPr marR="0" rtl="0" algn="l">
+      <a:lvl6pPr marR="0" algn="l" rtl="0">
         <a:lnSpc>
           <a:spcPct val="100000"/>
         </a:lnSpc>
@@ -4076,7 +4267,7 @@
           <a:spcPts val="0"/>
         </a:spcAft>
         <a:buNone/>
-        <a:defRPr b="0" baseline="0" i="0" sz="1400" u="none" cap="none" strike="noStrike">
+        <a:defRPr sz="1400" b="0" i="0" u="none" strike="noStrike" cap="none" baseline="0">
           <a:solidFill>
             <a:srgbClr val="000000"/>
           </a:solidFill>
@@ -4087,7 +4278,7 @@
           <a:rtl val="0"/>
         </a:defRPr>
       </a:lvl6pPr>
-      <a:lvl7pPr marR="0" rtl="0" algn="l">
+      <a:lvl7pPr marR="0" algn="l" rtl="0">
         <a:lnSpc>
           <a:spcPct val="100000"/>
         </a:lnSpc>
@@ -4098,7 +4289,7 @@
           <a:spcPts val="0"/>
         </a:spcAft>
         <a:buNone/>
-        <a:defRPr b="0" baseline="0" i="0" sz="1400" u="none" cap="none" strike="noStrike">
+        <a:defRPr sz="1400" b="0" i="0" u="none" strike="noStrike" cap="none" baseline="0">
           <a:solidFill>
             <a:srgbClr val="000000"/>
           </a:solidFill>
@@ -4109,7 +4300,7 @@
           <a:rtl val="0"/>
         </a:defRPr>
       </a:lvl7pPr>
-      <a:lvl8pPr marR="0" rtl="0" algn="l">
+      <a:lvl8pPr marR="0" algn="l" rtl="0">
         <a:lnSpc>
           <a:spcPct val="100000"/>
         </a:lnSpc>
@@ -4120,7 +4311,7 @@
           <a:spcPts val="0"/>
         </a:spcAft>
         <a:buNone/>
-        <a:defRPr b="0" baseline="0" i="0" sz="1400" u="none" cap="none" strike="noStrike">
+        <a:defRPr sz="1400" b="0" i="0" u="none" strike="noStrike" cap="none" baseline="0">
           <a:solidFill>
             <a:srgbClr val="000000"/>
           </a:solidFill>
@@ -4131,7 +4322,7 @@
           <a:rtl val="0"/>
         </a:defRPr>
       </a:lvl8pPr>
-      <a:lvl9pPr marR="0" rtl="0" algn="l">
+      <a:lvl9pPr marR="0" algn="l" rtl="0">
         <a:lnSpc>
           <a:spcPct val="100000"/>
         </a:lnSpc>
@@ -4142,7 +4333,7 @@
           <a:spcPts val="0"/>
         </a:spcAft>
         <a:buNone/>
-        <a:defRPr b="0" baseline="0" i="0" sz="1400" u="none" cap="none" strike="noStrike">
+        <a:defRPr sz="1400" b="0" i="0" u="none" strike="noStrike" cap="none" baseline="0">
           <a:solidFill>
             <a:srgbClr val="000000"/>
           </a:solidFill>
@@ -4159,11 +4350,11 @@
 </file>
 
 <file path=ppt/slides/slide1.xml><?xml version="1.0" encoding="utf-8"?>
-<p:sld xmlns:a="http://schemas.openxmlformats.org/drawingml/2006/main" xmlns:r="http://schemas.openxmlformats.org/officeDocument/2006/relationships" xmlns:mc="http://schemas.openxmlformats.org/markup-compatibility/2006" xmlns:mv="urn:schemas-microsoft-com:mac:vml" xmlns:p="http://schemas.openxmlformats.org/presentationml/2006/main" xmlns:c="http://schemas.openxmlformats.org/drawingml/2006/chart" xmlns:dgm="http://schemas.openxmlformats.org/drawingml/2006/diagram" xmlns:o="urn:schemas-microsoft-com:office:office" xmlns:v="urn:schemas-microsoft-com:vml" xmlns:pvml="urn:schemas-microsoft-com:office:powerpoint" xmlns:com="http://schemas.openxmlformats.org/drawingml/2006/compatibility" xmlns:p14="http://schemas.microsoft.com/office/powerpoint/2010/main">
+<p:sld xmlns:a="http://schemas.openxmlformats.org/drawingml/2006/main" xmlns:r="http://schemas.openxmlformats.org/officeDocument/2006/relationships" xmlns:p="http://schemas.openxmlformats.org/presentationml/2006/main">
   <p:cSld>
     <p:spTree>
       <p:nvGrpSpPr>
-        <p:cNvPr id="33" name="Shape 33"/>
+        <p:cNvPr id="1" name="Shape 33"/>
         <p:cNvGrpSpPr/>
         <p:nvPr/>
       </p:nvGrpSpPr>
@@ -4178,7 +4369,9 @@
       <p:sp>
         <p:nvSpPr>
           <p:cNvPr id="34" name="Shape 34"/>
-          <p:cNvSpPr txBox="1"/>
+          <p:cNvSpPr txBox="1">
+            <a:spLocks noGrp="1"/>
+          </p:cNvSpPr>
           <p:nvPr>
             <p:ph type="ctrTitle"/>
           </p:nvPr>
@@ -4197,12 +4390,12 @@
           </a:ln>
         </p:spPr>
         <p:txBody>
-          <a:bodyPr anchorCtr="0" anchor="b" bIns="91425" lIns="91425" rIns="91425" tIns="91425">
+          <a:bodyPr lIns="91425" tIns="91425" rIns="91425" bIns="91425" anchor="b" anchorCtr="0">
             <a:noAutofit/>
           </a:bodyPr>
           <a:lstStyle/>
           <a:p>
-            <a:pPr indent="0" lvl="0" marL="0" marR="0" rtl="0" algn="l">
+            <a:pPr marL="0" marR="0" lvl="0" indent="0" algn="l" rtl="0">
               <a:lnSpc>
                 <a:spcPct val="100000"/>
               </a:lnSpc>
@@ -4220,7 +4413,7 @@
               <a:buNone/>
             </a:pPr>
             <a:r>
-              <a:rPr b="1" lang="en" sz="7200">
+              <a:rPr lang="en" sz="7200" b="1">
                 <a:solidFill>
                   <a:schemeClr val="dk2"/>
                 </a:solidFill>
@@ -4228,7 +4421,7 @@
               <a:t>Objects and Methods</a:t>
             </a:r>
             <a:r>
-              <a:rPr b="1" baseline="0" i="0" lang="en" sz="7200" u="none" cap="none" strike="noStrike">
+              <a:rPr lang="en" sz="7200" b="1" i="0" u="none" strike="noStrike" cap="none" baseline="0">
                 <a:solidFill>
                   <a:schemeClr val="dk2"/>
                 </a:solidFill>
@@ -4246,9 +4439,11 @@
       <p:sp>
         <p:nvSpPr>
           <p:cNvPr id="35" name="Shape 35"/>
-          <p:cNvSpPr txBox="1"/>
+          <p:cNvSpPr txBox="1">
+            <a:spLocks noGrp="1"/>
+          </p:cNvSpPr>
           <p:nvPr>
-            <p:ph idx="1" type="subTitle"/>
+            <p:ph type="subTitle" idx="1"/>
           </p:nvPr>
         </p:nvSpPr>
         <p:spPr>
@@ -4265,12 +4460,12 @@
           </a:ln>
         </p:spPr>
         <p:txBody>
-          <a:bodyPr anchorCtr="0" anchor="ctr" bIns="91425" lIns="91425" rIns="91425" tIns="91425">
+          <a:bodyPr lIns="91425" tIns="91425" rIns="91425" bIns="91425" anchor="ctr" anchorCtr="0">
             <a:noAutofit/>
           </a:bodyPr>
           <a:lstStyle/>
           <a:p>
-            <a:pPr indent="0" lvl="0" marL="0" marR="0" rtl="0" algn="l">
+            <a:pPr marL="0" marR="0" lvl="0" indent="0" algn="l" rtl="0">
               <a:lnSpc>
                 <a:spcPct val="100000"/>
               </a:lnSpc>
@@ -4288,13 +4483,26 @@
               <a:buNone/>
             </a:pPr>
             <a:r>
-              <a:rPr lang="en" sz="3000">
+              <a:rPr lang="en" sz="3000" dirty="0">
                 <a:solidFill>
                   <a:schemeClr val="dk1"/>
                 </a:solidFill>
               </a:rPr>
-              <a:t>Class 2</a:t>
-            </a:r>
+              <a:t>Class </a:t>
+            </a:r>
+            <a:r>
+              <a:rPr lang="en-US" sz="3000" dirty="0" smtClean="0">
+                <a:solidFill>
+                  <a:schemeClr val="dk1"/>
+                </a:solidFill>
+              </a:rPr>
+              <a:t>3</a:t>
+            </a:r>
+            <a:endParaRPr lang="en" sz="3000" dirty="0">
+              <a:solidFill>
+                <a:schemeClr val="dk1"/>
+              </a:solidFill>
+            </a:endParaRPr>
           </a:p>
         </p:txBody>
       </p:sp>
@@ -4303,18 +4511,18 @@
   <p:clrMapOvr>
     <a:masterClrMapping/>
   </p:clrMapOvr>
-  <p:transition spd="slow">
+  <p:transition xmlns:p14="http://schemas.microsoft.com/office/powerpoint/2010/main" spd="slow">
     <p:cut/>
   </p:transition>
 </p:sld>
 </file>
 
 <file path=ppt/slides/slide10.xml><?xml version="1.0" encoding="utf-8"?>
-<p:sld xmlns:a="http://schemas.openxmlformats.org/drawingml/2006/main" xmlns:r="http://schemas.openxmlformats.org/officeDocument/2006/relationships" xmlns:mc="http://schemas.openxmlformats.org/markup-compatibility/2006" xmlns:mv="urn:schemas-microsoft-com:mac:vml" xmlns:p="http://schemas.openxmlformats.org/presentationml/2006/main" xmlns:c="http://schemas.openxmlformats.org/drawingml/2006/chart" xmlns:dgm="http://schemas.openxmlformats.org/drawingml/2006/diagram" xmlns:o="urn:schemas-microsoft-com:office:office" xmlns:v="urn:schemas-microsoft-com:vml" xmlns:pvml="urn:schemas-microsoft-com:office:powerpoint" xmlns:com="http://schemas.openxmlformats.org/drawingml/2006/compatibility" xmlns:p14="http://schemas.microsoft.com/office/powerpoint/2010/main">
+<p:sld xmlns:a="http://schemas.openxmlformats.org/drawingml/2006/main" xmlns:r="http://schemas.openxmlformats.org/officeDocument/2006/relationships" xmlns:p="http://schemas.openxmlformats.org/presentationml/2006/main">
   <p:cSld>
     <p:spTree>
       <p:nvGrpSpPr>
-        <p:cNvPr id="87" name="Shape 87"/>
+        <p:cNvPr id="1" name="Shape 87"/>
         <p:cNvGrpSpPr/>
         <p:nvPr/>
       </p:nvGrpSpPr>
@@ -4329,7 +4537,9 @@
       <p:sp>
         <p:nvSpPr>
           <p:cNvPr id="88" name="Shape 88"/>
-          <p:cNvSpPr txBox="1"/>
+          <p:cNvSpPr txBox="1">
+            <a:spLocks noGrp="1"/>
+          </p:cNvSpPr>
           <p:nvPr>
             <p:ph type="title"/>
           </p:nvPr>
@@ -4348,12 +4558,12 @@
           </a:ln>
         </p:spPr>
         <p:txBody>
-          <a:bodyPr anchorCtr="0" anchor="b" bIns="91425" lIns="91425" rIns="91425" tIns="91425">
+          <a:bodyPr lIns="91425" tIns="91425" rIns="91425" bIns="91425" anchor="b" anchorCtr="0">
             <a:noAutofit/>
           </a:bodyPr>
           <a:lstStyle/>
           <a:p>
-            <a:pPr indent="0" lvl="0" marL="0" marR="0" rtl="0" algn="l">
+            <a:pPr marL="0" marR="0" lvl="0" indent="0" algn="l" rtl="0">
               <a:lnSpc>
                 <a:spcPct val="100000"/>
               </a:lnSpc>
@@ -4371,7 +4581,7 @@
               <a:buNone/>
             </a:pPr>
             <a:r>
-              <a:rPr b="1" baseline="0" i="0" lang="en" sz="3600" u="none" cap="none" strike="noStrike">
+              <a:rPr lang="en" sz="3600" b="1" i="0" u="none" strike="noStrike" cap="none" baseline="0">
                 <a:solidFill>
                   <a:schemeClr val="dk2"/>
                 </a:solidFill>
@@ -4388,9 +4598,11 @@
       <p:sp>
         <p:nvSpPr>
           <p:cNvPr id="89" name="Shape 89"/>
-          <p:cNvSpPr txBox="1"/>
+          <p:cNvSpPr txBox="1">
+            <a:spLocks noGrp="1"/>
+          </p:cNvSpPr>
           <p:nvPr>
-            <p:ph idx="1" type="body"/>
+            <p:ph type="body" idx="1"/>
           </p:nvPr>
         </p:nvSpPr>
         <p:spPr>
@@ -4407,12 +4619,12 @@
           </a:ln>
         </p:spPr>
         <p:txBody>
-          <a:bodyPr anchorCtr="0" anchor="t" bIns="91425" lIns="91425" rIns="91425" tIns="91425">
+          <a:bodyPr lIns="91425" tIns="91425" rIns="91425" bIns="91425" anchor="t" anchorCtr="0">
             <a:noAutofit/>
           </a:bodyPr>
           <a:lstStyle/>
           <a:p>
-            <a:pPr indent="0" lvl="0" marL="0" marR="0" rtl="0" algn="l">
+            <a:pPr marL="0" marR="0" lvl="0" indent="0" algn="l" rtl="0">
               <a:lnSpc>
                 <a:spcPct val="135000"/>
               </a:lnSpc>
@@ -4430,7 +4642,7 @@
               <a:buNone/>
             </a:pPr>
             <a:r>
-              <a:rPr b="0" baseline="0" i="0" lang="en" sz="1400" u="none" cap="none" strike="noStrike">
+              <a:rPr lang="en" sz="1400" b="0" i="0" u="none" strike="noStrike" cap="none" baseline="0" dirty="0">
                 <a:solidFill>
                   <a:srgbClr val="550066"/>
                 </a:solidFill>
@@ -4442,7 +4654,7 @@
               <a:t>var</a:t>
             </a:r>
             <a:r>
-              <a:rPr b="0" baseline="0" i="0" lang="en" sz="1400" u="none" cap="none" strike="noStrike">
+              <a:rPr lang="en" sz="1400" b="0" i="0" u="none" strike="noStrike" cap="none" baseline="0" dirty="0">
                 <a:solidFill>
                   <a:srgbClr val="000000"/>
                 </a:solidFill>
@@ -4454,7 +4666,7 @@
               <a:t> day = {</a:t>
             </a:r>
             <a:br>
-              <a:rPr b="0" baseline="0" i="0" lang="en" sz="1400" u="none" cap="none" strike="noStrike">
+              <a:rPr lang="en" sz="1400" b="0" i="0" u="none" strike="noStrike" cap="none" baseline="0" dirty="0">
                 <a:solidFill>
                   <a:srgbClr val="000000"/>
                 </a:solidFill>
@@ -4465,7 +4677,7 @@
               </a:rPr>
             </a:br>
             <a:r>
-              <a:rPr b="0" baseline="0" i="0" lang="en" sz="1400" u="none" cap="none" strike="noStrike">
+              <a:rPr lang="en" sz="1400" b="0" i="0" u="none" strike="noStrike" cap="none" baseline="0" dirty="0">
                 <a:solidFill>
                   <a:srgbClr val="000000"/>
                 </a:solidFill>
@@ -4477,7 +4689,7 @@
               <a:t>  squirrel: </a:t>
             </a:r>
             <a:r>
-              <a:rPr b="0" baseline="0" i="0" lang="en" sz="1400" u="none" cap="none" strike="noStrike">
+              <a:rPr lang="en" sz="1400" b="0" i="0" u="none" strike="noStrike" cap="none" baseline="0" dirty="0">
                 <a:solidFill>
                   <a:srgbClr val="110066"/>
                 </a:solidFill>
@@ -4489,7 +4701,7 @@
               <a:t>false</a:t>
             </a:r>
             <a:r>
-              <a:rPr b="0" baseline="0" i="0" lang="en" sz="1400" u="none" cap="none" strike="noStrike">
+              <a:rPr lang="en" sz="1400" b="0" i="0" u="none" strike="noStrike" cap="none" baseline="0" dirty="0">
                 <a:solidFill>
                   <a:srgbClr val="000000"/>
                 </a:solidFill>
@@ -4501,7 +4713,7 @@
               <a:t>,</a:t>
             </a:r>
             <a:br>
-              <a:rPr b="0" baseline="0" i="0" lang="en" sz="1400" u="none" cap="none" strike="noStrike">
+              <a:rPr lang="en" sz="1400" b="0" i="0" u="none" strike="noStrike" cap="none" baseline="0" dirty="0">
                 <a:solidFill>
                   <a:srgbClr val="000000"/>
                 </a:solidFill>
@@ -4512,7 +4724,7 @@
               </a:rPr>
             </a:br>
             <a:r>
-              <a:rPr b="0" baseline="0" i="0" lang="en" sz="1400" u="none" cap="none" strike="noStrike">
+              <a:rPr lang="en" sz="1400" b="0" i="0" u="none" strike="noStrike" cap="none" baseline="0" dirty="0">
                 <a:solidFill>
                   <a:srgbClr val="000000"/>
                 </a:solidFill>
@@ -4524,7 +4736,7 @@
               <a:t>  events: [</a:t>
             </a:r>
             <a:r>
-              <a:rPr b="0" baseline="0" i="0" lang="en" sz="1400" u="none" cap="none" strike="noStrike">
+              <a:rPr lang="en" sz="1400" b="0" i="0" u="none" strike="noStrike" cap="none" baseline="0" dirty="0">
                 <a:solidFill>
                   <a:srgbClr val="770000"/>
                 </a:solidFill>
@@ -4536,7 +4748,7 @@
               <a:t>"work"</a:t>
             </a:r>
             <a:r>
-              <a:rPr b="0" baseline="0" i="0" lang="en" sz="1400" u="none" cap="none" strike="noStrike">
+              <a:rPr lang="en" sz="1400" b="0" i="0" u="none" strike="noStrike" cap="none" baseline="0" dirty="0">
                 <a:solidFill>
                   <a:srgbClr val="000000"/>
                 </a:solidFill>
@@ -4548,7 +4760,7 @@
               <a:t>, </a:t>
             </a:r>
             <a:r>
-              <a:rPr b="0" baseline="0" i="0" lang="en" sz="1400" u="none" cap="none" strike="noStrike">
+              <a:rPr lang="en" sz="1400" b="0" i="0" u="none" strike="noStrike" cap="none" baseline="0" dirty="0">
                 <a:solidFill>
                   <a:srgbClr val="770000"/>
                 </a:solidFill>
@@ -4560,7 +4772,7 @@
               <a:t>"touched tree"</a:t>
             </a:r>
             <a:r>
-              <a:rPr b="0" baseline="0" i="0" lang="en" sz="1400" u="none" cap="none" strike="noStrike">
+              <a:rPr lang="en" sz="1400" b="0" i="0" u="none" strike="noStrike" cap="none" baseline="0" dirty="0">
                 <a:solidFill>
                   <a:srgbClr val="000000"/>
                 </a:solidFill>
@@ -4572,7 +4784,7 @@
               <a:t>, </a:t>
             </a:r>
             <a:r>
-              <a:rPr b="0" baseline="0" i="0" lang="en" sz="1400" u="none" cap="none" strike="noStrike">
+              <a:rPr lang="en" sz="1400" b="0" i="0" u="none" strike="noStrike" cap="none" baseline="0" dirty="0">
                 <a:solidFill>
                   <a:srgbClr val="770000"/>
                 </a:solidFill>
@@ -4584,7 +4796,7 @@
               <a:t>"pizza"</a:t>
             </a:r>
             <a:r>
-              <a:rPr b="0" baseline="0" i="0" lang="en" sz="1400" u="none" cap="none" strike="noStrike">
+              <a:rPr lang="en" sz="1400" b="0" i="0" u="none" strike="noStrike" cap="none" baseline="0" dirty="0">
                 <a:solidFill>
                   <a:srgbClr val="000000"/>
                 </a:solidFill>
@@ -4596,7 +4808,7 @@
               <a:t>, </a:t>
             </a:r>
             <a:r>
-              <a:rPr b="0" baseline="0" i="0" lang="en" sz="1400" u="none" cap="none" strike="noStrike">
+              <a:rPr lang="en" sz="1400" b="0" i="0" u="none" strike="noStrike" cap="none" baseline="0" dirty="0">
                 <a:solidFill>
                   <a:srgbClr val="770000"/>
                 </a:solidFill>
@@ -4608,7 +4820,7 @@
               <a:t>"running"</a:t>
             </a:r>
             <a:r>
-              <a:rPr b="0" baseline="0" i="0" lang="en" sz="1400" u="none" cap="none" strike="noStrike">
+              <a:rPr lang="en" sz="1400" b="0" i="0" u="none" strike="noStrike" cap="none" baseline="0" dirty="0">
                 <a:solidFill>
                   <a:srgbClr val="000000"/>
                 </a:solidFill>
@@ -4620,7 +4832,7 @@
               <a:t>,</a:t>
             </a:r>
             <a:br>
-              <a:rPr b="0" baseline="0" i="0" lang="en" sz="1400" u="none" cap="none" strike="noStrike">
+              <a:rPr lang="en" sz="1400" b="0" i="0" u="none" strike="noStrike" cap="none" baseline="0" dirty="0">
                 <a:solidFill>
                   <a:srgbClr val="000000"/>
                 </a:solidFill>
@@ -4631,7 +4843,7 @@
               </a:rPr>
             </a:br>
             <a:r>
-              <a:rPr b="0" baseline="0" i="0" lang="en" sz="1400" u="none" cap="none" strike="noStrike">
+              <a:rPr lang="en" sz="1400" b="0" i="0" u="none" strike="noStrike" cap="none" baseline="0" dirty="0">
                 <a:solidFill>
                   <a:srgbClr val="000000"/>
                 </a:solidFill>
@@ -4643,7 +4855,7 @@
               <a:t>           </a:t>
             </a:r>
             <a:r>
-              <a:rPr b="0" baseline="0" i="0" lang="en" sz="1400" u="none" cap="none" strike="noStrike">
+              <a:rPr lang="en" sz="1400" b="0" i="0" u="none" strike="noStrike" cap="none" baseline="0" dirty="0">
                 <a:solidFill>
                   <a:srgbClr val="770000"/>
                 </a:solidFill>
@@ -4655,7 +4867,7 @@
               <a:t>"television"</a:t>
             </a:r>
             <a:r>
-              <a:rPr b="0" baseline="0" i="0" lang="en" sz="1400" u="none" cap="none" strike="noStrike">
+              <a:rPr lang="en" sz="1400" b="0" i="0" u="none" strike="noStrike" cap="none" baseline="0" dirty="0">
                 <a:solidFill>
                   <a:srgbClr val="000000"/>
                 </a:solidFill>
@@ -4667,7 +4879,7 @@
               <a:t>]</a:t>
             </a:r>
             <a:br>
-              <a:rPr b="0" baseline="0" i="0" lang="en" sz="1400" u="none" cap="none" strike="noStrike">
+              <a:rPr lang="en" sz="1400" b="0" i="0" u="none" strike="noStrike" cap="none" baseline="0" dirty="0">
                 <a:solidFill>
                   <a:srgbClr val="000000"/>
                 </a:solidFill>
@@ -4678,7 +4890,7 @@
               </a:rPr>
             </a:br>
             <a:r>
-              <a:rPr b="0" baseline="0" i="0" lang="en" sz="1400" u="none" cap="none" strike="noStrike">
+              <a:rPr lang="en" sz="1400" b="0" i="0" u="none" strike="noStrike" cap="none" baseline="0" dirty="0">
                 <a:solidFill>
                   <a:srgbClr val="000000"/>
                 </a:solidFill>
@@ -4690,7 +4902,7 @@
               <a:t>};</a:t>
             </a:r>
             <a:br>
-              <a:rPr b="0" baseline="0" i="0" lang="en" sz="1400" u="none" cap="none" strike="noStrike">
+              <a:rPr lang="en" sz="1400" b="0" i="0" u="none" strike="noStrike" cap="none" baseline="0" dirty="0">
                 <a:solidFill>
                   <a:srgbClr val="000000"/>
                 </a:solidFill>
@@ -4700,8 +4912,36 @@
                 <a:sym typeface="Consolas"/>
               </a:rPr>
             </a:br>
-            <a:r>
-              <a:rPr b="0" baseline="0" i="0" lang="en" sz="1400" u="none" cap="none" strike="noStrike">
+            <a:endParaRPr lang="en-US" sz="1400" b="0" i="0" u="none" strike="noStrike" cap="none" baseline="0" smtClean="0">
+              <a:solidFill>
+                <a:srgbClr val="000000"/>
+              </a:solidFill>
+              <a:latin typeface="Consolas"/>
+              <a:ea typeface="Consolas"/>
+              <a:cs typeface="Consolas"/>
+              <a:sym typeface="Consolas"/>
+            </a:endParaRPr>
+          </a:p>
+          <a:p>
+            <a:pPr marL="0" marR="0" lvl="0" indent="0" algn="l" rtl="0">
+              <a:lnSpc>
+                <a:spcPct val="135000"/>
+              </a:lnSpc>
+              <a:spcBef>
+                <a:spcPts val="0"/>
+              </a:spcBef>
+              <a:spcAft>
+                <a:spcPts val="0"/>
+              </a:spcAft>
+              <a:buClr>
+                <a:schemeClr val="dk1"/>
+              </a:buClr>
+              <a:buSzPct val="25000"/>
+              <a:buFont typeface="Consolas"/>
+              <a:buNone/>
+            </a:pPr>
+            <a:r>
+              <a:rPr lang="en" sz="1400" b="0" i="0" u="none" strike="noStrike" cap="none" baseline="0" smtClean="0">
                 <a:solidFill>
                   <a:srgbClr val="000000"/>
                 </a:solidFill>
@@ -4710,10 +4950,10 @@
                 <a:cs typeface="Consolas"/>
                 <a:sym typeface="Consolas"/>
               </a:rPr>
-              <a:t>console.log(day1.squirrel);</a:t>
-            </a:r>
-            <a:br>
-              <a:rPr b="0" baseline="0" i="0" lang="en" sz="1400" u="none" cap="none" strike="noStrike">
+              <a:t>console.log(day.squirrel</a:t>
+            </a:r>
+            <a:r>
+              <a:rPr lang="en" sz="1400" b="0" i="0" u="none" strike="noStrike" cap="none" baseline="0" dirty="0">
                 <a:solidFill>
                   <a:srgbClr val="000000"/>
                 </a:solidFill>
@@ -4722,21 +4962,21 @@
                 <a:cs typeface="Consolas"/>
                 <a:sym typeface="Consolas"/>
               </a:rPr>
-            </a:br>
-            <a:r>
-              <a:rPr b="0" baseline="0" i="0" lang="en" sz="1400" u="none" cap="none" strike="noStrike">
-                <a:solidFill>
-                  <a:srgbClr val="774400"/>
+              <a:t>);</a:t>
+            </a:r>
+            <a:br>
+              <a:rPr lang="en" sz="1400" b="0" i="0" u="none" strike="noStrike" cap="none" baseline="0" dirty="0">
+                <a:solidFill>
+                  <a:srgbClr val="000000"/>
                 </a:solidFill>
                 <a:latin typeface="Consolas"/>
                 <a:ea typeface="Consolas"/>
                 <a:cs typeface="Consolas"/>
                 <a:sym typeface="Consolas"/>
               </a:rPr>
-              <a:t>// → false</a:t>
-            </a:r>
-            <a:br>
-              <a:rPr b="0" baseline="0" i="0" lang="en" sz="1400" u="none" cap="none" strike="noStrike">
+            </a:br>
+            <a:r>
+              <a:rPr lang="en" sz="1400" b="0" i="0" u="none" strike="noStrike" cap="none" baseline="0" dirty="0" smtClean="0">
                 <a:solidFill>
                   <a:srgbClr val="000000"/>
                 </a:solidFill>
@@ -4745,9 +4985,10 @@
                 <a:cs typeface="Consolas"/>
                 <a:sym typeface="Consolas"/>
               </a:rPr>
-            </a:br>
-            <a:r>
-              <a:rPr b="0" baseline="0" i="0" lang="en" sz="1400" u="none" cap="none" strike="noStrike">
+              <a:t>console.</a:t>
+            </a:r>
+            <a:r>
+              <a:rPr lang="en-US" sz="1400" b="0" i="0" u="none" strike="noStrike" cap="none" baseline="0" dirty="0" err="1" smtClean="0">
                 <a:solidFill>
                   <a:srgbClr val="000000"/>
                 </a:solidFill>
@@ -4756,10 +4997,10 @@
                 <a:cs typeface="Consolas"/>
                 <a:sym typeface="Consolas"/>
               </a:rPr>
-              <a:t>console.log(day1.wolf);</a:t>
-            </a:r>
-            <a:br>
-              <a:rPr b="0" baseline="0" i="0" lang="en" sz="1400" u="none" cap="none" strike="noStrike">
+              <a:t>dir</a:t>
+            </a:r>
+            <a:r>
+              <a:rPr lang="en" sz="1400" b="0" i="0" u="none" strike="noStrike" cap="none" baseline="0" dirty="0" smtClean="0">
                 <a:solidFill>
                   <a:srgbClr val="000000"/>
                 </a:solidFill>
@@ -4768,21 +5009,22 @@
                 <a:cs typeface="Consolas"/>
                 <a:sym typeface="Consolas"/>
               </a:rPr>
-            </a:br>
-            <a:r>
-              <a:rPr b="0" baseline="0" i="0" lang="en" sz="1400" u="none" cap="none" strike="noStrike">
-                <a:solidFill>
-                  <a:srgbClr val="774400"/>
+              <a:t>(day.</a:t>
+            </a:r>
+            <a:r>
+              <a:rPr lang="en-US" sz="1400" b="0" i="0" u="none" strike="noStrike" cap="none" baseline="0" dirty="0" smtClean="0">
+                <a:solidFill>
+                  <a:srgbClr val="000000"/>
                 </a:solidFill>
                 <a:latin typeface="Consolas"/>
                 <a:ea typeface="Consolas"/>
                 <a:cs typeface="Consolas"/>
                 <a:sym typeface="Consolas"/>
               </a:rPr>
-              <a:t>// → undefined</a:t>
-            </a:r>
-            <a:br>
-              <a:rPr b="0" baseline="0" i="0" lang="en" sz="1400" u="none" cap="none" strike="noStrike">
+              <a:t>events</a:t>
+            </a:r>
+            <a:r>
+              <a:rPr lang="en" sz="1400" b="0" i="0" u="none" strike="noStrike" cap="none" baseline="0" dirty="0" smtClean="0">
                 <a:solidFill>
                   <a:srgbClr val="000000"/>
                 </a:solidFill>
@@ -4791,9 +5033,10 @@
                 <a:cs typeface="Consolas"/>
                 <a:sym typeface="Consolas"/>
               </a:rPr>
-            </a:br>
-            <a:r>
-              <a:rPr b="0" baseline="0" i="0" lang="en" sz="1400" u="none" cap="none" strike="noStrike">
+              <a:t>);</a:t>
+            </a:r>
+            <a:r>
+              <a:rPr lang="en" sz="1400" b="0" i="0" u="none" strike="noStrike" cap="none" baseline="0" dirty="0">
                 <a:solidFill>
                   <a:srgbClr val="000000"/>
                 </a:solidFill>
@@ -4802,100 +5045,20 @@
                 <a:cs typeface="Consolas"/>
                 <a:sym typeface="Consolas"/>
               </a:rPr>
-              <a:t>day1.wolf = </a:t>
-            </a:r>
-            <a:r>
-              <a:rPr b="0" baseline="0" i="0" lang="en" sz="1400" u="none" cap="none" strike="noStrike">
-                <a:solidFill>
-                  <a:srgbClr val="110066"/>
+              <a:t/>
+            </a:r>
+            <a:br>
+              <a:rPr lang="en" sz="1400" b="0" i="0" u="none" strike="noStrike" cap="none" baseline="0" dirty="0">
+                <a:solidFill>
+                  <a:srgbClr val="000000"/>
                 </a:solidFill>
                 <a:latin typeface="Consolas"/>
                 <a:ea typeface="Consolas"/>
                 <a:cs typeface="Consolas"/>
                 <a:sym typeface="Consolas"/>
               </a:rPr>
-              <a:t>false</a:t>
-            </a:r>
-            <a:r>
-              <a:rPr b="0" baseline="0" i="0" lang="en" sz="1400" u="none" cap="none" strike="noStrike">
-                <a:solidFill>
-                  <a:srgbClr val="000000"/>
-                </a:solidFill>
-                <a:latin typeface="Consolas"/>
-                <a:ea typeface="Consolas"/>
-                <a:cs typeface="Consolas"/>
-                <a:sym typeface="Consolas"/>
-              </a:rPr>
-              <a:t>;</a:t>
-            </a:r>
-            <a:br>
-              <a:rPr b="0" baseline="0" i="0" lang="en" sz="1400" u="none" cap="none" strike="noStrike">
-                <a:solidFill>
-                  <a:srgbClr val="000000"/>
-                </a:solidFill>
-                <a:latin typeface="Consolas"/>
-                <a:ea typeface="Consolas"/>
-                <a:cs typeface="Consolas"/>
-                <a:sym typeface="Consolas"/>
-              </a:rPr>
             </a:br>
-            <a:r>
-              <a:rPr b="0" baseline="0" i="0" lang="en" sz="1400" u="none" cap="none" strike="noStrike">
-                <a:solidFill>
-                  <a:srgbClr val="000000"/>
-                </a:solidFill>
-                <a:latin typeface="Consolas"/>
-                <a:ea typeface="Consolas"/>
-                <a:cs typeface="Consolas"/>
-                <a:sym typeface="Consolas"/>
-              </a:rPr>
-              <a:t>console.log(day1.wolf);</a:t>
-            </a:r>
-            <a:br>
-              <a:rPr b="0" baseline="0" i="0" lang="en" sz="1400" u="none" cap="none" strike="noStrike">
-                <a:solidFill>
-                  <a:srgbClr val="000000"/>
-                </a:solidFill>
-                <a:latin typeface="Consolas"/>
-                <a:ea typeface="Consolas"/>
-                <a:cs typeface="Consolas"/>
-                <a:sym typeface="Consolas"/>
-              </a:rPr>
-            </a:br>
-            <a:r>
-              <a:rPr b="0" baseline="0" i="0" lang="en" sz="1400" u="none" cap="none" strike="noStrike">
-                <a:solidFill>
-                  <a:srgbClr val="774400"/>
-                </a:solidFill>
-                <a:latin typeface="Consolas"/>
-                <a:ea typeface="Consolas"/>
-                <a:cs typeface="Consolas"/>
-                <a:sym typeface="Consolas"/>
-              </a:rPr>
-              <a:t>// → false</a:t>
-            </a:r>
-          </a:p>
-          <a:p>
-            <a:pPr indent="0" lvl="0" marL="0" marR="0" rtl="0" algn="l">
-              <a:lnSpc>
-                <a:spcPct val="100000"/>
-              </a:lnSpc>
-              <a:spcBef>
-                <a:spcPts val="0"/>
-              </a:spcBef>
-              <a:spcAft>
-                <a:spcPts val="0"/>
-              </a:spcAft>
-              <a:buClr>
-                <a:schemeClr val="dk1"/>
-              </a:buClr>
-              <a:buFont typeface="Arial"/>
-              <a:buNone/>
-            </a:pPr>
-            <a:r>
-              <a:t/>
-            </a:r>
-            <a:endParaRPr b="0" baseline="0" i="0" sz="3000" u="none" cap="none" strike="noStrike">
+            <a:endParaRPr sz="3000" b="0" i="0" u="none" strike="noStrike" cap="none" baseline="0" dirty="0">
               <a:solidFill>
                 <a:schemeClr val="dk1"/>
               </a:solidFill>
@@ -4912,18 +5075,18 @@
   <p:clrMapOvr>
     <a:masterClrMapping/>
   </p:clrMapOvr>
-  <p:transition spd="slow">
+  <p:transition xmlns:p14="http://schemas.microsoft.com/office/powerpoint/2010/main" spd="slow">
     <p:cut/>
   </p:transition>
 </p:sld>
 </file>
 
 <file path=ppt/slides/slide11.xml><?xml version="1.0" encoding="utf-8"?>
-<p:sld xmlns:a="http://schemas.openxmlformats.org/drawingml/2006/main" xmlns:r="http://schemas.openxmlformats.org/officeDocument/2006/relationships" xmlns:mc="http://schemas.openxmlformats.org/markup-compatibility/2006" xmlns:mv="urn:schemas-microsoft-com:mac:vml" xmlns:p="http://schemas.openxmlformats.org/presentationml/2006/main" xmlns:c="http://schemas.openxmlformats.org/drawingml/2006/chart" xmlns:dgm="http://schemas.openxmlformats.org/drawingml/2006/diagram" xmlns:o="urn:schemas-microsoft-com:office:office" xmlns:v="urn:schemas-microsoft-com:vml" xmlns:pvml="urn:schemas-microsoft-com:office:powerpoint" xmlns:com="http://schemas.openxmlformats.org/drawingml/2006/compatibility" xmlns:p14="http://schemas.microsoft.com/office/powerpoint/2010/main">
+<p:sld xmlns:a="http://schemas.openxmlformats.org/drawingml/2006/main" xmlns:r="http://schemas.openxmlformats.org/officeDocument/2006/relationships" xmlns:p="http://schemas.openxmlformats.org/presentationml/2006/main">
   <p:cSld>
     <p:spTree>
       <p:nvGrpSpPr>
-        <p:cNvPr id="93" name="Shape 93"/>
+        <p:cNvPr id="1" name="Shape 93"/>
         <p:cNvGrpSpPr/>
         <p:nvPr/>
       </p:nvGrpSpPr>
@@ -4938,7 +5101,9 @@
       <p:sp>
         <p:nvSpPr>
           <p:cNvPr id="94" name="Shape 94"/>
-          <p:cNvSpPr txBox="1"/>
+          <p:cNvSpPr txBox="1">
+            <a:spLocks noGrp="1"/>
+          </p:cNvSpPr>
           <p:nvPr>
             <p:ph type="title"/>
           </p:nvPr>
@@ -4957,12 +5122,12 @@
           </a:ln>
         </p:spPr>
         <p:txBody>
-          <a:bodyPr anchorCtr="0" anchor="b" bIns="91425" lIns="91425" rIns="91425" tIns="91425">
+          <a:bodyPr lIns="91425" tIns="91425" rIns="91425" bIns="91425" anchor="b" anchorCtr="0">
             <a:noAutofit/>
           </a:bodyPr>
           <a:lstStyle/>
           <a:p>
-            <a:pPr indent="0" lvl="0" marL="0" marR="0" rtl="0" algn="l">
+            <a:pPr marL="0" marR="0" lvl="0" indent="0" algn="l" rtl="0">
               <a:lnSpc>
                 <a:spcPct val="100000"/>
               </a:lnSpc>
@@ -4980,7 +5145,7 @@
               <a:buNone/>
             </a:pPr>
             <a:r>
-              <a:rPr b="1" baseline="0" i="0" lang="en" sz="3600" u="none" cap="none" strike="noStrike">
+              <a:rPr lang="en" sz="3600" b="1" i="0" u="none" strike="noStrike" cap="none" baseline="0">
                 <a:solidFill>
                   <a:schemeClr val="dk2"/>
                 </a:solidFill>
@@ -4997,9 +5162,11 @@
       <p:sp>
         <p:nvSpPr>
           <p:cNvPr id="95" name="Shape 95"/>
-          <p:cNvSpPr txBox="1"/>
+          <p:cNvSpPr txBox="1">
+            <a:spLocks noGrp="1"/>
+          </p:cNvSpPr>
           <p:nvPr>
-            <p:ph idx="1" type="body"/>
+            <p:ph type="body" idx="1"/>
           </p:nvPr>
         </p:nvSpPr>
         <p:spPr>
@@ -5016,12 +5183,12 @@
           </a:ln>
         </p:spPr>
         <p:txBody>
-          <a:bodyPr anchorCtr="0" anchor="t" bIns="91425" lIns="91425" rIns="91425" tIns="91425">
+          <a:bodyPr lIns="91425" tIns="91425" rIns="91425" bIns="91425" anchor="t" anchorCtr="0">
             <a:noAutofit/>
           </a:bodyPr>
           <a:lstStyle/>
           <a:p>
-            <a:pPr indent="0" lvl="0" marL="0" marR="0" rtl="0" algn="l">
+            <a:pPr marL="0" marR="0" lvl="0" indent="0" algn="l" rtl="0">
               <a:lnSpc>
                 <a:spcPct val="100000"/>
               </a:lnSpc>
@@ -5039,7 +5206,7 @@
               <a:buNone/>
             </a:pPr>
             <a:r>
-              <a:rPr b="0" baseline="0" i="0" lang="en" sz="1800" u="none" cap="none" strike="noStrike">
+              <a:rPr lang="en" sz="1800" b="0" i="0" u="none" strike="noStrike" cap="none" baseline="0" dirty="0">
                 <a:solidFill>
                   <a:schemeClr val="dk1"/>
                 </a:solidFill>
@@ -5052,7 +5219,7 @@
             </a:r>
           </a:p>
           <a:p>
-            <a:pPr indent="0" lvl="0" marL="0" marR="0" rtl="0" algn="l">
+            <a:pPr marL="0" marR="0" lvl="0" indent="0" algn="l" rtl="0">
               <a:lnSpc>
                 <a:spcPct val="100000"/>
               </a:lnSpc>
@@ -5068,10 +5235,7 @@
               <a:buFont typeface="Arial"/>
               <a:buNone/>
             </a:pPr>
-            <a:r>
-              <a:t/>
-            </a:r>
-            <a:endParaRPr b="0" baseline="0" i="0" sz="1800" u="none" cap="none" strike="noStrike">
+            <a:endParaRPr sz="1800" b="0" i="0" u="none" strike="noStrike" cap="none" baseline="0" dirty="0">
               <a:solidFill>
                 <a:schemeClr val="dk1"/>
               </a:solidFill>
@@ -5082,7 +5246,7 @@
             </a:endParaRPr>
           </a:p>
           <a:p>
-            <a:pPr indent="0" lvl="0" marL="0" marR="0" rtl="0" algn="l">
+            <a:pPr marL="0" marR="0" lvl="0" indent="0" algn="l" rtl="0">
               <a:lnSpc>
                 <a:spcPct val="100000"/>
               </a:lnSpc>
@@ -5100,7 +5264,7 @@
               <a:buNone/>
             </a:pPr>
             <a:r>
-              <a:rPr b="0" baseline="0" i="0" lang="en" sz="1800" u="none" cap="none" strike="noStrike">
+              <a:rPr lang="en" sz="1800" b="0" i="0" u="none" strike="noStrike" cap="none" baseline="0" dirty="0">
                 <a:solidFill>
                   <a:schemeClr val="dk1"/>
                 </a:solidFill>
@@ -5113,7 +5277,7 @@
             </a:r>
           </a:p>
           <a:p>
-            <a:pPr indent="0" lvl="0" marL="0" marR="0" rtl="0" algn="l">
+            <a:pPr marL="0" marR="0" lvl="0" indent="0" algn="l" rtl="0">
               <a:lnSpc>
                 <a:spcPct val="100000"/>
               </a:lnSpc>
@@ -5131,7 +5295,7 @@
               <a:buNone/>
             </a:pPr>
             <a:r>
-              <a:rPr b="0" baseline="0" i="0" lang="en" sz="1800" u="none" cap="none" strike="noStrike">
+              <a:rPr lang="en" sz="1800" b="0" i="0" u="none" strike="noStrike" cap="none" baseline="0" dirty="0">
                 <a:solidFill>
                   <a:schemeClr val="dk1"/>
                 </a:solidFill>
@@ -5144,7 +5308,7 @@
             </a:r>
           </a:p>
           <a:p>
-            <a:pPr indent="0" lvl="0" marL="0" marR="0" rtl="0" algn="l">
+            <a:pPr marL="0" marR="0" lvl="0" indent="0" algn="l" rtl="0">
               <a:lnSpc>
                 <a:spcPct val="100000"/>
               </a:lnSpc>
@@ -5162,7 +5326,7 @@
               <a:buNone/>
             </a:pPr>
             <a:r>
-              <a:rPr b="0" baseline="0" i="0" lang="en" sz="1800" u="none" cap="none" strike="noStrike">
+              <a:rPr lang="en" sz="1800" b="0" i="0" u="none" strike="noStrike" cap="none" baseline="0" dirty="0">
                 <a:solidFill>
                   <a:schemeClr val="dk1"/>
                 </a:solidFill>
@@ -5175,7 +5339,7 @@
             </a:r>
           </a:p>
           <a:p>
-            <a:pPr indent="0" lvl="0" marL="0" marR="0" rtl="0" algn="l">
+            <a:pPr marL="0" marR="0" lvl="0" indent="0" algn="l" rtl="0">
               <a:lnSpc>
                 <a:spcPct val="100000"/>
               </a:lnSpc>
@@ -5191,10 +5355,7 @@
               <a:buFont typeface="Arial"/>
               <a:buNone/>
             </a:pPr>
-            <a:r>
-              <a:t/>
-            </a:r>
-            <a:endParaRPr b="0" baseline="0" i="0" sz="1800" u="none" cap="none" strike="noStrike">
+            <a:endParaRPr sz="1800" b="0" i="0" u="none" strike="noStrike" cap="none" baseline="0" dirty="0">
               <a:solidFill>
                 <a:schemeClr val="dk1"/>
               </a:solidFill>
@@ -5205,7 +5366,7 @@
             </a:endParaRPr>
           </a:p>
           <a:p>
-            <a:pPr indent="0" lvl="0" marL="0" marR="0" rtl="0" algn="l">
+            <a:pPr marL="0" marR="0" lvl="0" indent="0" algn="l" rtl="0">
               <a:lnSpc>
                 <a:spcPct val="100000"/>
               </a:lnSpc>
@@ -5223,7 +5384,7 @@
               <a:buNone/>
             </a:pPr>
             <a:r>
-              <a:rPr b="0" baseline="0" i="0" lang="en" sz="1800" u="sng" cap="none" strike="noStrike">
+              <a:rPr lang="en" sz="1800" b="0" i="0" u="sng" strike="noStrike" cap="none" baseline="0" dirty="0">
                 <a:solidFill>
                   <a:schemeClr val="dk1"/>
                 </a:solidFill>
@@ -5236,7 +5397,7 @@
             </a:r>
           </a:p>
           <a:p>
-            <a:pPr indent="0" lvl="0" marL="0" marR="0" rtl="0" algn="l">
+            <a:pPr marL="0" marR="0" lvl="0" indent="0" algn="l" rtl="0">
               <a:lnSpc>
                 <a:spcPct val="100000"/>
               </a:lnSpc>
@@ -5254,7 +5415,7 @@
               <a:buNone/>
             </a:pPr>
             <a:r>
-              <a:rPr b="0" baseline="0" i="0" lang="en" sz="1800" u="none" cap="none" strike="noStrike">
+              <a:rPr lang="en" sz="1800" b="0" i="0" u="none" strike="noStrike" cap="none" baseline="0" dirty="0">
                 <a:solidFill>
                   <a:schemeClr val="dk1"/>
                 </a:solidFill>
@@ -5267,7 +5428,7 @@
             </a:r>
           </a:p>
           <a:p>
-            <a:pPr indent="0" lvl="0" marL="0" marR="0" rtl="0" algn="l">
+            <a:pPr marL="0" marR="0" lvl="0" indent="0" algn="l" rtl="0">
               <a:lnSpc>
                 <a:spcPct val="100000"/>
               </a:lnSpc>
@@ -5283,10 +5444,7 @@
               <a:buFont typeface="Arial"/>
               <a:buNone/>
             </a:pPr>
-            <a:r>
-              <a:t/>
-            </a:r>
-            <a:endParaRPr b="0" baseline="0" i="0" sz="3000" u="none" cap="none" strike="noStrike">
+            <a:endParaRPr sz="3000" b="0" i="0" u="none" strike="noStrike" cap="none" baseline="0" dirty="0">
               <a:solidFill>
                 <a:schemeClr val="dk1"/>
               </a:solidFill>
@@ -5303,18 +5461,18 @@
   <p:clrMapOvr>
     <a:masterClrMapping/>
   </p:clrMapOvr>
-  <p:transition spd="slow">
+  <p:transition xmlns:p14="http://schemas.microsoft.com/office/powerpoint/2010/main" spd="slow">
     <p:cut/>
   </p:transition>
 </p:sld>
 </file>
 
 <file path=ppt/slides/slide2.xml><?xml version="1.0" encoding="utf-8"?>
-<p:sld xmlns:a="http://schemas.openxmlformats.org/drawingml/2006/main" xmlns:r="http://schemas.openxmlformats.org/officeDocument/2006/relationships" xmlns:mc="http://schemas.openxmlformats.org/markup-compatibility/2006" xmlns:mv="urn:schemas-microsoft-com:mac:vml" xmlns:p="http://schemas.openxmlformats.org/presentationml/2006/main" xmlns:c="http://schemas.openxmlformats.org/drawingml/2006/chart" xmlns:dgm="http://schemas.openxmlformats.org/drawingml/2006/diagram" xmlns:o="urn:schemas-microsoft-com:office:office" xmlns:v="urn:schemas-microsoft-com:vml" xmlns:pvml="urn:schemas-microsoft-com:office:powerpoint" xmlns:com="http://schemas.openxmlformats.org/drawingml/2006/compatibility" xmlns:p14="http://schemas.microsoft.com/office/powerpoint/2010/main">
+<p:sld xmlns:a="http://schemas.openxmlformats.org/drawingml/2006/main" xmlns:r="http://schemas.openxmlformats.org/officeDocument/2006/relationships" xmlns:p="http://schemas.openxmlformats.org/presentationml/2006/main">
   <p:cSld>
     <p:spTree>
       <p:nvGrpSpPr>
-        <p:cNvPr id="39" name="Shape 39"/>
+        <p:cNvPr id="1" name="Shape 39"/>
         <p:cNvGrpSpPr/>
         <p:nvPr/>
       </p:nvGrpSpPr>
@@ -5329,7 +5487,9 @@
       <p:sp>
         <p:nvSpPr>
           <p:cNvPr id="40" name="Shape 40"/>
-          <p:cNvSpPr txBox="1"/>
+          <p:cNvSpPr txBox="1">
+            <a:spLocks noGrp="1"/>
+          </p:cNvSpPr>
           <p:nvPr>
             <p:ph type="title"/>
           </p:nvPr>
@@ -5348,12 +5508,12 @@
           </a:ln>
         </p:spPr>
         <p:txBody>
-          <a:bodyPr anchorCtr="0" anchor="b" bIns="91425" lIns="91425" rIns="91425" tIns="91425">
+          <a:bodyPr lIns="91425" tIns="91425" rIns="91425" bIns="91425" anchor="b" anchorCtr="0">
             <a:noAutofit/>
           </a:bodyPr>
           <a:lstStyle/>
           <a:p>
-            <a:pPr indent="0" lvl="0" marL="0" marR="0" rtl="0" algn="l">
+            <a:pPr marL="0" marR="0" lvl="0" indent="0" algn="l" rtl="0">
               <a:lnSpc>
                 <a:spcPct val="100000"/>
               </a:lnSpc>
@@ -5371,7 +5531,7 @@
               <a:buNone/>
             </a:pPr>
             <a:r>
-              <a:rPr b="1" baseline="0" i="0" lang="en" sz="3600" u="none" cap="none" strike="noStrike">
+              <a:rPr lang="en" sz="3600" b="1" i="0" u="none" strike="noStrike" cap="none" baseline="0">
                 <a:solidFill>
                   <a:schemeClr val="dk2"/>
                 </a:solidFill>
@@ -5389,9 +5549,11 @@
       <p:sp>
         <p:nvSpPr>
           <p:cNvPr id="41" name="Shape 41"/>
-          <p:cNvSpPr txBox="1"/>
+          <p:cNvSpPr txBox="1">
+            <a:spLocks noGrp="1"/>
+          </p:cNvSpPr>
           <p:nvPr>
-            <p:ph idx="1" type="body"/>
+            <p:ph type="body" idx="1"/>
           </p:nvPr>
         </p:nvSpPr>
         <p:spPr>
@@ -5408,12 +5570,12 @@
           </a:ln>
         </p:spPr>
         <p:txBody>
-          <a:bodyPr anchorCtr="0" anchor="t" bIns="91425" lIns="91425" rIns="91425" tIns="91425">
+          <a:bodyPr lIns="91425" tIns="91425" rIns="91425" bIns="91425" anchor="t" anchorCtr="0">
             <a:noAutofit/>
           </a:bodyPr>
           <a:lstStyle/>
           <a:p>
-            <a:pPr indent="0" lvl="0" marL="0" marR="0" rtl="0" algn="l">
+            <a:pPr marL="0" marR="0" lvl="0" indent="0" algn="l" rtl="0">
               <a:lnSpc>
                 <a:spcPct val="100000"/>
               </a:lnSpc>
@@ -5431,7 +5593,7 @@
               <a:buNone/>
             </a:pPr>
             <a:r>
-              <a:rPr b="0" baseline="0" i="0" lang="en" sz="1800" u="none" cap="none" strike="noStrike">
+              <a:rPr lang="en" sz="1800" b="0" i="0" u="none" strike="noStrike" cap="none" baseline="0">
                 <a:solidFill>
                   <a:schemeClr val="dk1"/>
                 </a:solidFill>
@@ -5445,7 +5607,7 @@
             </a:r>
           </a:p>
           <a:p>
-            <a:pPr indent="0" lvl="0" marL="0" marR="0" rtl="0" algn="l">
+            <a:pPr marL="0" marR="0" lvl="0" indent="0" algn="l" rtl="0">
               <a:lnSpc>
                 <a:spcPct val="100000"/>
               </a:lnSpc>
@@ -5461,10 +5623,7 @@
               <a:buFont typeface="Arial"/>
               <a:buNone/>
             </a:pPr>
-            <a:r>
-              <a:t/>
-            </a:r>
-            <a:endParaRPr b="0" baseline="0" i="0" sz="1800" u="none" cap="none" strike="noStrike">
+            <a:endParaRPr sz="1800" b="0" i="0" u="none" strike="noStrike" cap="none" baseline="0">
               <a:solidFill>
                 <a:schemeClr val="dk1"/>
               </a:solidFill>
@@ -5476,7 +5635,7 @@
             </a:endParaRPr>
           </a:p>
           <a:p>
-            <a:pPr indent="0" lvl="0" marL="0" marR="0" rtl="0" algn="l">
+            <a:pPr marL="0" marR="0" lvl="0" indent="0" algn="l" rtl="0">
               <a:lnSpc>
                 <a:spcPct val="100000"/>
               </a:lnSpc>
@@ -5494,7 +5653,7 @@
               <a:buNone/>
             </a:pPr>
             <a:r>
-              <a:rPr b="0" baseline="0" i="0" lang="en" sz="1800" u="none" cap="none" strike="noStrike">
+              <a:rPr lang="en" sz="1800" b="0" i="0" u="none" strike="noStrike" cap="none" baseline="0">
                 <a:solidFill>
                   <a:schemeClr val="dk1"/>
                 </a:solidFill>
@@ -5508,7 +5667,7 @@
             </a:r>
           </a:p>
           <a:p>
-            <a:pPr indent="0" lvl="0" marL="0" marR="0" rtl="0" algn="l">
+            <a:pPr marL="0" marR="0" lvl="0" indent="0" algn="l" rtl="0">
               <a:lnSpc>
                 <a:spcPct val="100000"/>
               </a:lnSpc>
@@ -5524,10 +5683,7 @@
               <a:buFont typeface="Arial"/>
               <a:buNone/>
             </a:pPr>
-            <a:r>
-              <a:t/>
-            </a:r>
-            <a:endParaRPr b="0" baseline="0" i="0" sz="1800" u="none" cap="none" strike="noStrike">
+            <a:endParaRPr sz="1800" b="0" i="0" u="none" strike="noStrike" cap="none" baseline="0">
               <a:solidFill>
                 <a:schemeClr val="dk1"/>
               </a:solidFill>
@@ -5539,7 +5695,7 @@
             </a:endParaRPr>
           </a:p>
           <a:p>
-            <a:pPr indent="0" lvl="0" marL="0" marR="0" rtl="0" algn="l">
+            <a:pPr marL="0" marR="0" lvl="0" indent="0" algn="l" rtl="0">
               <a:lnSpc>
                 <a:spcPct val="100000"/>
               </a:lnSpc>
@@ -5557,7 +5713,7 @@
               <a:buNone/>
             </a:pPr>
             <a:r>
-              <a:rPr b="0" baseline="0" i="0" lang="en" sz="1800" u="none" cap="none" strike="noStrike">
+              <a:rPr lang="en" sz="1800" b="0" i="0" u="none" strike="noStrike" cap="none" baseline="0">
                 <a:solidFill>
                   <a:schemeClr val="dk1"/>
                 </a:solidFill>
@@ -5571,7 +5727,7 @@
             </a:r>
           </a:p>
           <a:p>
-            <a:pPr indent="0" lvl="0" marL="0" marR="0" rtl="0" algn="l">
+            <a:pPr marL="0" marR="0" lvl="0" indent="0" algn="l" rtl="0">
               <a:lnSpc>
                 <a:spcPct val="100000"/>
               </a:lnSpc>
@@ -5587,10 +5743,7 @@
               <a:buFont typeface="Arial"/>
               <a:buNone/>
             </a:pPr>
-            <a:r>
-              <a:t/>
-            </a:r>
-            <a:endParaRPr b="0" baseline="0" i="0" sz="1800" u="none" cap="none" strike="noStrike">
+            <a:endParaRPr sz="1800" b="0" i="0" u="none" strike="noStrike" cap="none" baseline="0">
               <a:solidFill>
                 <a:schemeClr val="dk1"/>
               </a:solidFill>
@@ -5602,7 +5755,7 @@
             </a:endParaRPr>
           </a:p>
           <a:p>
-            <a:pPr indent="0" lvl="0" marL="0" marR="0" rtl="0" algn="l">
+            <a:pPr marL="0" marR="0" lvl="0" indent="0" algn="l" rtl="0">
               <a:lnSpc>
                 <a:spcPct val="100000"/>
               </a:lnSpc>
@@ -5620,7 +5773,7 @@
               <a:buNone/>
             </a:pPr>
             <a:r>
-              <a:rPr b="0" baseline="0" i="0" lang="en" sz="1800" u="none" cap="none" strike="noStrike">
+              <a:rPr lang="en" sz="1800" b="0" i="0" u="none" strike="noStrike" cap="none" baseline="0">
                 <a:solidFill>
                   <a:schemeClr val="dk1"/>
                 </a:solidFill>
@@ -5640,18 +5793,18 @@
   <p:clrMapOvr>
     <a:masterClrMapping/>
   </p:clrMapOvr>
-  <p:transition spd="slow">
+  <p:transition xmlns:p14="http://schemas.microsoft.com/office/powerpoint/2010/main" spd="slow">
     <p:cut/>
   </p:transition>
 </p:sld>
 </file>
 
 <file path=ppt/slides/slide3.xml><?xml version="1.0" encoding="utf-8"?>
-<p:sld xmlns:a="http://schemas.openxmlformats.org/drawingml/2006/main" xmlns:r="http://schemas.openxmlformats.org/officeDocument/2006/relationships" xmlns:mc="http://schemas.openxmlformats.org/markup-compatibility/2006" xmlns:mv="urn:schemas-microsoft-com:mac:vml" xmlns:p="http://schemas.openxmlformats.org/presentationml/2006/main" xmlns:c="http://schemas.openxmlformats.org/drawingml/2006/chart" xmlns:dgm="http://schemas.openxmlformats.org/drawingml/2006/diagram" xmlns:o="urn:schemas-microsoft-com:office:office" xmlns:v="urn:schemas-microsoft-com:vml" xmlns:pvml="urn:schemas-microsoft-com:office:powerpoint" xmlns:com="http://schemas.openxmlformats.org/drawingml/2006/compatibility" xmlns:p14="http://schemas.microsoft.com/office/powerpoint/2010/main">
+<p:sld xmlns:a="http://schemas.openxmlformats.org/drawingml/2006/main" xmlns:r="http://schemas.openxmlformats.org/officeDocument/2006/relationships" xmlns:p="http://schemas.openxmlformats.org/presentationml/2006/main">
   <p:cSld>
     <p:spTree>
       <p:nvGrpSpPr>
-        <p:cNvPr id="45" name="Shape 45"/>
+        <p:cNvPr id="1" name="Shape 45"/>
         <p:cNvGrpSpPr/>
         <p:nvPr/>
       </p:nvGrpSpPr>
@@ -5666,7 +5819,9 @@
       <p:sp>
         <p:nvSpPr>
           <p:cNvPr id="46" name="Shape 46"/>
-          <p:cNvSpPr txBox="1"/>
+          <p:cNvSpPr txBox="1">
+            <a:spLocks noGrp="1"/>
+          </p:cNvSpPr>
           <p:nvPr>
             <p:ph type="title"/>
           </p:nvPr>
@@ -5685,12 +5840,12 @@
           </a:ln>
         </p:spPr>
         <p:txBody>
-          <a:bodyPr anchorCtr="0" anchor="b" bIns="91425" lIns="91425" rIns="91425" tIns="91425">
+          <a:bodyPr lIns="91425" tIns="91425" rIns="91425" bIns="91425" anchor="b" anchorCtr="0">
             <a:noAutofit/>
           </a:bodyPr>
           <a:lstStyle/>
           <a:p>
-            <a:pPr indent="0" lvl="0" marL="0" marR="0" rtl="0" algn="l">
+            <a:pPr marL="0" marR="0" lvl="0" indent="0" algn="l" rtl="0">
               <a:lnSpc>
                 <a:spcPct val="100000"/>
               </a:lnSpc>
@@ -5708,7 +5863,7 @@
               <a:buNone/>
             </a:pPr>
             <a:r>
-              <a:rPr b="1" baseline="0" i="0" lang="en" sz="3600" u="none" cap="none" strike="noStrike">
+              <a:rPr lang="en" sz="3600" b="1" i="0" u="none" strike="noStrike" cap="none" baseline="0">
                 <a:solidFill>
                   <a:schemeClr val="dk2"/>
                 </a:solidFill>
@@ -5726,9 +5881,11 @@
       <p:sp>
         <p:nvSpPr>
           <p:cNvPr id="47" name="Shape 47"/>
-          <p:cNvSpPr txBox="1"/>
+          <p:cNvSpPr txBox="1">
+            <a:spLocks noGrp="1"/>
+          </p:cNvSpPr>
           <p:nvPr>
-            <p:ph idx="1" type="body"/>
+            <p:ph type="body" idx="1"/>
           </p:nvPr>
         </p:nvSpPr>
         <p:spPr>
@@ -5745,12 +5902,12 @@
           </a:ln>
         </p:spPr>
         <p:txBody>
-          <a:bodyPr anchorCtr="0" anchor="t" bIns="91425" lIns="91425" rIns="91425" tIns="91425">
+          <a:bodyPr lIns="91425" tIns="91425" rIns="91425" bIns="91425" anchor="t" anchorCtr="0">
             <a:noAutofit/>
           </a:bodyPr>
           <a:lstStyle/>
           <a:p>
-            <a:pPr indent="0" lvl="0" marL="0" marR="0" rtl="0" algn="l">
+            <a:pPr marL="0" marR="0" lvl="0" indent="0" algn="l" rtl="0">
               <a:lnSpc>
                 <a:spcPct val="100000"/>
               </a:lnSpc>
@@ -5768,7 +5925,7 @@
               <a:buNone/>
             </a:pPr>
             <a:r>
-              <a:rPr b="0" baseline="0" i="0" lang="en" sz="1800" u="none" cap="none" strike="noStrike">
+              <a:rPr lang="en" sz="1800" b="0" i="0" u="none" strike="noStrike" cap="none" baseline="0" dirty="0">
                 <a:solidFill>
                   <a:schemeClr val="dk1"/>
                 </a:solidFill>
@@ -5778,29 +5935,10 @@
                 <a:sym typeface="Consolas"/>
                 <a:rtl val="0"/>
               </a:rPr>
-              <a:t>var rabbit = {};</a:t>
-            </a:r>
-          </a:p>
-          <a:p>
-            <a:pPr indent="0" lvl="0" marL="0" marR="0" rtl="0" algn="l">
-              <a:lnSpc>
-                <a:spcPct val="100000"/>
-              </a:lnSpc>
-              <a:spcBef>
-                <a:spcPts val="0"/>
-              </a:spcBef>
-              <a:spcAft>
-                <a:spcPts val="0"/>
-              </a:spcAft>
-              <a:buClr>
-                <a:schemeClr val="dk1"/>
-              </a:buClr>
-              <a:buSzPct val="25000"/>
-              <a:buFont typeface="Consolas"/>
-              <a:buNone/>
-            </a:pPr>
-            <a:r>
-              <a:rPr b="0" baseline="0" i="0" lang="en" sz="1800" u="none" cap="none" strike="noStrike">
+              <a:t>var rabbit = </a:t>
+            </a:r>
+            <a:r>
+              <a:rPr lang="en" sz="1800" b="0" i="0" u="none" strike="noStrike" cap="none" baseline="0" dirty="0" smtClean="0">
                 <a:solidFill>
                   <a:schemeClr val="dk1"/>
                 </a:solidFill>
@@ -5810,94 +5948,9 @@
                 <a:sym typeface="Consolas"/>
                 <a:rtl val="0"/>
               </a:rPr>
-              <a:t>rabbit.speak = function(line) {</a:t>
-            </a:r>
-          </a:p>
-          <a:p>
-            <a:pPr indent="0" lvl="0" marL="0" marR="0" rtl="0" algn="l">
-              <a:lnSpc>
-                <a:spcPct val="100000"/>
-              </a:lnSpc>
-              <a:spcBef>
-                <a:spcPts val="0"/>
-              </a:spcBef>
-              <a:spcAft>
-                <a:spcPts val="0"/>
-              </a:spcAft>
-              <a:buClr>
-                <a:schemeClr val="dk1"/>
-              </a:buClr>
-              <a:buSzPct val="25000"/>
-              <a:buFont typeface="Consolas"/>
-              <a:buNone/>
-            </a:pPr>
-            <a:r>
-              <a:rPr b="0" baseline="0" i="0" lang="en" sz="1800" u="none" cap="none" strike="noStrike">
-                <a:solidFill>
-                  <a:schemeClr val="dk1"/>
-                </a:solidFill>
-                <a:latin typeface="Consolas"/>
-                <a:ea typeface="Consolas"/>
-                <a:cs typeface="Consolas"/>
-                <a:sym typeface="Consolas"/>
-                <a:rtl val="0"/>
-              </a:rPr>
-              <a:t>  console.log("The rabbit says '" + line + "'");</a:t>
-            </a:r>
-          </a:p>
-          <a:p>
-            <a:pPr indent="0" lvl="0" marL="0" marR="0" rtl="0" algn="l">
-              <a:lnSpc>
-                <a:spcPct val="100000"/>
-              </a:lnSpc>
-              <a:spcBef>
-                <a:spcPts val="0"/>
-              </a:spcBef>
-              <a:spcAft>
-                <a:spcPts val="0"/>
-              </a:spcAft>
-              <a:buClr>
-                <a:schemeClr val="dk1"/>
-              </a:buClr>
-              <a:buSzPct val="25000"/>
-              <a:buFont typeface="Consolas"/>
-              <a:buNone/>
-            </a:pPr>
-            <a:r>
-              <a:rPr b="0" baseline="0" i="0" lang="en" sz="1800" u="none" cap="none" strike="noStrike">
-                <a:solidFill>
-                  <a:schemeClr val="dk1"/>
-                </a:solidFill>
-                <a:latin typeface="Consolas"/>
-                <a:ea typeface="Consolas"/>
-                <a:cs typeface="Consolas"/>
-                <a:sym typeface="Consolas"/>
-                <a:rtl val="0"/>
-              </a:rPr>
-              <a:t>};</a:t>
-            </a:r>
-          </a:p>
-          <a:p>
-            <a:pPr indent="0" lvl="0" marL="0" marR="0" rtl="0" algn="l">
-              <a:lnSpc>
-                <a:spcPct val="100000"/>
-              </a:lnSpc>
-              <a:spcBef>
-                <a:spcPts val="0"/>
-              </a:spcBef>
-              <a:spcAft>
-                <a:spcPts val="0"/>
-              </a:spcAft>
-              <a:buClr>
-                <a:schemeClr val="dk1"/>
-              </a:buClr>
-              <a:buFont typeface="Arial"/>
-              <a:buNone/>
-            </a:pPr>
-            <a:r>
-              <a:t/>
-            </a:r>
-            <a:endParaRPr b="0" baseline="0" i="0" sz="1800" u="none" cap="none" strike="noStrike">
+              <a:t>{};</a:t>
+            </a:r>
+            <a:endParaRPr lang="en-US" sz="1800" b="0" i="0" u="none" strike="noStrike" cap="none" baseline="0" dirty="0" smtClean="0">
               <a:solidFill>
                 <a:schemeClr val="dk1"/>
               </a:solidFill>
@@ -5909,7 +5962,7 @@
             </a:endParaRPr>
           </a:p>
           <a:p>
-            <a:pPr indent="0" lvl="0" marL="0" marR="0" rtl="0" algn="l">
+            <a:pPr marL="0" marR="0" lvl="0" indent="0" algn="l" rtl="0">
               <a:lnSpc>
                 <a:spcPct val="100000"/>
               </a:lnSpc>
@@ -5926,8 +5979,37 @@
               <a:buFont typeface="Consolas"/>
               <a:buNone/>
             </a:pPr>
-            <a:r>
-              <a:rPr b="0" baseline="0" i="0" lang="en" sz="1800" u="none" cap="none" strike="noStrike">
+            <a:endParaRPr lang="en" sz="1800" b="0" i="0" u="none" strike="noStrike" cap="none" baseline="0" dirty="0">
+              <a:solidFill>
+                <a:schemeClr val="dk1"/>
+              </a:solidFill>
+              <a:latin typeface="Consolas"/>
+              <a:ea typeface="Consolas"/>
+              <a:cs typeface="Consolas"/>
+              <a:sym typeface="Consolas"/>
+              <a:rtl val="0"/>
+            </a:endParaRPr>
+          </a:p>
+          <a:p>
+            <a:pPr marL="0" marR="0" lvl="0" indent="0" algn="l" rtl="0">
+              <a:lnSpc>
+                <a:spcPct val="100000"/>
+              </a:lnSpc>
+              <a:spcBef>
+                <a:spcPts val="0"/>
+              </a:spcBef>
+              <a:spcAft>
+                <a:spcPts val="0"/>
+              </a:spcAft>
+              <a:buClr>
+                <a:schemeClr val="dk1"/>
+              </a:buClr>
+              <a:buSzPct val="25000"/>
+              <a:buFont typeface="Consolas"/>
+              <a:buNone/>
+            </a:pPr>
+            <a:r>
+              <a:rPr lang="en" sz="1800" b="0" i="0" u="none" strike="noStrike" cap="none" baseline="0" dirty="0">
                 <a:solidFill>
                   <a:schemeClr val="dk1"/>
                 </a:solidFill>
@@ -5937,11 +6019,11 @@
                 <a:sym typeface="Consolas"/>
                 <a:rtl val="0"/>
               </a:rPr>
-              <a:t>rabbit.speak("I'm alive.");</a:t>
+              <a:t>rabbit.speak = function(line) {</a:t>
             </a:r>
           </a:p>
           <a:p>
-            <a:pPr indent="0" lvl="0" marL="0" marR="0" rtl="0" algn="l">
+            <a:pPr marL="0" marR="0" lvl="0" indent="0" algn="l" rtl="0">
               <a:lnSpc>
                 <a:spcPct val="100000"/>
               </a:lnSpc>
@@ -5954,13 +6036,134 @@
               <a:buClr>
                 <a:schemeClr val="dk1"/>
               </a:buClr>
+              <a:buSzPct val="25000"/>
+              <a:buFont typeface="Consolas"/>
+              <a:buNone/>
+            </a:pPr>
+            <a:r>
+              <a:rPr lang="en" sz="1800" b="0" i="0" u="none" strike="noStrike" cap="none" baseline="0" dirty="0">
+                <a:solidFill>
+                  <a:schemeClr val="dk1"/>
+                </a:solidFill>
+                <a:latin typeface="Consolas"/>
+                <a:ea typeface="Consolas"/>
+                <a:cs typeface="Consolas"/>
+                <a:sym typeface="Consolas"/>
+                <a:rtl val="0"/>
+              </a:rPr>
+              <a:t>  console.log("The rabbit says '" + line + "'");</a:t>
+            </a:r>
+          </a:p>
+          <a:p>
+            <a:pPr marL="0" marR="0" lvl="0" indent="0" algn="l" rtl="0">
+              <a:lnSpc>
+                <a:spcPct val="100000"/>
+              </a:lnSpc>
+              <a:spcBef>
+                <a:spcPts val="0"/>
+              </a:spcBef>
+              <a:spcAft>
+                <a:spcPts val="0"/>
+              </a:spcAft>
+              <a:buClr>
+                <a:schemeClr val="dk1"/>
+              </a:buClr>
+              <a:buSzPct val="25000"/>
+              <a:buFont typeface="Consolas"/>
+              <a:buNone/>
+            </a:pPr>
+            <a:r>
+              <a:rPr lang="en" sz="1800" b="0" i="0" u="none" strike="noStrike" cap="none" baseline="0" dirty="0">
+                <a:solidFill>
+                  <a:schemeClr val="dk1"/>
+                </a:solidFill>
+                <a:latin typeface="Consolas"/>
+                <a:ea typeface="Consolas"/>
+                <a:cs typeface="Consolas"/>
+                <a:sym typeface="Consolas"/>
+                <a:rtl val="0"/>
+              </a:rPr>
+              <a:t>};</a:t>
+            </a:r>
+          </a:p>
+          <a:p>
+            <a:pPr marL="0" marR="0" lvl="0" indent="0" algn="l" rtl="0">
+              <a:lnSpc>
+                <a:spcPct val="100000"/>
+              </a:lnSpc>
+              <a:spcBef>
+                <a:spcPts val="0"/>
+              </a:spcBef>
+              <a:spcAft>
+                <a:spcPts val="0"/>
+              </a:spcAft>
+              <a:buClr>
+                <a:schemeClr val="dk1"/>
+              </a:buClr>
               <a:buFont typeface="Arial"/>
               <a:buNone/>
             </a:pPr>
-            <a:r>
-              <a:t/>
-            </a:r>
-            <a:endParaRPr b="0" baseline="0" i="0" sz="3000" u="none" cap="none" strike="noStrike">
+            <a:endParaRPr sz="1800" b="0" i="0" u="none" strike="noStrike" cap="none" baseline="0" dirty="0">
+              <a:solidFill>
+                <a:schemeClr val="dk1"/>
+              </a:solidFill>
+              <a:latin typeface="Consolas"/>
+              <a:ea typeface="Consolas"/>
+              <a:cs typeface="Consolas"/>
+              <a:sym typeface="Consolas"/>
+              <a:rtl val="0"/>
+            </a:endParaRPr>
+          </a:p>
+          <a:p>
+            <a:pPr marL="0" marR="0" lvl="0" indent="0" algn="l" rtl="0">
+              <a:lnSpc>
+                <a:spcPct val="100000"/>
+              </a:lnSpc>
+              <a:spcBef>
+                <a:spcPts val="0"/>
+              </a:spcBef>
+              <a:spcAft>
+                <a:spcPts val="0"/>
+              </a:spcAft>
+              <a:buClr>
+                <a:schemeClr val="dk1"/>
+              </a:buClr>
+              <a:buSzPct val="25000"/>
+              <a:buFont typeface="Consolas"/>
+              <a:buNone/>
+            </a:pPr>
+            <a:r>
+              <a:rPr lang="en" sz="1800" b="0" i="0" u="none" strike="noStrike" cap="none" baseline="0" dirty="0">
+                <a:solidFill>
+                  <a:schemeClr val="dk1"/>
+                </a:solidFill>
+                <a:latin typeface="Consolas"/>
+                <a:ea typeface="Consolas"/>
+                <a:cs typeface="Consolas"/>
+                <a:sym typeface="Consolas"/>
+                <a:rtl val="0"/>
+              </a:rPr>
+              <a:t>rabbit.speak("I'm alive.");</a:t>
+            </a:r>
+          </a:p>
+          <a:p>
+            <a:pPr marL="0" marR="0" lvl="0" indent="0" algn="l" rtl="0">
+              <a:lnSpc>
+                <a:spcPct val="100000"/>
+              </a:lnSpc>
+              <a:spcBef>
+                <a:spcPts val="0"/>
+              </a:spcBef>
+              <a:spcAft>
+                <a:spcPts val="0"/>
+              </a:spcAft>
+              <a:buClr>
+                <a:schemeClr val="dk1"/>
+              </a:buClr>
+              <a:buFont typeface="Arial"/>
+              <a:buNone/>
+            </a:pPr>
+            <a:endParaRPr sz="3000" b="0" i="0" u="none" strike="noStrike" cap="none" baseline="0" dirty="0">
               <a:solidFill>
                 <a:schemeClr val="dk1"/>
               </a:solidFill>
@@ -5978,18 +6181,18 @@
   <p:clrMapOvr>
     <a:masterClrMapping/>
   </p:clrMapOvr>
-  <p:transition spd="slow">
+  <p:transition xmlns:p14="http://schemas.microsoft.com/office/powerpoint/2010/main" spd="slow">
     <p:cut/>
   </p:transition>
 </p:sld>
 </file>
 
 <file path=ppt/slides/slide4.xml><?xml version="1.0" encoding="utf-8"?>
-<p:sld xmlns:a="http://schemas.openxmlformats.org/drawingml/2006/main" xmlns:r="http://schemas.openxmlformats.org/officeDocument/2006/relationships" xmlns:mc="http://schemas.openxmlformats.org/markup-compatibility/2006" xmlns:mv="urn:schemas-microsoft-com:mac:vml" xmlns:p="http://schemas.openxmlformats.org/presentationml/2006/main" xmlns:c="http://schemas.openxmlformats.org/drawingml/2006/chart" xmlns:dgm="http://schemas.openxmlformats.org/drawingml/2006/diagram" xmlns:o="urn:schemas-microsoft-com:office:office" xmlns:v="urn:schemas-microsoft-com:vml" xmlns:pvml="urn:schemas-microsoft-com:office:powerpoint" xmlns:com="http://schemas.openxmlformats.org/drawingml/2006/compatibility" xmlns:p14="http://schemas.microsoft.com/office/powerpoint/2010/main">
+<p:sld xmlns:a="http://schemas.openxmlformats.org/drawingml/2006/main" xmlns:r="http://schemas.openxmlformats.org/officeDocument/2006/relationships" xmlns:p="http://schemas.openxmlformats.org/presentationml/2006/main">
   <p:cSld>
     <p:spTree>
       <p:nvGrpSpPr>
-        <p:cNvPr id="51" name="Shape 51"/>
+        <p:cNvPr id="1" name="Shape 51"/>
         <p:cNvGrpSpPr/>
         <p:nvPr/>
       </p:nvGrpSpPr>
@@ -6004,7 +6207,9 @@
       <p:sp>
         <p:nvSpPr>
           <p:cNvPr id="52" name="Shape 52"/>
-          <p:cNvSpPr txBox="1"/>
+          <p:cNvSpPr txBox="1">
+            <a:spLocks noGrp="1"/>
+          </p:cNvSpPr>
           <p:nvPr>
             <p:ph type="title"/>
           </p:nvPr>
@@ -6023,12 +6228,12 @@
           </a:ln>
         </p:spPr>
         <p:txBody>
-          <a:bodyPr anchorCtr="0" anchor="b" bIns="91425" lIns="91425" rIns="91425" tIns="91425">
+          <a:bodyPr lIns="91425" tIns="91425" rIns="91425" bIns="91425" anchor="b" anchorCtr="0">
             <a:noAutofit/>
           </a:bodyPr>
           <a:lstStyle/>
           <a:p>
-            <a:pPr indent="0" lvl="0" marL="0" marR="0" rtl="0" algn="l">
+            <a:pPr marL="0" marR="0" lvl="0" indent="0" algn="l" rtl="0">
               <a:lnSpc>
                 <a:spcPct val="100000"/>
               </a:lnSpc>
@@ -6046,7 +6251,7 @@
               <a:buNone/>
             </a:pPr>
             <a:r>
-              <a:rPr b="1" baseline="0" i="0" lang="en" sz="3600" u="none" cap="none" strike="noStrike">
+              <a:rPr lang="en" sz="3600" b="1" i="0" u="none" strike="noStrike" cap="none" baseline="0">
                 <a:solidFill>
                   <a:schemeClr val="dk2"/>
                 </a:solidFill>
@@ -6064,9 +6269,11 @@
       <p:sp>
         <p:nvSpPr>
           <p:cNvPr id="53" name="Shape 53"/>
-          <p:cNvSpPr txBox="1"/>
+          <p:cNvSpPr txBox="1">
+            <a:spLocks noGrp="1"/>
+          </p:cNvSpPr>
           <p:nvPr>
-            <p:ph idx="1" type="body"/>
+            <p:ph type="body" idx="1"/>
           </p:nvPr>
         </p:nvSpPr>
         <p:spPr>
@@ -6083,12 +6290,12 @@
           </a:ln>
         </p:spPr>
         <p:txBody>
-          <a:bodyPr anchorCtr="0" anchor="t" bIns="91425" lIns="91425" rIns="91425" tIns="91425">
+          <a:bodyPr lIns="91425" tIns="91425" rIns="91425" bIns="91425" anchor="t" anchorCtr="0">
             <a:noAutofit/>
           </a:bodyPr>
           <a:lstStyle/>
           <a:p>
-            <a:pPr indent="0" lvl="0" marL="0" marR="0" rtl="0" algn="l">
+            <a:pPr marL="0" marR="0" lvl="0" indent="0" algn="l" rtl="0">
               <a:lnSpc>
                 <a:spcPct val="145000"/>
               </a:lnSpc>
@@ -6106,7 +6313,7 @@
               <a:buNone/>
             </a:pPr>
             <a:r>
-              <a:rPr b="0" baseline="0" i="0" lang="en" sz="1400" u="none" cap="none" strike="noStrike">
+              <a:rPr lang="en" sz="1400" b="0" i="0" u="none" strike="noStrike" cap="none" baseline="0">
                 <a:solidFill>
                   <a:srgbClr val="000000"/>
                 </a:solidFill>
@@ -6120,7 +6327,7 @@
             </a:r>
           </a:p>
           <a:p>
-            <a:pPr indent="0" lvl="0" marL="0" marR="0" rtl="0" algn="l">
+            <a:pPr marL="0" marR="0" lvl="0" indent="0" algn="l" rtl="0">
               <a:lnSpc>
                 <a:spcPct val="100000"/>
               </a:lnSpc>
@@ -6136,10 +6343,7 @@
               <a:buFont typeface="Arial"/>
               <a:buNone/>
             </a:pPr>
-            <a:r>
-              <a:t/>
-            </a:r>
-            <a:endParaRPr b="0" baseline="0" i="0" sz="3000" u="none" cap="none" strike="noStrike">
+            <a:endParaRPr sz="3000" b="0" i="0" u="none" strike="noStrike" cap="none" baseline="0">
               <a:solidFill>
                 <a:schemeClr val="dk1"/>
               </a:solidFill>
@@ -6157,18 +6361,18 @@
   <p:clrMapOvr>
     <a:masterClrMapping/>
   </p:clrMapOvr>
-  <p:transition spd="slow">
+  <p:transition xmlns:p14="http://schemas.microsoft.com/office/powerpoint/2010/main" spd="slow">
     <p:cut/>
   </p:transition>
 </p:sld>
 </file>
 
 <file path=ppt/slides/slide5.xml><?xml version="1.0" encoding="utf-8"?>
-<p:sld xmlns:a="http://schemas.openxmlformats.org/drawingml/2006/main" xmlns:r="http://schemas.openxmlformats.org/officeDocument/2006/relationships" xmlns:mc="http://schemas.openxmlformats.org/markup-compatibility/2006" xmlns:mv="urn:schemas-microsoft-com:mac:vml" xmlns:p="http://schemas.openxmlformats.org/presentationml/2006/main" xmlns:c="http://schemas.openxmlformats.org/drawingml/2006/chart" xmlns:dgm="http://schemas.openxmlformats.org/drawingml/2006/diagram" xmlns:o="urn:schemas-microsoft-com:office:office" xmlns:v="urn:schemas-microsoft-com:vml" xmlns:pvml="urn:schemas-microsoft-com:office:powerpoint" xmlns:com="http://schemas.openxmlformats.org/drawingml/2006/compatibility" xmlns:p14="http://schemas.microsoft.com/office/powerpoint/2010/main">
+<p:sld xmlns:a="http://schemas.openxmlformats.org/drawingml/2006/main" xmlns:r="http://schemas.openxmlformats.org/officeDocument/2006/relationships" xmlns:p="http://schemas.openxmlformats.org/presentationml/2006/main">
   <p:cSld>
     <p:spTree>
       <p:nvGrpSpPr>
-        <p:cNvPr id="57" name="Shape 57"/>
+        <p:cNvPr id="1" name="Shape 57"/>
         <p:cNvGrpSpPr/>
         <p:nvPr/>
       </p:nvGrpSpPr>
@@ -6183,7 +6387,9 @@
       <p:sp>
         <p:nvSpPr>
           <p:cNvPr id="58" name="Shape 58"/>
-          <p:cNvSpPr txBox="1"/>
+          <p:cNvSpPr txBox="1">
+            <a:spLocks noGrp="1"/>
+          </p:cNvSpPr>
           <p:nvPr>
             <p:ph type="title"/>
           </p:nvPr>
@@ -6202,12 +6408,12 @@
           </a:ln>
         </p:spPr>
         <p:txBody>
-          <a:bodyPr anchorCtr="0" anchor="b" bIns="91425" lIns="91425" rIns="91425" tIns="91425">
+          <a:bodyPr lIns="91425" tIns="91425" rIns="91425" bIns="91425" anchor="b" anchorCtr="0">
             <a:noAutofit/>
           </a:bodyPr>
           <a:lstStyle/>
           <a:p>
-            <a:pPr indent="0" lvl="0" marL="0" marR="0" rtl="0" algn="l">
+            <a:pPr marL="0" marR="0" lvl="0" indent="0" algn="l" rtl="0">
               <a:lnSpc>
                 <a:spcPct val="100000"/>
               </a:lnSpc>
@@ -6225,7 +6431,7 @@
               <a:buNone/>
             </a:pPr>
             <a:r>
-              <a:rPr b="1" baseline="0" i="0" lang="en" sz="3600" u="none" cap="none" strike="noStrike">
+              <a:rPr lang="en" sz="3600" b="1" i="0" u="none" strike="noStrike" cap="none" baseline="0">
                 <a:solidFill>
                   <a:schemeClr val="dk2"/>
                 </a:solidFill>
@@ -6243,9 +6449,11 @@
       <p:sp>
         <p:nvSpPr>
           <p:cNvPr id="59" name="Shape 59"/>
-          <p:cNvSpPr txBox="1"/>
+          <p:cNvSpPr txBox="1">
+            <a:spLocks noGrp="1"/>
+          </p:cNvSpPr>
           <p:nvPr>
-            <p:ph idx="1" type="body"/>
+            <p:ph type="body" idx="1"/>
           </p:nvPr>
         </p:nvSpPr>
         <p:spPr>
@@ -6262,12 +6470,12 @@
           </a:ln>
         </p:spPr>
         <p:txBody>
-          <a:bodyPr anchorCtr="0" anchor="t" bIns="91425" lIns="91425" rIns="91425" tIns="91425">
+          <a:bodyPr lIns="91425" tIns="91425" rIns="91425" bIns="91425" anchor="t" anchorCtr="0">
             <a:noAutofit/>
           </a:bodyPr>
           <a:lstStyle/>
           <a:p>
-            <a:pPr indent="0" lvl="0" marL="0" marR="0" rtl="0" algn="l">
+            <a:pPr marL="0" marR="0" lvl="0" indent="0" algn="l" rtl="0">
               <a:lnSpc>
                 <a:spcPct val="135000"/>
               </a:lnSpc>
@@ -6285,7 +6493,7 @@
               <a:buNone/>
             </a:pPr>
             <a:r>
-              <a:rPr b="0" baseline="0" i="0" lang="en" sz="1400" u="none" cap="none" strike="noStrike">
+              <a:rPr lang="en" sz="1400" b="0" i="0" u="none" strike="noStrike" cap="none" baseline="0" dirty="0">
                 <a:solidFill>
                   <a:srgbClr val="550066"/>
                 </a:solidFill>
@@ -6298,7 +6506,7 @@
               <a:t>function</a:t>
             </a:r>
             <a:r>
-              <a:rPr b="0" baseline="0" i="0" lang="en" sz="1400" u="none" cap="none" strike="noStrike">
+              <a:rPr lang="en" sz="1400" b="0" i="0" u="none" strike="noStrike" cap="none" baseline="0" dirty="0">
                 <a:solidFill>
                   <a:srgbClr val="000000"/>
                 </a:solidFill>
@@ -6311,7 +6519,7 @@
               <a:t> speak(</a:t>
             </a:r>
             <a:r>
-              <a:rPr b="0" baseline="0" i="0" lang="en" sz="1400" u="none" cap="none" strike="noStrike">
+              <a:rPr lang="en" sz="1400" b="0" i="0" u="none" strike="noStrike" cap="none" baseline="0" dirty="0">
                 <a:solidFill>
                   <a:srgbClr val="000099"/>
                 </a:solidFill>
@@ -6324,7 +6532,7 @@
               <a:t>line</a:t>
             </a:r>
             <a:r>
-              <a:rPr b="0" baseline="0" i="0" lang="en" sz="1400" u="none" cap="none" strike="noStrike">
+              <a:rPr lang="en" sz="1400" b="0" i="0" u="none" strike="noStrike" cap="none" baseline="0" dirty="0">
                 <a:solidFill>
                   <a:srgbClr val="000000"/>
                 </a:solidFill>
@@ -6337,7 +6545,7 @@
               <a:t>) {</a:t>
             </a:r>
             <a:br>
-              <a:rPr b="0" baseline="0" i="0" lang="en" sz="1400" u="none" cap="none" strike="noStrike">
+              <a:rPr lang="en" sz="1400" b="0" i="0" u="none" strike="noStrike" cap="none" baseline="0" dirty="0">
                 <a:solidFill>
                   <a:srgbClr val="000000"/>
                 </a:solidFill>
@@ -6349,7 +6557,7 @@
               </a:rPr>
             </a:br>
             <a:r>
-              <a:rPr b="0" baseline="0" i="0" lang="en" sz="1400" u="none" cap="none" strike="noStrike">
+              <a:rPr lang="en" sz="1400" b="0" i="0" u="none" strike="noStrike" cap="none" baseline="0" dirty="0">
                 <a:solidFill>
                   <a:srgbClr val="000000"/>
                 </a:solidFill>
@@ -6362,7 +6570,7 @@
               <a:t>  console.log(</a:t>
             </a:r>
             <a:r>
-              <a:rPr b="0" baseline="0" i="0" lang="en" sz="1400" u="none" cap="none" strike="noStrike">
+              <a:rPr lang="en" sz="1400" b="0" i="0" u="none" strike="noStrike" cap="none" baseline="0" dirty="0">
                 <a:solidFill>
                   <a:srgbClr val="770000"/>
                 </a:solidFill>
@@ -6375,7 +6583,7 @@
               <a:t>"The "</a:t>
             </a:r>
             <a:r>
-              <a:rPr b="0" baseline="0" i="0" lang="en" sz="1400" u="none" cap="none" strike="noStrike">
+              <a:rPr lang="en" sz="1400" b="0" i="0" u="none" strike="noStrike" cap="none" baseline="0" dirty="0">
                 <a:solidFill>
                   <a:srgbClr val="000000"/>
                 </a:solidFill>
@@ -6388,7 +6596,7 @@
               <a:t> + </a:t>
             </a:r>
             <a:r>
-              <a:rPr b="0" baseline="0" i="0" lang="en" sz="1400" u="none" cap="none" strike="noStrike">
+              <a:rPr lang="en" sz="1400" b="0" i="0" u="none" strike="noStrike" cap="none" baseline="0" dirty="0">
                 <a:solidFill>
                   <a:srgbClr val="550066"/>
                 </a:solidFill>
@@ -6401,7 +6609,7 @@
               <a:t>this</a:t>
             </a:r>
             <a:r>
-              <a:rPr b="0" baseline="0" i="0" lang="en" sz="1400" u="none" cap="none" strike="noStrike">
+              <a:rPr lang="en" sz="1400" b="0" i="0" u="none" strike="noStrike" cap="none" baseline="0" dirty="0">
                 <a:solidFill>
                   <a:srgbClr val="000000"/>
                 </a:solidFill>
@@ -6414,7 +6622,7 @@
               <a:t>.type + </a:t>
             </a:r>
             <a:r>
-              <a:rPr b="0" baseline="0" i="0" lang="en" sz="1400" u="none" cap="none" strike="noStrike">
+              <a:rPr lang="en" sz="1400" b="0" i="0" u="none" strike="noStrike" cap="none" baseline="0" dirty="0">
                 <a:solidFill>
                   <a:srgbClr val="770000"/>
                 </a:solidFill>
@@ -6427,7 +6635,7 @@
               <a:t>" rabbit says '"</a:t>
             </a:r>
             <a:r>
-              <a:rPr b="0" baseline="0" i="0" lang="en" sz="1400" u="none" cap="none" strike="noStrike">
+              <a:rPr lang="en" sz="1400" b="0" i="0" u="none" strike="noStrike" cap="none" baseline="0" dirty="0">
                 <a:solidFill>
                   <a:srgbClr val="000000"/>
                 </a:solidFill>
@@ -6440,7 +6648,7 @@
               <a:t> +</a:t>
             </a:r>
             <a:br>
-              <a:rPr b="0" baseline="0" i="0" lang="en" sz="1400" u="none" cap="none" strike="noStrike">
+              <a:rPr lang="en" sz="1400" b="0" i="0" u="none" strike="noStrike" cap="none" baseline="0" dirty="0">
                 <a:solidFill>
                   <a:srgbClr val="000000"/>
                 </a:solidFill>
@@ -6452,7 +6660,7 @@
               </a:rPr>
             </a:br>
             <a:r>
-              <a:rPr b="0" baseline="0" i="0" lang="en" sz="1400" u="none" cap="none" strike="noStrike">
+              <a:rPr lang="en" sz="1400" b="0" i="0" u="none" strike="noStrike" cap="none" baseline="0" dirty="0">
                 <a:solidFill>
                   <a:srgbClr val="000000"/>
                 </a:solidFill>
@@ -6465,7 +6673,7 @@
               <a:t>              </a:t>
             </a:r>
             <a:r>
-              <a:rPr b="0" baseline="0" i="0" lang="en" sz="1400" u="none" cap="none" strike="noStrike">
+              <a:rPr lang="en" sz="1400" b="0" i="0" u="none" strike="noStrike" cap="none" baseline="0" dirty="0">
                 <a:solidFill>
                   <a:srgbClr val="002277"/>
                 </a:solidFill>
@@ -6478,7 +6686,7 @@
               <a:t>line</a:t>
             </a:r>
             <a:r>
-              <a:rPr b="0" baseline="0" i="0" lang="en" sz="1400" u="none" cap="none" strike="noStrike">
+              <a:rPr lang="en" sz="1400" b="0" i="0" u="none" strike="noStrike" cap="none" baseline="0" dirty="0">
                 <a:solidFill>
                   <a:srgbClr val="000000"/>
                 </a:solidFill>
@@ -6491,7 +6699,7 @@
               <a:t> + </a:t>
             </a:r>
             <a:r>
-              <a:rPr b="0" baseline="0" i="0" lang="en" sz="1400" u="none" cap="none" strike="noStrike">
+              <a:rPr lang="en" sz="1400" b="0" i="0" u="none" strike="noStrike" cap="none" baseline="0" dirty="0">
                 <a:solidFill>
                   <a:srgbClr val="770000"/>
                 </a:solidFill>
@@ -6504,7 +6712,7 @@
               <a:t>"'"</a:t>
             </a:r>
             <a:r>
-              <a:rPr b="0" baseline="0" i="0" lang="en" sz="1400" u="none" cap="none" strike="noStrike">
+              <a:rPr lang="en" sz="1400" b="0" i="0" u="none" strike="noStrike" cap="none" baseline="0" dirty="0">
                 <a:solidFill>
                   <a:srgbClr val="000000"/>
                 </a:solidFill>
@@ -6517,7 +6725,7 @@
               <a:t>);</a:t>
             </a:r>
             <a:br>
-              <a:rPr b="0" baseline="0" i="0" lang="en" sz="1400" u="none" cap="none" strike="noStrike">
+              <a:rPr lang="en" sz="1400" b="0" i="0" u="none" strike="noStrike" cap="none" baseline="0" dirty="0">
                 <a:solidFill>
                   <a:srgbClr val="000000"/>
                 </a:solidFill>
@@ -6529,7 +6737,7 @@
               </a:rPr>
             </a:br>
             <a:r>
-              <a:rPr b="0" baseline="0" i="0" lang="en" sz="1400" u="none" cap="none" strike="noStrike">
+              <a:rPr lang="en" sz="1400" b="0" i="0" u="none" strike="noStrike" cap="none" baseline="0" dirty="0">
                 <a:solidFill>
                   <a:srgbClr val="000000"/>
                 </a:solidFill>
@@ -6542,7 +6750,7 @@
               <a:t>}</a:t>
             </a:r>
             <a:br>
-              <a:rPr b="0" baseline="0" i="0" lang="en" sz="1400" u="none" cap="none" strike="noStrike">
+              <a:rPr lang="en" sz="1400" b="0" i="0" u="none" strike="noStrike" cap="none" baseline="0" dirty="0">
                 <a:solidFill>
                   <a:srgbClr val="000000"/>
                 </a:solidFill>
@@ -6554,7 +6762,7 @@
               </a:rPr>
             </a:br>
             <a:r>
-              <a:rPr b="0" baseline="0" i="0" lang="en" sz="1400" u="none" cap="none" strike="noStrike">
+              <a:rPr lang="en" sz="1400" b="0" i="0" u="none" strike="noStrike" cap="none" baseline="0" dirty="0">
                 <a:solidFill>
                   <a:srgbClr val="550066"/>
                 </a:solidFill>
@@ -6567,7 +6775,7 @@
               <a:t>var</a:t>
             </a:r>
             <a:r>
-              <a:rPr b="0" baseline="0" i="0" lang="en" sz="1400" u="none" cap="none" strike="noStrike">
+              <a:rPr lang="en" sz="1400" b="0" i="0" u="none" strike="noStrike" cap="none" baseline="0" dirty="0">
                 <a:solidFill>
                   <a:srgbClr val="000000"/>
                 </a:solidFill>
@@ -6580,7 +6788,7 @@
               <a:t> whiteRabbit = {type: </a:t>
             </a:r>
             <a:r>
-              <a:rPr b="0" baseline="0" i="0" lang="en" sz="1400" u="none" cap="none" strike="noStrike">
+              <a:rPr lang="en" sz="1400" b="0" i="0" u="none" strike="noStrike" cap="none" baseline="0" dirty="0">
                 <a:solidFill>
                   <a:srgbClr val="770000"/>
                 </a:solidFill>
@@ -6593,7 +6801,7 @@
               <a:t>"white"</a:t>
             </a:r>
             <a:r>
-              <a:rPr b="0" baseline="0" i="0" lang="en" sz="1400" u="none" cap="none" strike="noStrike">
+              <a:rPr lang="en" sz="1400" b="0" i="0" u="none" strike="noStrike" cap="none" baseline="0" dirty="0">
                 <a:solidFill>
                   <a:srgbClr val="000000"/>
                 </a:solidFill>
@@ -6606,7 +6814,7 @@
               <a:t>, speak: speak};</a:t>
             </a:r>
             <a:br>
-              <a:rPr b="0" baseline="0" i="0" lang="en" sz="1400" u="none" cap="none" strike="noStrike">
+              <a:rPr lang="en" sz="1400" b="0" i="0" u="none" strike="noStrike" cap="none" baseline="0" dirty="0">
                 <a:solidFill>
                   <a:srgbClr val="000000"/>
                 </a:solidFill>
@@ -6618,7 +6826,7 @@
               </a:rPr>
             </a:br>
             <a:r>
-              <a:rPr b="0" baseline="0" i="0" lang="en" sz="1400" u="none" cap="none" strike="noStrike">
+              <a:rPr lang="en" sz="1400" b="0" i="0" u="none" strike="noStrike" cap="none" baseline="0" dirty="0">
                 <a:solidFill>
                   <a:srgbClr val="550066"/>
                 </a:solidFill>
@@ -6631,7 +6839,7 @@
               <a:t>var</a:t>
             </a:r>
             <a:r>
-              <a:rPr b="0" baseline="0" i="0" lang="en" sz="1400" u="none" cap="none" strike="noStrike">
+              <a:rPr lang="en" sz="1400" b="0" i="0" u="none" strike="noStrike" cap="none" baseline="0" dirty="0">
                 <a:solidFill>
                   <a:srgbClr val="000000"/>
                 </a:solidFill>
@@ -6644,7 +6852,7 @@
               <a:t> fatRabbit = {type: </a:t>
             </a:r>
             <a:r>
-              <a:rPr b="0" baseline="0" i="0" lang="en" sz="1400" u="none" cap="none" strike="noStrike">
+              <a:rPr lang="en" sz="1400" b="0" i="0" u="none" strike="noStrike" cap="none" baseline="0" dirty="0">
                 <a:solidFill>
                   <a:srgbClr val="770000"/>
                 </a:solidFill>
@@ -6657,7 +6865,7 @@
               <a:t>"fat"</a:t>
             </a:r>
             <a:r>
-              <a:rPr b="0" baseline="0" i="0" lang="en" sz="1400" u="none" cap="none" strike="noStrike">
+              <a:rPr lang="en" sz="1400" b="0" i="0" u="none" strike="noStrike" cap="none" baseline="0" dirty="0">
                 <a:solidFill>
                   <a:srgbClr val="000000"/>
                 </a:solidFill>
@@ -6670,7 +6878,7 @@
               <a:t>, speak: speak};</a:t>
             </a:r>
             <a:br>
-              <a:rPr b="0" baseline="0" i="0" lang="en" sz="1400" u="none" cap="none" strike="noStrike">
+              <a:rPr lang="en" sz="1400" b="0" i="0" u="none" strike="noStrike" cap="none" baseline="0" dirty="0">
                 <a:solidFill>
                   <a:srgbClr val="000000"/>
                 </a:solidFill>
@@ -6681,8 +6889,8 @@
                 <a:rtl val="0"/>
               </a:rPr>
             </a:br>
-            <a:br>
-              <a:rPr b="0" baseline="0" i="0" lang="en" sz="1400" u="none" cap="none" strike="noStrike">
+            <a:r>
+              <a:rPr lang="en" sz="1400" b="0" i="0" u="none" strike="noStrike" cap="none" baseline="0" dirty="0">
                 <a:solidFill>
                   <a:srgbClr val="000000"/>
                 </a:solidFill>
@@ -6692,9 +6900,10 @@
                 <a:sym typeface="Verdana"/>
                 <a:rtl val="0"/>
               </a:rPr>
-            </a:br>
-            <a:r>
-              <a:rPr b="0" baseline="0" i="0" lang="en" sz="1400" u="none" cap="none" strike="noStrike">
+              <a:t/>
+            </a:r>
+            <a:br>
+              <a:rPr lang="en" sz="1400" b="0" i="0" u="none" strike="noStrike" cap="none" baseline="0" dirty="0">
                 <a:solidFill>
                   <a:srgbClr val="000000"/>
                 </a:solidFill>
@@ -6704,12 +6913,11 @@
                 <a:sym typeface="Verdana"/>
                 <a:rtl val="0"/>
               </a:rPr>
-              <a:t>whiteRabbit.speak(</a:t>
-            </a:r>
-            <a:r>
-              <a:rPr b="0" baseline="0" i="0" lang="en" sz="1400" u="none" cap="none" strike="noStrike">
-                <a:solidFill>
-                  <a:srgbClr val="770000"/>
+            </a:br>
+            <a:r>
+              <a:rPr lang="en" sz="1400" b="0" i="0" u="none" strike="noStrike" cap="none" baseline="0" dirty="0">
+                <a:solidFill>
+                  <a:srgbClr val="000000"/>
                 </a:solidFill>
                 <a:latin typeface="Verdana"/>
                 <a:ea typeface="Verdana"/>
@@ -6717,12 +6925,12 @@
                 <a:sym typeface="Verdana"/>
                 <a:rtl val="0"/>
               </a:rPr>
-              <a:t>"Oh my ears and whiskers, "</a:t>
-            </a:r>
-            <a:r>
-              <a:rPr b="0" baseline="0" i="0" lang="en" sz="1400" u="none" cap="none" strike="noStrike">
-                <a:solidFill>
-                  <a:srgbClr val="000000"/>
+              <a:t>whiteRabbit.speak(</a:t>
+            </a:r>
+            <a:r>
+              <a:rPr lang="en" sz="1400" b="0" i="0" u="none" strike="noStrike" cap="none" baseline="0" dirty="0">
+                <a:solidFill>
+                  <a:srgbClr val="770000"/>
                 </a:solidFill>
                 <a:latin typeface="Verdana"/>
                 <a:ea typeface="Verdana"/>
@@ -6730,10 +6938,10 @@
                 <a:sym typeface="Verdana"/>
                 <a:rtl val="0"/>
               </a:rPr>
-              <a:t> +</a:t>
-            </a:r>
-            <a:br>
-              <a:rPr b="0" baseline="0" i="0" lang="en" sz="1400" u="none" cap="none" strike="noStrike">
+              <a:t>"Oh my ears and whiskers, "</a:t>
+            </a:r>
+            <a:r>
+              <a:rPr lang="en" sz="1400" b="0" i="0" u="none" strike="noStrike" cap="none" baseline="0" dirty="0">
                 <a:solidFill>
                   <a:srgbClr val="000000"/>
                 </a:solidFill>
@@ -6743,9 +6951,10 @@
                 <a:sym typeface="Verdana"/>
                 <a:rtl val="0"/>
               </a:rPr>
-            </a:br>
-            <a:r>
-              <a:rPr b="0" baseline="0" i="0" lang="en" sz="1400" u="none" cap="none" strike="noStrike">
+              <a:t> +</a:t>
+            </a:r>
+            <a:br>
+              <a:rPr lang="en" sz="1400" b="0" i="0" u="none" strike="noStrike" cap="none" baseline="0" dirty="0">
                 <a:solidFill>
                   <a:srgbClr val="000000"/>
                 </a:solidFill>
@@ -6755,12 +6964,11 @@
                 <a:sym typeface="Verdana"/>
                 <a:rtl val="0"/>
               </a:rPr>
-              <a:t>                  </a:t>
-            </a:r>
-            <a:r>
-              <a:rPr b="0" baseline="0" i="0" lang="en" sz="1400" u="none" cap="none" strike="noStrike">
-                <a:solidFill>
-                  <a:srgbClr val="770000"/>
+            </a:br>
+            <a:r>
+              <a:rPr lang="en" sz="1400" b="0" i="0" u="none" strike="noStrike" cap="none" baseline="0" dirty="0">
+                <a:solidFill>
+                  <a:srgbClr val="000000"/>
                 </a:solidFill>
                 <a:latin typeface="Verdana"/>
                 <a:ea typeface="Verdana"/>
@@ -6768,12 +6976,12 @@
                 <a:sym typeface="Verdana"/>
                 <a:rtl val="0"/>
               </a:rPr>
-              <a:t>"how late it's getting!"</a:t>
-            </a:r>
-            <a:r>
-              <a:rPr b="0" baseline="0" i="0" lang="en" sz="1400" u="none" cap="none" strike="noStrike">
-                <a:solidFill>
-                  <a:srgbClr val="000000"/>
+              <a:t>                  </a:t>
+            </a:r>
+            <a:r>
+              <a:rPr lang="en" sz="1400" b="0" i="0" u="none" strike="noStrike" cap="none" baseline="0" dirty="0">
+                <a:solidFill>
+                  <a:srgbClr val="770000"/>
                 </a:solidFill>
                 <a:latin typeface="Verdana"/>
                 <a:ea typeface="Verdana"/>
@@ -6781,10 +6989,10 @@
                 <a:sym typeface="Verdana"/>
                 <a:rtl val="0"/>
               </a:rPr>
-              <a:t>);</a:t>
-            </a:r>
-            <a:br>
-              <a:rPr b="0" baseline="0" i="0" lang="en" sz="1400" u="none" cap="none" strike="noStrike">
+              <a:t>"how late it's getting!"</a:t>
+            </a:r>
+            <a:r>
+              <a:rPr lang="en" sz="1400" b="0" i="0" u="none" strike="noStrike" cap="none" baseline="0" dirty="0">
                 <a:solidFill>
                   <a:srgbClr val="000000"/>
                 </a:solidFill>
@@ -6794,9 +7002,10 @@
                 <a:sym typeface="Verdana"/>
                 <a:rtl val="0"/>
               </a:rPr>
-            </a:br>
-            <a:r>
-              <a:rPr b="0" baseline="0" i="0" lang="en" sz="1400" u="none" cap="none" strike="noStrike">
+              <a:t>);</a:t>
+            </a:r>
+            <a:br>
+              <a:rPr lang="en" sz="1400" b="0" i="0" u="none" strike="noStrike" cap="none" baseline="0" dirty="0">
                 <a:solidFill>
                   <a:srgbClr val="000000"/>
                 </a:solidFill>
@@ -6806,12 +7015,11 @@
                 <a:sym typeface="Verdana"/>
                 <a:rtl val="0"/>
               </a:rPr>
-              <a:t>fatRabbit.speak(</a:t>
-            </a:r>
-            <a:r>
-              <a:rPr b="0" baseline="0" i="0" lang="en" sz="1400" u="none" cap="none" strike="noStrike">
-                <a:solidFill>
-                  <a:srgbClr val="770000"/>
+            </a:br>
+            <a:r>
+              <a:rPr lang="en" sz="1400" b="0" i="0" u="none" strike="noStrike" cap="none" baseline="0" dirty="0">
+                <a:solidFill>
+                  <a:srgbClr val="000000"/>
                 </a:solidFill>
                 <a:latin typeface="Verdana"/>
                 <a:ea typeface="Verdana"/>
@@ -6819,12 +7027,12 @@
                 <a:sym typeface="Verdana"/>
                 <a:rtl val="0"/>
               </a:rPr>
-              <a:t>"I could sure use a carrot right now."</a:t>
-            </a:r>
-            <a:r>
-              <a:rPr b="0" baseline="0" i="0" lang="en" sz="1400" u="none" cap="none" strike="noStrike">
-                <a:solidFill>
-                  <a:srgbClr val="000000"/>
+              <a:t>fatRabbit.speak(</a:t>
+            </a:r>
+            <a:r>
+              <a:rPr lang="en" sz="1400" b="0" i="0" u="none" strike="noStrike" cap="none" baseline="0" dirty="0">
+                <a:solidFill>
+                  <a:srgbClr val="770000"/>
                 </a:solidFill>
                 <a:latin typeface="Verdana"/>
                 <a:ea typeface="Verdana"/>
@@ -6832,10 +7040,10 @@
                 <a:sym typeface="Verdana"/>
                 <a:rtl val="0"/>
               </a:rPr>
-              <a:t>);</a:t>
-            </a:r>
-            <a:br>
-              <a:rPr b="0" baseline="0" i="0" lang="en" sz="1400" u="none" cap="none" strike="noStrike">
+              <a:t>"I could sure use a carrot right now."</a:t>
+            </a:r>
+            <a:r>
+              <a:rPr lang="en" sz="1400" b="0" i="0" u="none" strike="noStrike" cap="none" baseline="0" dirty="0">
                 <a:solidFill>
                   <a:srgbClr val="000000"/>
                 </a:solidFill>
@@ -6845,10 +7053,33 @@
                 <a:sym typeface="Verdana"/>
                 <a:rtl val="0"/>
               </a:rPr>
+              <a:t>);</a:t>
+            </a:r>
+            <a:br>
+              <a:rPr lang="en" sz="1400" b="0" i="0" u="none" strike="noStrike" cap="none" baseline="0" dirty="0">
+                <a:solidFill>
+                  <a:srgbClr val="000000"/>
+                </a:solidFill>
+                <a:latin typeface="Verdana"/>
+                <a:ea typeface="Verdana"/>
+                <a:cs typeface="Verdana"/>
+                <a:sym typeface="Verdana"/>
+                <a:rtl val="0"/>
+              </a:rPr>
             </a:br>
+            <a:endParaRPr lang="en" sz="1400" b="0" i="0" u="none" strike="noStrike" cap="none" baseline="0" dirty="0">
+              <a:solidFill>
+                <a:srgbClr val="000000"/>
+              </a:solidFill>
+              <a:latin typeface="Verdana"/>
+              <a:ea typeface="Verdana"/>
+              <a:cs typeface="Verdana"/>
+              <a:sym typeface="Verdana"/>
+              <a:rtl val="0"/>
+            </a:endParaRPr>
           </a:p>
           <a:p>
-            <a:pPr indent="0" lvl="0" marL="0" marR="0" rtl="0" algn="l">
+            <a:pPr marL="0" marR="0" lvl="0" indent="0" algn="l" rtl="0">
               <a:lnSpc>
                 <a:spcPct val="100000"/>
               </a:lnSpc>
@@ -6864,10 +7095,7 @@
               <a:buFont typeface="Arial"/>
               <a:buNone/>
             </a:pPr>
-            <a:r>
-              <a:t/>
-            </a:r>
-            <a:endParaRPr b="0" baseline="0" i="0" sz="3000" u="none" cap="none" strike="noStrike">
+            <a:endParaRPr sz="3000" b="0" i="0" u="none" strike="noStrike" cap="none" baseline="0" dirty="0">
               <a:solidFill>
                 <a:schemeClr val="dk1"/>
               </a:solidFill>
@@ -6885,18 +7113,18 @@
   <p:clrMapOvr>
     <a:masterClrMapping/>
   </p:clrMapOvr>
-  <p:transition spd="slow">
+  <p:transition xmlns:p14="http://schemas.microsoft.com/office/powerpoint/2010/main" spd="slow">
     <p:cut/>
   </p:transition>
 </p:sld>
 </file>
 
 <file path=ppt/slides/slide6.xml><?xml version="1.0" encoding="utf-8"?>
-<p:sld xmlns:a="http://schemas.openxmlformats.org/drawingml/2006/main" xmlns:r="http://schemas.openxmlformats.org/officeDocument/2006/relationships" xmlns:mc="http://schemas.openxmlformats.org/markup-compatibility/2006" xmlns:mv="urn:schemas-microsoft-com:mac:vml" xmlns:p="http://schemas.openxmlformats.org/presentationml/2006/main" xmlns:c="http://schemas.openxmlformats.org/drawingml/2006/chart" xmlns:dgm="http://schemas.openxmlformats.org/drawingml/2006/diagram" xmlns:o="urn:schemas-microsoft-com:office:office" xmlns:v="urn:schemas-microsoft-com:vml" xmlns:pvml="urn:schemas-microsoft-com:office:powerpoint" xmlns:com="http://schemas.openxmlformats.org/drawingml/2006/compatibility" xmlns:p14="http://schemas.microsoft.com/office/powerpoint/2010/main">
+<p:sld xmlns:a="http://schemas.openxmlformats.org/drawingml/2006/main" xmlns:r="http://schemas.openxmlformats.org/officeDocument/2006/relationships" xmlns:p="http://schemas.openxmlformats.org/presentationml/2006/main">
   <p:cSld>
     <p:spTree>
       <p:nvGrpSpPr>
-        <p:cNvPr id="63" name="Shape 63"/>
+        <p:cNvPr id="1" name="Shape 63"/>
         <p:cNvGrpSpPr/>
         <p:nvPr/>
       </p:nvGrpSpPr>
@@ -6911,7 +7139,9 @@
       <p:sp>
         <p:nvSpPr>
           <p:cNvPr id="64" name="Shape 64"/>
-          <p:cNvSpPr txBox="1"/>
+          <p:cNvSpPr txBox="1">
+            <a:spLocks noGrp="1"/>
+          </p:cNvSpPr>
           <p:nvPr>
             <p:ph type="title"/>
           </p:nvPr>
@@ -6930,12 +7160,12 @@
           </a:ln>
         </p:spPr>
         <p:txBody>
-          <a:bodyPr anchorCtr="0" anchor="b" bIns="91425" lIns="91425" rIns="91425" tIns="91425">
+          <a:bodyPr lIns="91425" tIns="91425" rIns="91425" bIns="91425" anchor="b" anchorCtr="0">
             <a:noAutofit/>
           </a:bodyPr>
           <a:lstStyle/>
           <a:p>
-            <a:pPr indent="0" lvl="0" marL="0" marR="0" rtl="0" algn="l">
+            <a:pPr marL="0" marR="0" lvl="0" indent="0" algn="l" rtl="0">
               <a:lnSpc>
                 <a:spcPct val="100000"/>
               </a:lnSpc>
@@ -6953,7 +7183,7 @@
               <a:buNone/>
             </a:pPr>
             <a:r>
-              <a:rPr b="1" baseline="0" i="0" lang="en" sz="3600" u="none" cap="none" strike="noStrike">
+              <a:rPr lang="en" sz="3600" b="1" i="0" u="none" strike="noStrike" cap="none" baseline="0">
                 <a:solidFill>
                   <a:schemeClr val="dk2"/>
                 </a:solidFill>
@@ -6971,9 +7201,11 @@
       <p:sp>
         <p:nvSpPr>
           <p:cNvPr id="65" name="Shape 65"/>
-          <p:cNvSpPr txBox="1"/>
+          <p:cNvSpPr txBox="1">
+            <a:spLocks noGrp="1"/>
+          </p:cNvSpPr>
           <p:nvPr>
-            <p:ph idx="1" type="body"/>
+            <p:ph type="body" idx="1"/>
           </p:nvPr>
         </p:nvSpPr>
         <p:spPr>
@@ -6990,12 +7222,12 @@
           </a:ln>
         </p:spPr>
         <p:txBody>
-          <a:bodyPr anchorCtr="0" anchor="t" bIns="91425" lIns="91425" rIns="91425" tIns="91425">
+          <a:bodyPr lIns="91425" tIns="91425" rIns="91425" bIns="91425" anchor="t" anchorCtr="0">
             <a:noAutofit/>
           </a:bodyPr>
           <a:lstStyle/>
           <a:p>
-            <a:pPr indent="0" lvl="0" marL="0" marR="0" rtl="0" algn="l">
+            <a:pPr marL="0" marR="0" lvl="0" indent="0" algn="l" rtl="0">
               <a:lnSpc>
                 <a:spcPct val="145000"/>
               </a:lnSpc>
@@ -7013,7 +7245,7 @@
               <a:buNone/>
             </a:pPr>
             <a:r>
-              <a:rPr b="0" baseline="0" i="0" lang="en" sz="1500" u="none" cap="none" strike="noStrike">
+              <a:rPr lang="en" sz="1500" b="0" i="0" u="none" strike="noStrike" cap="none" baseline="0">
                 <a:solidFill>
                   <a:srgbClr val="000000"/>
                 </a:solidFill>
@@ -7026,7 +7258,7 @@
               <a:t>A more convenient way to create objects that derive from some shared prototype is to use a </a:t>
             </a:r>
             <a:r>
-              <a:rPr b="0" baseline="0" i="1" lang="en" sz="1500" u="none" cap="none" strike="noStrike">
+              <a:rPr lang="en" sz="1500" b="0" i="1" u="none" strike="noStrike" cap="none" baseline="0">
                 <a:solidFill>
                   <a:srgbClr val="000000"/>
                 </a:solidFill>
@@ -7039,7 +7271,7 @@
               <a:t>constructor</a:t>
             </a:r>
             <a:r>
-              <a:rPr b="0" baseline="0" i="0" lang="en" sz="1500" u="none" cap="none" strike="noStrike">
+              <a:rPr lang="en" sz="1500" b="0" i="0" u="none" strike="noStrike" cap="none" baseline="0">
                 <a:solidFill>
                   <a:srgbClr val="000000"/>
                 </a:solidFill>
@@ -7052,7 +7284,7 @@
               <a:t>. In JavaScript, calling a function with the </a:t>
             </a:r>
             <a:r>
-              <a:rPr b="0" baseline="0" i="1" lang="en" sz="1400" u="none" cap="none" strike="noStrike">
+              <a:rPr lang="en" sz="1400" b="0" i="1" u="none" strike="noStrike" cap="none" baseline="0">
                 <a:solidFill>
                   <a:srgbClr val="000000"/>
                 </a:solidFill>
@@ -7065,7 +7297,7 @@
               <a:t>new</a:t>
             </a:r>
             <a:r>
-              <a:rPr b="0" baseline="0" i="0" lang="en" sz="1400" u="none" cap="none" strike="noStrike">
+              <a:rPr lang="en" sz="1400" b="0" i="0" u="none" strike="noStrike" cap="none" baseline="0">
                 <a:solidFill>
                   <a:srgbClr val="000000"/>
                 </a:solidFill>
@@ -7078,7 +7310,7 @@
               <a:t> </a:t>
             </a:r>
             <a:r>
-              <a:rPr b="0" baseline="0" i="0" lang="en" sz="1500" u="none" cap="none" strike="noStrike">
+              <a:rPr lang="en" sz="1500" b="0" i="0" u="none" strike="noStrike" cap="none" baseline="0">
                 <a:solidFill>
                   <a:srgbClr val="000000"/>
                 </a:solidFill>
@@ -7091,7 +7323,7 @@
               <a:t>keyword in front of it causes it to be treated as a constructor. The constructor will have its </a:t>
             </a:r>
             <a:r>
-              <a:rPr b="0" baseline="0" i="0" lang="en" sz="1400" u="none" cap="none" strike="noStrike">
+              <a:rPr lang="en" sz="1400" b="0" i="0" u="none" strike="noStrike" cap="none" baseline="0">
                 <a:solidFill>
                   <a:srgbClr val="000000"/>
                 </a:solidFill>
@@ -7104,7 +7336,7 @@
               <a:t>this</a:t>
             </a:r>
             <a:r>
-              <a:rPr b="0" baseline="0" i="0" lang="en" sz="1500" u="none" cap="none" strike="noStrike">
+              <a:rPr lang="en" sz="1500" b="0" i="0" u="none" strike="noStrike" cap="none" baseline="0">
                 <a:solidFill>
                   <a:srgbClr val="000000"/>
                 </a:solidFill>
@@ -7117,7 +7349,7 @@
               <a:t> variable bound to a fresh object, and unless it explicitly returns another object value, this new object will be returned from the call. An object created with </a:t>
             </a:r>
             <a:r>
-              <a:rPr b="0" baseline="0" i="0" lang="en" sz="1400" u="none" cap="none" strike="noStrike">
+              <a:rPr lang="en" sz="1400" b="0" i="0" u="none" strike="noStrike" cap="none" baseline="0">
                 <a:solidFill>
                   <a:srgbClr val="000000"/>
                 </a:solidFill>
@@ -7130,7 +7362,7 @@
               <a:t>new</a:t>
             </a:r>
             <a:r>
-              <a:rPr b="0" baseline="0" i="0" lang="en" sz="1500" u="none" cap="none" strike="noStrike">
+              <a:rPr lang="en" sz="1500" b="0" i="0" u="none" strike="noStrike" cap="none" baseline="0">
                 <a:solidFill>
                   <a:srgbClr val="000000"/>
                 </a:solidFill>
@@ -7143,7 +7375,7 @@
               <a:t> is said to be an </a:t>
             </a:r>
             <a:r>
-              <a:rPr b="0" baseline="0" i="1" lang="en" sz="1500" u="none" cap="none" strike="noStrike">
+              <a:rPr lang="en" sz="1500" b="0" i="1" u="none" strike="noStrike" cap="none" baseline="0">
                 <a:solidFill>
                   <a:srgbClr val="000000"/>
                 </a:solidFill>
@@ -7156,7 +7388,7 @@
               <a:t>instance</a:t>
             </a:r>
             <a:r>
-              <a:rPr b="0" baseline="0" i="0" lang="en" sz="1500" u="none" cap="none" strike="noStrike">
+              <a:rPr lang="en" sz="1500" b="0" i="0" u="none" strike="noStrike" cap="none" baseline="0">
                 <a:solidFill>
                   <a:srgbClr val="000000"/>
                 </a:solidFill>
@@ -7170,7 +7402,7 @@
             </a:r>
           </a:p>
           <a:p>
-            <a:pPr indent="0" lvl="0" marL="0" marR="0" rtl="0" algn="l">
+            <a:pPr marL="0" marR="0" lvl="0" indent="0" algn="l" rtl="0">
               <a:lnSpc>
                 <a:spcPct val="100000"/>
               </a:lnSpc>
@@ -7186,10 +7418,7 @@
               <a:buFont typeface="Arial"/>
               <a:buNone/>
             </a:pPr>
-            <a:r>
-              <a:t/>
-            </a:r>
-            <a:endParaRPr b="0" baseline="0" i="0" sz="3000" u="none" cap="none" strike="noStrike">
+            <a:endParaRPr sz="3000" b="0" i="0" u="none" strike="noStrike" cap="none" baseline="0">
               <a:solidFill>
                 <a:schemeClr val="dk1"/>
               </a:solidFill>
@@ -7207,18 +7436,18 @@
   <p:clrMapOvr>
     <a:masterClrMapping/>
   </p:clrMapOvr>
-  <p:transition spd="slow">
+  <p:transition xmlns:p14="http://schemas.microsoft.com/office/powerpoint/2010/main" spd="slow">
     <p:cut/>
   </p:transition>
 </p:sld>
 </file>
 
 <file path=ppt/slides/slide7.xml><?xml version="1.0" encoding="utf-8"?>
-<p:sld xmlns:a="http://schemas.openxmlformats.org/drawingml/2006/main" xmlns:r="http://schemas.openxmlformats.org/officeDocument/2006/relationships" xmlns:mc="http://schemas.openxmlformats.org/markup-compatibility/2006" xmlns:mv="urn:schemas-microsoft-com:mac:vml" xmlns:p="http://schemas.openxmlformats.org/presentationml/2006/main" xmlns:c="http://schemas.openxmlformats.org/drawingml/2006/chart" xmlns:dgm="http://schemas.openxmlformats.org/drawingml/2006/diagram" xmlns:o="urn:schemas-microsoft-com:office:office" xmlns:v="urn:schemas-microsoft-com:vml" xmlns:pvml="urn:schemas-microsoft-com:office:powerpoint" xmlns:com="http://schemas.openxmlformats.org/drawingml/2006/compatibility" xmlns:p14="http://schemas.microsoft.com/office/powerpoint/2010/main">
+<p:sld xmlns:a="http://schemas.openxmlformats.org/drawingml/2006/main" xmlns:r="http://schemas.openxmlformats.org/officeDocument/2006/relationships" xmlns:p="http://schemas.openxmlformats.org/presentationml/2006/main">
   <p:cSld>
     <p:spTree>
       <p:nvGrpSpPr>
-        <p:cNvPr id="69" name="Shape 69"/>
+        <p:cNvPr id="1" name="Shape 69"/>
         <p:cNvGrpSpPr/>
         <p:nvPr/>
       </p:nvGrpSpPr>
@@ -7233,7 +7462,9 @@
       <p:sp>
         <p:nvSpPr>
           <p:cNvPr id="70" name="Shape 70"/>
-          <p:cNvSpPr txBox="1"/>
+          <p:cNvSpPr txBox="1">
+            <a:spLocks noGrp="1"/>
+          </p:cNvSpPr>
           <p:nvPr>
             <p:ph type="title"/>
           </p:nvPr>
@@ -7252,12 +7483,12 @@
           </a:ln>
         </p:spPr>
         <p:txBody>
-          <a:bodyPr anchorCtr="0" anchor="b" bIns="91425" lIns="91425" rIns="91425" tIns="91425">
+          <a:bodyPr lIns="91425" tIns="91425" rIns="91425" bIns="91425" anchor="b" anchorCtr="0">
             <a:noAutofit/>
           </a:bodyPr>
           <a:lstStyle/>
           <a:p>
-            <a:pPr indent="0" lvl="0" marL="0" marR="0" rtl="0" algn="l">
+            <a:pPr marL="0" marR="0" lvl="0" indent="0" algn="l" rtl="0">
               <a:lnSpc>
                 <a:spcPct val="100000"/>
               </a:lnSpc>
@@ -7275,7 +7506,7 @@
               <a:buNone/>
             </a:pPr>
             <a:r>
-              <a:rPr b="0" baseline="0" i="0" lang="en" sz="3000" u="none" cap="none" strike="noStrike">
+              <a:rPr lang="en" sz="3000" b="0" i="0" u="none" strike="noStrike" cap="none" baseline="0">
                 <a:solidFill>
                   <a:schemeClr val="dk1"/>
                 </a:solidFill>
@@ -7293,9 +7524,11 @@
       <p:sp>
         <p:nvSpPr>
           <p:cNvPr id="71" name="Shape 71"/>
-          <p:cNvSpPr txBox="1"/>
+          <p:cNvSpPr txBox="1">
+            <a:spLocks noGrp="1"/>
+          </p:cNvSpPr>
           <p:nvPr>
-            <p:ph idx="1" type="body"/>
+            <p:ph type="body" idx="1"/>
           </p:nvPr>
         </p:nvSpPr>
         <p:spPr>
@@ -7312,12 +7545,12 @@
           </a:ln>
         </p:spPr>
         <p:txBody>
-          <a:bodyPr anchorCtr="0" anchor="t" bIns="91425" lIns="91425" rIns="91425" tIns="91425">
+          <a:bodyPr lIns="91425" tIns="91425" rIns="91425" bIns="91425" anchor="t" anchorCtr="0">
             <a:noAutofit/>
           </a:bodyPr>
           <a:lstStyle/>
           <a:p>
-            <a:pPr indent="0" lvl="0" marL="0" marR="0" rtl="0" algn="l">
+            <a:pPr marL="0" marR="0" lvl="0" indent="0" algn="l" rtl="0">
               <a:lnSpc>
                 <a:spcPct val="100000"/>
               </a:lnSpc>
@@ -7335,7 +7568,7 @@
               <a:buNone/>
             </a:pPr>
             <a:r>
-              <a:rPr b="0" baseline="0" i="0" lang="en" sz="1800" u="none" cap="none" strike="noStrike">
+              <a:rPr lang="en" sz="1800" b="0" i="0" u="none" strike="noStrike" cap="none" baseline="0" dirty="0">
                 <a:solidFill>
                   <a:srgbClr val="550066"/>
                 </a:solidFill>
@@ -7348,7 +7581,7 @@
               <a:t>function</a:t>
             </a:r>
             <a:r>
-              <a:rPr b="0" baseline="0" i="0" lang="en" sz="1800" u="none" cap="none" strike="noStrike">
+              <a:rPr lang="en" sz="1800" b="0" i="0" u="none" strike="noStrike" cap="none" baseline="0" dirty="0">
                 <a:solidFill>
                   <a:srgbClr val="000000"/>
                 </a:solidFill>
@@ -7361,7 +7594,7 @@
               <a:t> Rabbit(</a:t>
             </a:r>
             <a:r>
-              <a:rPr b="0" baseline="0" i="0" lang="en" sz="1800" u="none" cap="none" strike="noStrike">
+              <a:rPr lang="en" sz="1800" b="0" i="0" u="none" strike="noStrike" cap="none" baseline="0" dirty="0">
                 <a:solidFill>
                   <a:srgbClr val="000099"/>
                 </a:solidFill>
@@ -7374,7 +7607,7 @@
               <a:t>type</a:t>
             </a:r>
             <a:r>
-              <a:rPr b="0" baseline="0" i="0" lang="en" sz="1800" u="none" cap="none" strike="noStrike">
+              <a:rPr lang="en" sz="1800" b="0" i="0" u="none" strike="noStrike" cap="none" baseline="0" dirty="0">
                 <a:solidFill>
                   <a:srgbClr val="000000"/>
                 </a:solidFill>
@@ -7387,7 +7620,7 @@
               <a:t>) {</a:t>
             </a:r>
             <a:br>
-              <a:rPr b="0" baseline="0" i="0" lang="en" sz="1800" u="none" cap="none" strike="noStrike">
+              <a:rPr lang="en" sz="1800" b="0" i="0" u="none" strike="noStrike" cap="none" baseline="0" dirty="0">
                 <a:solidFill>
                   <a:srgbClr val="000000"/>
                 </a:solidFill>
@@ -7399,7 +7632,7 @@
               </a:rPr>
             </a:br>
             <a:r>
-              <a:rPr b="0" baseline="0" i="0" lang="en" sz="1800" u="none" cap="none" strike="noStrike">
+              <a:rPr lang="en" sz="1800" b="0" i="0" u="none" strike="noStrike" cap="none" baseline="0" dirty="0">
                 <a:solidFill>
                   <a:srgbClr val="000000"/>
                 </a:solidFill>
@@ -7412,7 +7645,7 @@
               <a:t>  </a:t>
             </a:r>
             <a:r>
-              <a:rPr b="0" baseline="0" i="0" lang="en" sz="1800" u="none" cap="none" strike="noStrike">
+              <a:rPr lang="en" sz="1800" b="0" i="0" u="none" strike="noStrike" cap="none" baseline="0" dirty="0">
                 <a:solidFill>
                   <a:srgbClr val="550066"/>
                 </a:solidFill>
@@ -7425,7 +7658,7 @@
               <a:t>this</a:t>
             </a:r>
             <a:r>
-              <a:rPr b="0" baseline="0" i="0" lang="en" sz="1800" u="none" cap="none" strike="noStrike">
+              <a:rPr lang="en" sz="1800" b="0" i="0" u="none" strike="noStrike" cap="none" baseline="0" dirty="0">
                 <a:solidFill>
                   <a:srgbClr val="000000"/>
                 </a:solidFill>
@@ -7438,7 +7671,7 @@
               <a:t>.type = </a:t>
             </a:r>
             <a:r>
-              <a:rPr b="0" baseline="0" i="0" lang="en" sz="1800" u="none" cap="none" strike="noStrike">
+              <a:rPr lang="en" sz="1800" b="0" i="0" u="none" strike="noStrike" cap="none" baseline="0" dirty="0">
                 <a:solidFill>
                   <a:srgbClr val="002277"/>
                 </a:solidFill>
@@ -7451,7 +7684,7 @@
               <a:t>type</a:t>
             </a:r>
             <a:r>
-              <a:rPr b="0" baseline="0" i="0" lang="en" sz="1800" u="none" cap="none" strike="noStrike">
+              <a:rPr lang="en" sz="1800" b="0" i="0" u="none" strike="noStrike" cap="none" baseline="0" dirty="0">
                 <a:solidFill>
                   <a:srgbClr val="000000"/>
                 </a:solidFill>
@@ -7464,7 +7697,7 @@
               <a:t>;</a:t>
             </a:r>
             <a:br>
-              <a:rPr b="0" baseline="0" i="0" lang="en" sz="1800" u="none" cap="none" strike="noStrike">
+              <a:rPr lang="en" sz="1800" b="0" i="0" u="none" strike="noStrike" cap="none" baseline="0" dirty="0">
                 <a:solidFill>
                   <a:srgbClr val="000000"/>
                 </a:solidFill>
@@ -7476,7 +7709,7 @@
               </a:rPr>
             </a:br>
             <a:r>
-              <a:rPr b="0" baseline="0" i="0" lang="en" sz="1800" u="none" cap="none" strike="noStrike">
+              <a:rPr lang="en" sz="1800" b="0" i="0" u="none" strike="noStrike" cap="none" baseline="0" dirty="0">
                 <a:solidFill>
                   <a:srgbClr val="000000"/>
                 </a:solidFill>
@@ -7489,7 +7722,7 @@
               <a:t>}</a:t>
             </a:r>
             <a:br>
-              <a:rPr b="0" baseline="0" i="0" lang="en" sz="1800" u="none" cap="none" strike="noStrike">
+              <a:rPr lang="en" sz="1800" b="0" i="0" u="none" strike="noStrike" cap="none" baseline="0" dirty="0">
                 <a:solidFill>
                   <a:srgbClr val="000000"/>
                 </a:solidFill>
@@ -7500,8 +7733,8 @@
                 <a:rtl val="0"/>
               </a:rPr>
             </a:br>
-            <a:br>
-              <a:rPr b="0" baseline="0" i="0" lang="en" sz="1800" u="none" cap="none" strike="noStrike">
+            <a:r>
+              <a:rPr lang="en" sz="1800" b="0" i="0" u="none" strike="noStrike" cap="none" baseline="0" dirty="0">
                 <a:solidFill>
                   <a:srgbClr val="000000"/>
                 </a:solidFill>
@@ -7511,11 +7744,12 @@
                 <a:sym typeface="Consolas"/>
                 <a:rtl val="0"/>
               </a:rPr>
-            </a:br>
-            <a:r>
-              <a:rPr b="0" baseline="0" i="0" lang="en" sz="1800" u="none" cap="none" strike="noStrike">
-                <a:solidFill>
-                  <a:srgbClr val="550066"/>
+              <a:t/>
+            </a:r>
+            <a:br>
+              <a:rPr lang="en" sz="1800" b="0" i="0" u="none" strike="noStrike" cap="none" baseline="0" dirty="0">
+                <a:solidFill>
+                  <a:srgbClr val="000000"/>
                 </a:solidFill>
                 <a:latin typeface="Consolas"/>
                 <a:ea typeface="Consolas"/>
@@ -7523,12 +7757,11 @@
                 <a:sym typeface="Consolas"/>
                 <a:rtl val="0"/>
               </a:rPr>
-              <a:t>var</a:t>
-            </a:r>
-            <a:r>
-              <a:rPr b="0" baseline="0" i="0" lang="en" sz="1800" u="none" cap="none" strike="noStrike">
-                <a:solidFill>
-                  <a:srgbClr val="000000"/>
+            </a:br>
+            <a:r>
+              <a:rPr lang="en" sz="1800" b="0" i="0" u="none" strike="noStrike" cap="none" baseline="0" dirty="0">
+                <a:solidFill>
+                  <a:srgbClr val="550066"/>
                 </a:solidFill>
                 <a:latin typeface="Consolas"/>
                 <a:ea typeface="Consolas"/>
@@ -7536,12 +7769,12 @@
                 <a:sym typeface="Consolas"/>
                 <a:rtl val="0"/>
               </a:rPr>
-              <a:t> killerRabbit = </a:t>
-            </a:r>
-            <a:r>
-              <a:rPr b="0" baseline="0" i="0" lang="en" sz="1800" u="none" cap="none" strike="noStrike">
-                <a:solidFill>
-                  <a:srgbClr val="550066"/>
+              <a:t>var</a:t>
+            </a:r>
+            <a:r>
+              <a:rPr lang="en" sz="1800" b="0" i="0" u="none" strike="noStrike" cap="none" baseline="0" dirty="0">
+                <a:solidFill>
+                  <a:srgbClr val="000000"/>
                 </a:solidFill>
                 <a:latin typeface="Consolas"/>
                 <a:ea typeface="Consolas"/>
@@ -7549,12 +7782,12 @@
                 <a:sym typeface="Consolas"/>
                 <a:rtl val="0"/>
               </a:rPr>
-              <a:t>new</a:t>
-            </a:r>
-            <a:r>
-              <a:rPr b="0" baseline="0" i="0" lang="en" sz="1800" u="none" cap="none" strike="noStrike">
-                <a:solidFill>
-                  <a:srgbClr val="000000"/>
+              <a:t> killerRabbit = </a:t>
+            </a:r>
+            <a:r>
+              <a:rPr lang="en" sz="1800" b="0" i="0" u="none" strike="noStrike" cap="none" baseline="0" dirty="0">
+                <a:solidFill>
+                  <a:srgbClr val="550066"/>
                 </a:solidFill>
                 <a:latin typeface="Consolas"/>
                 <a:ea typeface="Consolas"/>
@@ -7562,12 +7795,12 @@
                 <a:sym typeface="Consolas"/>
                 <a:rtl val="0"/>
               </a:rPr>
-              <a:t> Rabbit(</a:t>
-            </a:r>
-            <a:r>
-              <a:rPr b="0" baseline="0" i="0" lang="en" sz="1800" u="none" cap="none" strike="noStrike">
-                <a:solidFill>
-                  <a:srgbClr val="770000"/>
+              <a:t>new</a:t>
+            </a:r>
+            <a:r>
+              <a:rPr lang="en" sz="1800" b="0" i="0" u="none" strike="noStrike" cap="none" baseline="0" dirty="0">
+                <a:solidFill>
+                  <a:srgbClr val="000000"/>
                 </a:solidFill>
                 <a:latin typeface="Consolas"/>
                 <a:ea typeface="Consolas"/>
@@ -7575,12 +7808,12 @@
                 <a:sym typeface="Consolas"/>
                 <a:rtl val="0"/>
               </a:rPr>
-              <a:t>"killer"</a:t>
-            </a:r>
-            <a:r>
-              <a:rPr b="0" baseline="0" i="0" lang="en" sz="1800" u="none" cap="none" strike="noStrike">
-                <a:solidFill>
-                  <a:srgbClr val="000000"/>
+              <a:t> Rabbit(</a:t>
+            </a:r>
+            <a:r>
+              <a:rPr lang="en" sz="1800" b="0" i="0" u="none" strike="noStrike" cap="none" baseline="0" dirty="0">
+                <a:solidFill>
+                  <a:srgbClr val="770000"/>
                 </a:solidFill>
                 <a:latin typeface="Consolas"/>
                 <a:ea typeface="Consolas"/>
@@ -7588,10 +7821,10 @@
                 <a:sym typeface="Consolas"/>
                 <a:rtl val="0"/>
               </a:rPr>
-              <a:t>);</a:t>
-            </a:r>
-            <a:br>
-              <a:rPr b="0" baseline="0" i="0" lang="en" sz="1800" u="none" cap="none" strike="noStrike">
+              <a:t>"killer"</a:t>
+            </a:r>
+            <a:r>
+              <a:rPr lang="en" sz="1800" b="0" i="0" u="none" strike="noStrike" cap="none" baseline="0" dirty="0">
                 <a:solidFill>
                   <a:srgbClr val="000000"/>
                 </a:solidFill>
@@ -7601,11 +7834,12 @@
                 <a:sym typeface="Consolas"/>
                 <a:rtl val="0"/>
               </a:rPr>
-            </a:br>
-            <a:r>
-              <a:rPr b="0" baseline="0" i="0" lang="en" sz="1800" u="none" cap="none" strike="noStrike">
-                <a:solidFill>
-                  <a:srgbClr val="550066"/>
+              <a:t>);</a:t>
+            </a:r>
+            <a:br>
+              <a:rPr lang="en" sz="1800" b="0" i="0" u="none" strike="noStrike" cap="none" baseline="0" dirty="0">
+                <a:solidFill>
+                  <a:srgbClr val="000000"/>
                 </a:solidFill>
                 <a:latin typeface="Consolas"/>
                 <a:ea typeface="Consolas"/>
@@ -7613,12 +7847,11 @@
                 <a:sym typeface="Consolas"/>
                 <a:rtl val="0"/>
               </a:rPr>
-              <a:t>var</a:t>
-            </a:r>
-            <a:r>
-              <a:rPr b="0" baseline="0" i="0" lang="en" sz="1800" u="none" cap="none" strike="noStrike">
-                <a:solidFill>
-                  <a:srgbClr val="000000"/>
+            </a:br>
+            <a:r>
+              <a:rPr lang="en" sz="1800" b="0" i="0" u="none" strike="noStrike" cap="none" baseline="0" dirty="0">
+                <a:solidFill>
+                  <a:srgbClr val="550066"/>
                 </a:solidFill>
                 <a:latin typeface="Consolas"/>
                 <a:ea typeface="Consolas"/>
@@ -7626,12 +7859,12 @@
                 <a:sym typeface="Consolas"/>
                 <a:rtl val="0"/>
               </a:rPr>
-              <a:t> blackRabbit = </a:t>
-            </a:r>
-            <a:r>
-              <a:rPr b="0" baseline="0" i="0" lang="en" sz="1800" u="none" cap="none" strike="noStrike">
-                <a:solidFill>
-                  <a:srgbClr val="550066"/>
+              <a:t>var</a:t>
+            </a:r>
+            <a:r>
+              <a:rPr lang="en" sz="1800" b="0" i="0" u="none" strike="noStrike" cap="none" baseline="0" dirty="0">
+                <a:solidFill>
+                  <a:srgbClr val="000000"/>
                 </a:solidFill>
                 <a:latin typeface="Consolas"/>
                 <a:ea typeface="Consolas"/>
@@ -7639,12 +7872,12 @@
                 <a:sym typeface="Consolas"/>
                 <a:rtl val="0"/>
               </a:rPr>
-              <a:t>new</a:t>
-            </a:r>
-            <a:r>
-              <a:rPr b="0" baseline="0" i="0" lang="en" sz="1800" u="none" cap="none" strike="noStrike">
-                <a:solidFill>
-                  <a:srgbClr val="000000"/>
+              <a:t> blackRabbit = </a:t>
+            </a:r>
+            <a:r>
+              <a:rPr lang="en" sz="1800" b="0" i="0" u="none" strike="noStrike" cap="none" baseline="0" dirty="0">
+                <a:solidFill>
+                  <a:srgbClr val="550066"/>
                 </a:solidFill>
                 <a:latin typeface="Consolas"/>
                 <a:ea typeface="Consolas"/>
@@ -7652,12 +7885,12 @@
                 <a:sym typeface="Consolas"/>
                 <a:rtl val="0"/>
               </a:rPr>
-              <a:t> Rabbit(</a:t>
-            </a:r>
-            <a:r>
-              <a:rPr b="0" baseline="0" i="0" lang="en" sz="1800" u="none" cap="none" strike="noStrike">
-                <a:solidFill>
-                  <a:srgbClr val="770000"/>
+              <a:t>new</a:t>
+            </a:r>
+            <a:r>
+              <a:rPr lang="en" sz="1800" b="0" i="0" u="none" strike="noStrike" cap="none" baseline="0" dirty="0">
+                <a:solidFill>
+                  <a:srgbClr val="000000"/>
                 </a:solidFill>
                 <a:latin typeface="Consolas"/>
                 <a:ea typeface="Consolas"/>
@@ -7665,12 +7898,12 @@
                 <a:sym typeface="Consolas"/>
                 <a:rtl val="0"/>
               </a:rPr>
-              <a:t>"black"</a:t>
-            </a:r>
-            <a:r>
-              <a:rPr b="0" baseline="0" i="0" lang="en" sz="1800" u="none" cap="none" strike="noStrike">
-                <a:solidFill>
-                  <a:srgbClr val="000000"/>
+              <a:t> Rabbit(</a:t>
+            </a:r>
+            <a:r>
+              <a:rPr lang="en" sz="1800" b="0" i="0" u="none" strike="noStrike" cap="none" baseline="0" dirty="0">
+                <a:solidFill>
+                  <a:srgbClr val="770000"/>
                 </a:solidFill>
                 <a:latin typeface="Consolas"/>
                 <a:ea typeface="Consolas"/>
@@ -7678,10 +7911,10 @@
                 <a:sym typeface="Consolas"/>
                 <a:rtl val="0"/>
               </a:rPr>
-              <a:t>);</a:t>
-            </a:r>
-            <a:br>
-              <a:rPr b="0" baseline="0" i="0" lang="en" sz="1800" u="none" cap="none" strike="noStrike">
+              <a:t>"black"</a:t>
+            </a:r>
+            <a:r>
+              <a:rPr lang="en" sz="1800" b="0" i="0" u="none" strike="noStrike" cap="none" baseline="0" dirty="0">
                 <a:solidFill>
                   <a:srgbClr val="000000"/>
                 </a:solidFill>
@@ -7691,28 +7924,10 @@
                 <a:sym typeface="Consolas"/>
                 <a:rtl val="0"/>
               </a:rPr>
-            </a:br>
-          </a:p>
-          <a:p>
-            <a:pPr indent="0" lvl="0" marL="0" marR="0" rtl="0" algn="l">
-              <a:lnSpc>
-                <a:spcPct val="100000"/>
-              </a:lnSpc>
-              <a:spcBef>
-                <a:spcPts val="0"/>
-              </a:spcBef>
-              <a:spcAft>
-                <a:spcPts val="0"/>
-              </a:spcAft>
-              <a:buClr>
-                <a:schemeClr val="dk1"/>
-              </a:buClr>
-              <a:buSzPct val="25000"/>
-              <a:buFont typeface="Consolas"/>
-              <a:buNone/>
-            </a:pPr>
-            <a:r>
-              <a:rPr b="0" baseline="0" i="0" lang="en" sz="1800" u="none" cap="none" strike="noStrike">
+              <a:t>);</a:t>
+            </a:r>
+            <a:br>
+              <a:rPr lang="en" sz="1800" b="0" i="0" u="none" strike="noStrike" cap="none" baseline="0" dirty="0">
                 <a:solidFill>
                   <a:srgbClr val="000000"/>
                 </a:solidFill>
@@ -7722,10 +7937,38 @@
                 <a:sym typeface="Consolas"/>
                 <a:rtl val="0"/>
               </a:rPr>
-              <a:t>console.log(blackRabbit.type);</a:t>
-            </a:r>
-            <a:br>
-              <a:rPr b="0" baseline="0" i="0" lang="en" sz="1800" u="none" cap="none" strike="noStrike">
+            </a:br>
+            <a:endParaRPr lang="en" sz="1800" b="0" i="0" u="none" strike="noStrike" cap="none" baseline="0" dirty="0">
+              <a:solidFill>
+                <a:srgbClr val="000000"/>
+              </a:solidFill>
+              <a:latin typeface="Consolas"/>
+              <a:ea typeface="Consolas"/>
+              <a:cs typeface="Consolas"/>
+              <a:sym typeface="Consolas"/>
+              <a:rtl val="0"/>
+            </a:endParaRPr>
+          </a:p>
+          <a:p>
+            <a:pPr marL="0" marR="0" lvl="0" indent="0" algn="l" rtl="0">
+              <a:lnSpc>
+                <a:spcPct val="100000"/>
+              </a:lnSpc>
+              <a:spcBef>
+                <a:spcPts val="0"/>
+              </a:spcBef>
+              <a:spcAft>
+                <a:spcPts val="0"/>
+              </a:spcAft>
+              <a:buClr>
+                <a:schemeClr val="dk1"/>
+              </a:buClr>
+              <a:buSzPct val="25000"/>
+              <a:buFont typeface="Consolas"/>
+              <a:buNone/>
+            </a:pPr>
+            <a:r>
+              <a:rPr lang="en" sz="1800" b="0" i="0" u="none" strike="noStrike" cap="none" baseline="0" dirty="0">
                 <a:solidFill>
                   <a:srgbClr val="000000"/>
                 </a:solidFill>
@@ -7735,7 +7978,30 @@
                 <a:sym typeface="Consolas"/>
                 <a:rtl val="0"/>
               </a:rPr>
+              <a:t>console.log(blackRabbit.type);</a:t>
+            </a:r>
+            <a:br>
+              <a:rPr lang="en" sz="1800" b="0" i="0" u="none" strike="noStrike" cap="none" baseline="0" dirty="0">
+                <a:solidFill>
+                  <a:srgbClr val="000000"/>
+                </a:solidFill>
+                <a:latin typeface="Consolas"/>
+                <a:ea typeface="Consolas"/>
+                <a:cs typeface="Consolas"/>
+                <a:sym typeface="Consolas"/>
+                <a:rtl val="0"/>
+              </a:rPr>
             </a:br>
+            <a:endParaRPr lang="en" sz="1800" b="0" i="0" u="none" strike="noStrike" cap="none" baseline="0" dirty="0">
+              <a:solidFill>
+                <a:srgbClr val="000000"/>
+              </a:solidFill>
+              <a:latin typeface="Consolas"/>
+              <a:ea typeface="Consolas"/>
+              <a:cs typeface="Consolas"/>
+              <a:sym typeface="Consolas"/>
+              <a:rtl val="0"/>
+            </a:endParaRPr>
           </a:p>
         </p:txBody>
       </p:sp>
@@ -7744,18 +8010,18 @@
   <p:clrMapOvr>
     <a:masterClrMapping/>
   </p:clrMapOvr>
-  <p:transition spd="slow">
+  <p:transition xmlns:p14="http://schemas.microsoft.com/office/powerpoint/2010/main" spd="slow">
     <p:cut/>
   </p:transition>
 </p:sld>
 </file>
 
 <file path=ppt/slides/slide8.xml><?xml version="1.0" encoding="utf-8"?>
-<p:sld xmlns:a="http://schemas.openxmlformats.org/drawingml/2006/main" xmlns:r="http://schemas.openxmlformats.org/officeDocument/2006/relationships" xmlns:mc="http://schemas.openxmlformats.org/markup-compatibility/2006" xmlns:mv="urn:schemas-microsoft-com:mac:vml" xmlns:p="http://schemas.openxmlformats.org/presentationml/2006/main" xmlns:c="http://schemas.openxmlformats.org/drawingml/2006/chart" xmlns:dgm="http://schemas.openxmlformats.org/drawingml/2006/diagram" xmlns:o="urn:schemas-microsoft-com:office:office" xmlns:v="urn:schemas-microsoft-com:vml" xmlns:pvml="urn:schemas-microsoft-com:office:powerpoint" xmlns:com="http://schemas.openxmlformats.org/drawingml/2006/compatibility" xmlns:p14="http://schemas.microsoft.com/office/powerpoint/2010/main">
+<p:sld xmlns:a="http://schemas.openxmlformats.org/drawingml/2006/main" xmlns:r="http://schemas.openxmlformats.org/officeDocument/2006/relationships" xmlns:p="http://schemas.openxmlformats.org/presentationml/2006/main">
   <p:cSld>
     <p:spTree>
       <p:nvGrpSpPr>
-        <p:cNvPr id="75" name="Shape 75"/>
+        <p:cNvPr id="1" name="Shape 75"/>
         <p:cNvGrpSpPr/>
         <p:nvPr/>
       </p:nvGrpSpPr>
@@ -7770,7 +8036,9 @@
       <p:sp>
         <p:nvSpPr>
           <p:cNvPr id="76" name="Shape 76"/>
-          <p:cNvSpPr txBox="1"/>
+          <p:cNvSpPr txBox="1">
+            <a:spLocks noGrp="1"/>
+          </p:cNvSpPr>
           <p:nvPr>
             <p:ph type="title"/>
           </p:nvPr>
@@ -7789,12 +8057,12 @@
           </a:ln>
         </p:spPr>
         <p:txBody>
-          <a:bodyPr anchorCtr="0" anchor="b" bIns="91425" lIns="91425" rIns="91425" tIns="91425">
+          <a:bodyPr lIns="91425" tIns="91425" rIns="91425" bIns="91425" anchor="b" anchorCtr="0">
             <a:noAutofit/>
           </a:bodyPr>
           <a:lstStyle/>
           <a:p>
-            <a:pPr indent="0" lvl="0" marL="0" marR="0" rtl="0" algn="l">
+            <a:pPr marL="0" marR="0" lvl="0" indent="0" algn="l" rtl="0">
               <a:lnSpc>
                 <a:spcPct val="100000"/>
               </a:lnSpc>
@@ -7812,7 +8080,7 @@
               <a:buNone/>
             </a:pPr>
             <a:r>
-              <a:rPr b="1" baseline="0" i="0" lang="en" sz="3600" u="none" cap="none" strike="noStrike">
+              <a:rPr lang="en" sz="3600" b="1" i="0" u="none" strike="noStrike" cap="none" baseline="0">
                 <a:solidFill>
                   <a:schemeClr val="dk2"/>
                 </a:solidFill>
@@ -7830,9 +8098,11 @@
       <p:sp>
         <p:nvSpPr>
           <p:cNvPr id="77" name="Shape 77"/>
-          <p:cNvSpPr txBox="1"/>
+          <p:cNvSpPr txBox="1">
+            <a:spLocks noGrp="1"/>
+          </p:cNvSpPr>
           <p:nvPr>
-            <p:ph idx="1" type="body"/>
+            <p:ph type="body" idx="1"/>
           </p:nvPr>
         </p:nvSpPr>
         <p:spPr>
@@ -7849,12 +8119,12 @@
           </a:ln>
         </p:spPr>
         <p:txBody>
-          <a:bodyPr anchorCtr="0" anchor="t" bIns="91425" lIns="91425" rIns="91425" tIns="91425">
+          <a:bodyPr lIns="91425" tIns="91425" rIns="91425" bIns="91425" anchor="t" anchorCtr="0">
             <a:noAutofit/>
           </a:bodyPr>
           <a:lstStyle/>
           <a:p>
-            <a:pPr indent="0" lvl="0" marL="0" marR="0" rtl="0" algn="l">
+            <a:pPr marL="0" marR="0" lvl="0" indent="0" algn="l" rtl="0">
               <a:lnSpc>
                 <a:spcPct val="100000"/>
               </a:lnSpc>
@@ -7872,7 +8142,7 @@
               <a:buNone/>
             </a:pPr>
             <a:r>
-              <a:rPr b="0" baseline="0" i="0" lang="en" sz="1400" u="none" cap="none" strike="noStrike">
+              <a:rPr lang="en" sz="1400" b="0" i="0" u="none" strike="noStrike" cap="none" baseline="0" dirty="0">
                 <a:solidFill>
                   <a:srgbClr val="000000"/>
                 </a:solidFill>
@@ -7886,7 +8156,7 @@
             </a:r>
           </a:p>
           <a:p>
-            <a:pPr indent="0" lvl="0" marL="0" marR="0" rtl="0" algn="l">
+            <a:pPr marL="0" marR="0" lvl="0" indent="0" algn="l" rtl="0">
               <a:lnSpc>
                 <a:spcPct val="100000"/>
               </a:lnSpc>
@@ -7902,10 +8172,7 @@
               <a:buFont typeface="Arial"/>
               <a:buNone/>
             </a:pPr>
-            <a:r>
-              <a:t/>
-            </a:r>
-            <a:endParaRPr b="0" baseline="0" i="0" sz="1400" u="none" cap="none" strike="noStrike">
+            <a:endParaRPr sz="1400" b="0" i="0" u="none" strike="noStrike" cap="none" baseline="0" dirty="0">
               <a:solidFill>
                 <a:srgbClr val="000000"/>
               </a:solidFill>
@@ -7917,7 +8184,7 @@
             </a:endParaRPr>
           </a:p>
           <a:p>
-            <a:pPr indent="0" lvl="0" marL="0" marR="0" rtl="0" algn="l">
+            <a:pPr marL="0" marR="0" lvl="0" indent="0" algn="l" rtl="0">
               <a:lnSpc>
                 <a:spcPct val="135000"/>
               </a:lnSpc>
@@ -7935,7 +8202,7 @@
               <a:buNone/>
             </a:pPr>
             <a:r>
-              <a:rPr b="0" baseline="0" i="0" lang="en" sz="1400" u="none" cap="none" strike="noStrike">
+              <a:rPr lang="en" sz="1400" b="0" i="0" u="none" strike="noStrike" cap="none" baseline="0" dirty="0">
                 <a:solidFill>
                   <a:srgbClr val="000000"/>
                 </a:solidFill>
@@ -7948,7 +8215,7 @@
               <a:t>Rabbit.prototype.speak = </a:t>
             </a:r>
             <a:r>
-              <a:rPr b="0" baseline="0" i="0" lang="en" sz="1400" u="none" cap="none" strike="noStrike">
+              <a:rPr lang="en" sz="1400" b="0" i="0" u="none" strike="noStrike" cap="none" baseline="0" dirty="0">
                 <a:solidFill>
                   <a:srgbClr val="550066"/>
                 </a:solidFill>
@@ -7961,7 +8228,7 @@
               <a:t>function</a:t>
             </a:r>
             <a:r>
-              <a:rPr b="0" baseline="0" i="0" lang="en" sz="1400" u="none" cap="none" strike="noStrike">
+              <a:rPr lang="en" sz="1400" b="0" i="0" u="none" strike="noStrike" cap="none" baseline="0" dirty="0">
                 <a:solidFill>
                   <a:srgbClr val="000000"/>
                 </a:solidFill>
@@ -7974,7 +8241,7 @@
               <a:t>(</a:t>
             </a:r>
             <a:r>
-              <a:rPr b="0" baseline="0" i="0" lang="en" sz="1400" u="none" cap="none" strike="noStrike">
+              <a:rPr lang="en" sz="1400" b="0" i="0" u="none" strike="noStrike" cap="none" baseline="0" dirty="0">
                 <a:solidFill>
                   <a:srgbClr val="000099"/>
                 </a:solidFill>
@@ -7987,7 +8254,7 @@
               <a:t>line</a:t>
             </a:r>
             <a:r>
-              <a:rPr b="0" baseline="0" i="0" lang="en" sz="1400" u="none" cap="none" strike="noStrike">
+              <a:rPr lang="en" sz="1400" b="0" i="0" u="none" strike="noStrike" cap="none" baseline="0" dirty="0">
                 <a:solidFill>
                   <a:srgbClr val="000000"/>
                 </a:solidFill>
@@ -8000,7 +8267,7 @@
               <a:t>) {</a:t>
             </a:r>
             <a:br>
-              <a:rPr b="0" baseline="0" i="0" lang="en" sz="1400" u="none" cap="none" strike="noStrike">
+              <a:rPr lang="en" sz="1400" b="0" i="0" u="none" strike="noStrike" cap="none" baseline="0" dirty="0">
                 <a:solidFill>
                   <a:srgbClr val="000000"/>
                 </a:solidFill>
@@ -8012,7 +8279,7 @@
               </a:rPr>
             </a:br>
             <a:r>
-              <a:rPr b="0" baseline="0" i="0" lang="en" sz="1400" u="none" cap="none" strike="noStrike">
+              <a:rPr lang="en" sz="1400" b="0" i="0" u="none" strike="noStrike" cap="none" baseline="0" dirty="0">
                 <a:solidFill>
                   <a:srgbClr val="000000"/>
                 </a:solidFill>
@@ -8025,7 +8292,7 @@
               <a:t>  console.log(</a:t>
             </a:r>
             <a:r>
-              <a:rPr b="0" baseline="0" i="0" lang="en" sz="1400" u="none" cap="none" strike="noStrike">
+              <a:rPr lang="en" sz="1400" b="0" i="0" u="none" strike="noStrike" cap="none" baseline="0" dirty="0">
                 <a:solidFill>
                   <a:srgbClr val="770000"/>
                 </a:solidFill>
@@ -8038,7 +8305,7 @@
               <a:t>"The "</a:t>
             </a:r>
             <a:r>
-              <a:rPr b="0" baseline="0" i="0" lang="en" sz="1400" u="none" cap="none" strike="noStrike">
+              <a:rPr lang="en" sz="1400" b="0" i="0" u="none" strike="noStrike" cap="none" baseline="0" dirty="0">
                 <a:solidFill>
                   <a:srgbClr val="000000"/>
                 </a:solidFill>
@@ -8051,7 +8318,7 @@
               <a:t> + </a:t>
             </a:r>
             <a:r>
-              <a:rPr b="0" baseline="0" i="0" lang="en" sz="1400" u="none" cap="none" strike="noStrike">
+              <a:rPr lang="en" sz="1400" b="0" i="0" u="none" strike="noStrike" cap="none" baseline="0" dirty="0">
                 <a:solidFill>
                   <a:srgbClr val="550066"/>
                 </a:solidFill>
@@ -8064,7 +8331,7 @@
               <a:t>this</a:t>
             </a:r>
             <a:r>
-              <a:rPr b="0" baseline="0" i="0" lang="en" sz="1400" u="none" cap="none" strike="noStrike">
+              <a:rPr lang="en" sz="1400" b="0" i="0" u="none" strike="noStrike" cap="none" baseline="0" dirty="0">
                 <a:solidFill>
                   <a:srgbClr val="000000"/>
                 </a:solidFill>
@@ -8077,7 +8344,7 @@
               <a:t>.type + </a:t>
             </a:r>
             <a:r>
-              <a:rPr b="0" baseline="0" i="0" lang="en" sz="1400" u="none" cap="none" strike="noStrike">
+              <a:rPr lang="en" sz="1400" b="0" i="0" u="none" strike="noStrike" cap="none" baseline="0" dirty="0">
                 <a:solidFill>
                   <a:srgbClr val="770000"/>
                 </a:solidFill>
@@ -8090,7 +8357,7 @@
               <a:t>" rabbit says '"</a:t>
             </a:r>
             <a:r>
-              <a:rPr b="0" baseline="0" i="0" lang="en" sz="1400" u="none" cap="none" strike="noStrike">
+              <a:rPr lang="en" sz="1400" b="0" i="0" u="none" strike="noStrike" cap="none" baseline="0" dirty="0">
                 <a:solidFill>
                   <a:srgbClr val="000000"/>
                 </a:solidFill>
@@ -8103,7 +8370,7 @@
               <a:t> +</a:t>
             </a:r>
             <a:br>
-              <a:rPr b="0" baseline="0" i="0" lang="en" sz="1400" u="none" cap="none" strike="noStrike">
+              <a:rPr lang="en" sz="1400" b="0" i="0" u="none" strike="noStrike" cap="none" baseline="0" dirty="0">
                 <a:solidFill>
                   <a:srgbClr val="000000"/>
                 </a:solidFill>
@@ -8115,7 +8382,7 @@
               </a:rPr>
             </a:br>
             <a:r>
-              <a:rPr b="0" baseline="0" i="0" lang="en" sz="1400" u="none" cap="none" strike="noStrike">
+              <a:rPr lang="en" sz="1400" b="0" i="0" u="none" strike="noStrike" cap="none" baseline="0" dirty="0">
                 <a:solidFill>
                   <a:srgbClr val="000000"/>
                 </a:solidFill>
@@ -8128,7 +8395,7 @@
               <a:t>              </a:t>
             </a:r>
             <a:r>
-              <a:rPr b="0" baseline="0" i="0" lang="en" sz="1400" u="none" cap="none" strike="noStrike">
+              <a:rPr lang="en" sz="1400" b="0" i="0" u="none" strike="noStrike" cap="none" baseline="0" dirty="0">
                 <a:solidFill>
                   <a:srgbClr val="002277"/>
                 </a:solidFill>
@@ -8141,7 +8408,7 @@
               <a:t>line</a:t>
             </a:r>
             <a:r>
-              <a:rPr b="0" baseline="0" i="0" lang="en" sz="1400" u="none" cap="none" strike="noStrike">
+              <a:rPr lang="en" sz="1400" b="0" i="0" u="none" strike="noStrike" cap="none" baseline="0" dirty="0">
                 <a:solidFill>
                   <a:srgbClr val="000000"/>
                 </a:solidFill>
@@ -8154,7 +8421,7 @@
               <a:t> + </a:t>
             </a:r>
             <a:r>
-              <a:rPr b="0" baseline="0" i="0" lang="en" sz="1400" u="none" cap="none" strike="noStrike">
+              <a:rPr lang="en" sz="1400" b="0" i="0" u="none" strike="noStrike" cap="none" baseline="0" dirty="0">
                 <a:solidFill>
                   <a:srgbClr val="770000"/>
                 </a:solidFill>
@@ -8167,7 +8434,7 @@
               <a:t>"'"</a:t>
             </a:r>
             <a:r>
-              <a:rPr b="0" baseline="0" i="0" lang="en" sz="1400" u="none" cap="none" strike="noStrike">
+              <a:rPr lang="en" sz="1400" b="0" i="0" u="none" strike="noStrike" cap="none" baseline="0" dirty="0">
                 <a:solidFill>
                   <a:srgbClr val="000000"/>
                 </a:solidFill>
@@ -8180,7 +8447,7 @@
               <a:t>);</a:t>
             </a:r>
             <a:br>
-              <a:rPr b="0" baseline="0" i="0" lang="en" sz="1400" u="none" cap="none" strike="noStrike">
+              <a:rPr lang="en" sz="1400" b="0" i="0" u="none" strike="noStrike" cap="none" baseline="0" dirty="0">
                 <a:solidFill>
                   <a:srgbClr val="000000"/>
                 </a:solidFill>
@@ -8192,7 +8459,7 @@
               </a:rPr>
             </a:br>
             <a:r>
-              <a:rPr b="0" baseline="0" i="0" lang="en" sz="1400" u="none" cap="none" strike="noStrike">
+              <a:rPr lang="en" sz="1400" b="0" i="0" u="none" strike="noStrike" cap="none" baseline="0" dirty="0">
                 <a:solidFill>
                   <a:srgbClr val="000000"/>
                 </a:solidFill>
@@ -8205,7 +8472,7 @@
               <a:t>};</a:t>
             </a:r>
             <a:br>
-              <a:rPr b="0" baseline="0" i="0" lang="en" sz="1400" u="none" cap="none" strike="noStrike">
+              <a:rPr lang="en" sz="1400" b="0" i="0" u="none" strike="noStrike" cap="none" baseline="0" dirty="0">
                 <a:solidFill>
                   <a:srgbClr val="000000"/>
                 </a:solidFill>
@@ -8217,7 +8484,7 @@
               </a:rPr>
             </a:br>
             <a:r>
-              <a:rPr b="0" baseline="0" i="0" lang="en" sz="1400" u="none" cap="none" strike="noStrike">
+              <a:rPr lang="en" sz="1400" b="0" i="0" u="none" strike="noStrike" cap="none" baseline="0" dirty="0">
                 <a:solidFill>
                   <a:srgbClr val="000000"/>
                 </a:solidFill>
@@ -8230,7 +8497,7 @@
               <a:t>blackRabbit.speak(</a:t>
             </a:r>
             <a:r>
-              <a:rPr b="0" baseline="0" i="0" lang="en" sz="1400" u="none" cap="none" strike="noStrike">
+              <a:rPr lang="en" sz="1400" b="0" i="0" u="none" strike="noStrike" cap="none" baseline="0" dirty="0">
                 <a:solidFill>
                   <a:srgbClr val="770000"/>
                 </a:solidFill>
@@ -8243,7 +8510,7 @@
               <a:t>"Doom..."</a:t>
             </a:r>
             <a:r>
-              <a:rPr b="0" baseline="0" i="0" lang="en" sz="1400" u="none" cap="none" strike="noStrike">
+              <a:rPr lang="en" sz="1400" b="0" i="0" u="none" strike="noStrike" cap="none" baseline="0" dirty="0">
                 <a:solidFill>
                   <a:srgbClr val="000000"/>
                 </a:solidFill>
@@ -8256,7 +8523,7 @@
               <a:t>);</a:t>
             </a:r>
             <a:br>
-              <a:rPr b="0" baseline="0" i="0" lang="en" sz="1400" u="none" cap="none" strike="noStrike">
+              <a:rPr lang="en" sz="1400" b="0" i="0" u="none" strike="noStrike" cap="none" baseline="0" dirty="0">
                 <a:solidFill>
                   <a:srgbClr val="000000"/>
                 </a:solidFill>
@@ -8268,7 +8535,7 @@
               </a:rPr>
             </a:br>
             <a:r>
-              <a:rPr b="0" baseline="0" i="0" lang="en" sz="1400" u="none" cap="none" strike="noStrike">
+              <a:rPr lang="en" sz="1400" b="0" i="0" u="none" strike="noStrike" cap="none" baseline="0" dirty="0">
                 <a:solidFill>
                   <a:srgbClr val="774400"/>
                 </a:solidFill>
@@ -8282,7 +8549,7 @@
             </a:r>
           </a:p>
           <a:p>
-            <a:pPr indent="0" lvl="0" marL="0" marR="0" rtl="0" algn="l">
+            <a:pPr marL="0" marR="0" lvl="0" indent="0" algn="l" rtl="0">
               <a:lnSpc>
                 <a:spcPct val="115000"/>
               </a:lnSpc>
@@ -8298,10 +8565,7 @@
               <a:buFont typeface="Arial"/>
               <a:buNone/>
             </a:pPr>
-            <a:r>
-              <a:t/>
-            </a:r>
-            <a:endParaRPr b="0" baseline="0" i="0" sz="1400" u="none" cap="none" strike="noStrike">
+            <a:endParaRPr sz="1400" b="0" i="0" u="none" strike="noStrike" cap="none" baseline="0" dirty="0">
               <a:solidFill>
                 <a:srgbClr val="774400"/>
               </a:solidFill>
@@ -8313,7 +8577,7 @@
             </a:endParaRPr>
           </a:p>
           <a:p>
-            <a:pPr indent="0" lvl="0" marL="0" marR="0" rtl="0" algn="l">
+            <a:pPr marL="0" marR="0" lvl="0" indent="0" algn="l" rtl="0">
               <a:lnSpc>
                 <a:spcPct val="100000"/>
               </a:lnSpc>
@@ -8329,10 +8593,7 @@
               <a:buFont typeface="Arial"/>
               <a:buNone/>
             </a:pPr>
-            <a:r>
-              <a:t/>
-            </a:r>
-            <a:endParaRPr b="0" baseline="0" i="0" sz="1400" u="none" cap="none" strike="noStrike">
+            <a:endParaRPr sz="1400" b="0" i="0" u="none" strike="noStrike" cap="none" baseline="0" dirty="0">
               <a:solidFill>
                 <a:srgbClr val="000000"/>
               </a:solidFill>
@@ -8350,18 +8611,18 @@
   <p:clrMapOvr>
     <a:masterClrMapping/>
   </p:clrMapOvr>
-  <p:transition spd="slow">
+  <p:transition xmlns:p14="http://schemas.microsoft.com/office/powerpoint/2010/main" spd="slow">
     <p:cut/>
   </p:transition>
 </p:sld>
 </file>
 
 <file path=ppt/slides/slide9.xml><?xml version="1.0" encoding="utf-8"?>
-<p:sld xmlns:a="http://schemas.openxmlformats.org/drawingml/2006/main" xmlns:r="http://schemas.openxmlformats.org/officeDocument/2006/relationships" xmlns:mc="http://schemas.openxmlformats.org/markup-compatibility/2006" xmlns:mv="urn:schemas-microsoft-com:mac:vml" xmlns:p="http://schemas.openxmlformats.org/presentationml/2006/main" xmlns:c="http://schemas.openxmlformats.org/drawingml/2006/chart" xmlns:dgm="http://schemas.openxmlformats.org/drawingml/2006/diagram" xmlns:o="urn:schemas-microsoft-com:office:office" xmlns:v="urn:schemas-microsoft-com:vml" xmlns:pvml="urn:schemas-microsoft-com:office:powerpoint" xmlns:com="http://schemas.openxmlformats.org/drawingml/2006/compatibility" xmlns:p14="http://schemas.microsoft.com/office/powerpoint/2010/main">
+<p:sld xmlns:a="http://schemas.openxmlformats.org/drawingml/2006/main" xmlns:r="http://schemas.openxmlformats.org/officeDocument/2006/relationships" xmlns:p="http://schemas.openxmlformats.org/presentationml/2006/main">
   <p:cSld>
     <p:spTree>
       <p:nvGrpSpPr>
-        <p:cNvPr id="81" name="Shape 81"/>
+        <p:cNvPr id="1" name="Shape 81"/>
         <p:cNvGrpSpPr/>
         <p:nvPr/>
       </p:nvGrpSpPr>
@@ -8376,7 +8637,9 @@
       <p:sp>
         <p:nvSpPr>
           <p:cNvPr id="82" name="Shape 82"/>
-          <p:cNvSpPr txBox="1"/>
+          <p:cNvSpPr txBox="1">
+            <a:spLocks noGrp="1"/>
+          </p:cNvSpPr>
           <p:nvPr>
             <p:ph type="title"/>
           </p:nvPr>
@@ -8395,12 +8658,12 @@
           </a:ln>
         </p:spPr>
         <p:txBody>
-          <a:bodyPr anchorCtr="0" anchor="b" bIns="91425" lIns="91425" rIns="91425" tIns="91425">
+          <a:bodyPr lIns="91425" tIns="91425" rIns="91425" bIns="91425" anchor="b" anchorCtr="0">
             <a:noAutofit/>
           </a:bodyPr>
           <a:lstStyle/>
           <a:p>
-            <a:pPr indent="0" lvl="0" marL="0" marR="0" rtl="0" algn="l">
+            <a:pPr marL="0" marR="0" lvl="0" indent="0" algn="l" rtl="0">
               <a:lnSpc>
                 <a:spcPct val="100000"/>
               </a:lnSpc>
@@ -8418,7 +8681,7 @@
               <a:buNone/>
             </a:pPr>
             <a:r>
-              <a:rPr b="1" baseline="0" i="0" lang="en" sz="3600" u="none" cap="none" strike="noStrike">
+              <a:rPr lang="en" sz="3600" b="1" i="0" u="none" strike="noStrike" cap="none" baseline="0">
                 <a:solidFill>
                   <a:schemeClr val="dk2"/>
                 </a:solidFill>
@@ -8435,9 +8698,11 @@
       <p:sp>
         <p:nvSpPr>
           <p:cNvPr id="83" name="Shape 83"/>
-          <p:cNvSpPr txBox="1"/>
+          <p:cNvSpPr txBox="1">
+            <a:spLocks noGrp="1"/>
+          </p:cNvSpPr>
           <p:nvPr>
-            <p:ph idx="1" type="body"/>
+            <p:ph type="body" idx="1"/>
           </p:nvPr>
         </p:nvSpPr>
         <p:spPr>
@@ -8454,12 +8719,12 @@
           </a:ln>
         </p:spPr>
         <p:txBody>
-          <a:bodyPr anchorCtr="0" anchor="t" bIns="91425" lIns="91425" rIns="91425" tIns="91425">
+          <a:bodyPr lIns="91425" tIns="91425" rIns="91425" bIns="91425" anchor="t" anchorCtr="0">
             <a:noAutofit/>
           </a:bodyPr>
           <a:lstStyle/>
           <a:p>
-            <a:pPr indent="0" lvl="0" marL="0" marR="0" rtl="0" algn="l">
+            <a:pPr marL="0" marR="0" lvl="0" indent="0" algn="l" rtl="0">
               <a:lnSpc>
                 <a:spcPct val="145000"/>
               </a:lnSpc>
@@ -8477,7 +8742,7 @@
               <a:buNone/>
             </a:pPr>
             <a:r>
-              <a:rPr b="0" baseline="0" i="0" lang="en" sz="1500" u="none" cap="none" strike="noStrike">
+              <a:rPr lang="en" sz="1500" b="0" i="0" u="none" strike="noStrike" cap="none" baseline="0">
                 <a:solidFill>
                   <a:srgbClr val="000000"/>
                 </a:solidFill>
@@ -8489,7 +8754,7 @@
               <a:t>Values of the type </a:t>
             </a:r>
             <a:r>
-              <a:rPr b="0" baseline="0" i="1" lang="en" sz="1500" u="none" cap="none" strike="noStrike">
+              <a:rPr lang="en" sz="1500" b="0" i="1" u="none" strike="noStrike" cap="none" baseline="0">
                 <a:solidFill>
                   <a:srgbClr val="000000"/>
                 </a:solidFill>
@@ -8501,7 +8766,7 @@
               <a:t>object</a:t>
             </a:r>
             <a:r>
-              <a:rPr b="0" baseline="0" i="0" lang="en" sz="1500" u="none" cap="none" strike="noStrike">
+              <a:rPr lang="en" sz="1500" b="0" i="0" u="none" strike="noStrike" cap="none" baseline="0">
                 <a:solidFill>
                   <a:srgbClr val="000000"/>
                 </a:solidFill>
@@ -8514,7 +8779,7 @@
             </a:r>
           </a:p>
           <a:p>
-            <a:pPr indent="0" lvl="0" marL="0" marR="0" rtl="0" algn="l">
+            <a:pPr marL="0" marR="0" lvl="0" indent="0" algn="l" rtl="0">
               <a:lnSpc>
                 <a:spcPct val="145000"/>
               </a:lnSpc>
@@ -8532,7 +8797,7 @@
               <a:buNone/>
             </a:pPr>
             <a:r>
-              <a:rPr b="0" baseline="0" i="0" lang="en" sz="1500" u="none" cap="none" strike="noStrike">
+              <a:rPr lang="en" sz="1500" b="0" i="0" u="none" strike="noStrike" cap="none" baseline="0">
                 <a:solidFill>
                   <a:srgbClr val="000000"/>
                 </a:solidFill>
@@ -8545,7 +8810,7 @@
             </a:r>
           </a:p>
           <a:p>
-            <a:pPr indent="0" lvl="0" marL="0" marR="0" rtl="0" algn="l">
+            <a:pPr marL="0" marR="0" lvl="0" indent="0" algn="l" rtl="0">
               <a:lnSpc>
                 <a:spcPct val="145000"/>
               </a:lnSpc>
@@ -8561,10 +8826,7 @@
               <a:buFont typeface="Arial"/>
               <a:buNone/>
             </a:pPr>
-            <a:r>
-              <a:t/>
-            </a:r>
-            <a:endParaRPr b="0" baseline="0" i="0" sz="1500" u="none" cap="none" strike="noStrike">
+            <a:endParaRPr sz="1500" b="0" i="0" u="none" strike="noStrike" cap="none" baseline="0">
               <a:solidFill>
                 <a:srgbClr val="000000"/>
               </a:solidFill>
@@ -8575,7 +8837,7 @@
             </a:endParaRPr>
           </a:p>
           <a:p>
-            <a:pPr indent="0" lvl="0" marL="0" marR="0" rtl="0" algn="l">
+            <a:pPr marL="0" marR="0" lvl="0" indent="0" algn="l" rtl="0">
               <a:lnSpc>
                 <a:spcPct val="100000"/>
               </a:lnSpc>
@@ -8591,10 +8853,7 @@
               <a:buFont typeface="Arial"/>
               <a:buNone/>
             </a:pPr>
-            <a:r>
-              <a:t/>
-            </a:r>
-            <a:endParaRPr b="0" baseline="0" i="0" sz="3000" u="none" cap="none" strike="noStrike">
+            <a:endParaRPr sz="3000" b="0" i="0" u="none" strike="noStrike" cap="none" baseline="0">
               <a:solidFill>
                 <a:schemeClr val="dk1"/>
               </a:solidFill>
@@ -8611,14 +8870,14 @@
   <p:clrMapOvr>
     <a:masterClrMapping/>
   </p:clrMapOvr>
-  <p:transition spd="slow">
+  <p:transition xmlns:p14="http://schemas.microsoft.com/office/powerpoint/2010/main" spd="slow">
     <p:cut/>
   </p:transition>
 </p:sld>
 </file>
 
 <file path=ppt/theme/theme1.xml><?xml version="1.0" encoding="utf-8"?>
-<a:theme xmlns:a="http://schemas.openxmlformats.org/drawingml/2006/main" xmlns:r="http://schemas.openxmlformats.org/officeDocument/2006/relationships" name="label">
+<a:theme xmlns:a="http://schemas.openxmlformats.org/drawingml/2006/main" name="label">
   <a:themeElements>
     <a:clrScheme name="Custom 352">
       <a:dk1>
@@ -8777,7 +9036,7 @@
         </a:gradFill>
       </a:fillStyleLst>
       <a:lnStyleLst>
-        <a:ln cap="flat" cmpd="sng" w="9525" algn="ctr">
+        <a:ln w="9525" cap="flat" cmpd="sng" algn="ctr">
           <a:solidFill>
             <a:schemeClr val="phClr">
               <a:shade val="95000"/>
@@ -8786,13 +9045,13 @@
           </a:solidFill>
           <a:prstDash val="solid"/>
         </a:ln>
-        <a:ln cap="flat" cmpd="sng" w="25400" algn="ctr">
+        <a:ln w="25400" cap="flat" cmpd="sng" algn="ctr">
           <a:solidFill>
             <a:schemeClr val="phClr"/>
           </a:solidFill>
           <a:prstDash val="solid"/>
         </a:ln>
-        <a:ln cap="flat" cmpd="sng" w="38100" algn="ctr">
+        <a:ln w="38100" cap="flat" cmpd="sng" algn="ctr">
           <a:solidFill>
             <a:schemeClr val="phClr"/>
           </a:solidFill>
@@ -8802,7 +9061,7 @@
       <a:effectStyleLst>
         <a:effectStyle>
           <a:effectLst>
-            <a:outerShdw blurRad="40000" rotWithShape="0" dir="5400000" dist="20000">
+            <a:outerShdw blurRad="40000" dist="20000" dir="5400000" rotWithShape="0">
               <a:srgbClr val="000000">
                 <a:alpha val="38000"/>
               </a:srgbClr>
@@ -8811,7 +9070,7 @@
         </a:effectStyle>
         <a:effectStyle>
           <a:effectLst>
-            <a:outerShdw blurRad="40000" rotWithShape="0" dir="5400000" dist="23000">
+            <a:outerShdw blurRad="40000" dist="23000" dir="5400000" rotWithShape="0">
               <a:srgbClr val="000000">
                 <a:alpha val="35000"/>
               </a:srgbClr>
@@ -8820,7 +9079,7 @@
         </a:effectStyle>
         <a:effectStyle>
           <a:effectLst>
-            <a:outerShdw blurRad="40000" rotWithShape="0" dir="5400000" dist="23000">
+            <a:outerShdw blurRad="40000" dist="23000" dir="5400000" rotWithShape="0">
               <a:srgbClr val="000000">
                 <a:alpha val="35000"/>
               </a:srgbClr>
@@ -8830,12 +9089,12 @@
             <a:camera prst="orthographicFront">
               <a:rot lat="0" lon="0" rev="0"/>
             </a:camera>
-            <a:lightRig dir="t" rig="threePt">
+            <a:lightRig rig="threePt" dir="t">
               <a:rot lat="0" lon="0" rev="1200000"/>
             </a:lightRig>
           </a:scene3d>
           <a:sp3d>
-            <a:bevelT h="25400" w="63500"/>
+            <a:bevelT w="63500" h="25400"/>
           </a:sp3d>
         </a:effectStyle>
       </a:effectStyleLst>
@@ -8866,7 +9125,7 @@
             </a:gs>
           </a:gsLst>
           <a:path path="circle">
-            <a:fillToRect b="180000" l="50000" r="50000" t="-80000"/>
+            <a:fillToRect l="50000" t="-80000" r="50000" b="180000"/>
           </a:path>
         </a:gradFill>
         <a:gradFill rotWithShape="1">
@@ -8885,17 +9144,19 @@
             </a:gs>
           </a:gsLst>
           <a:path path="circle">
-            <a:fillToRect b="50000" l="50000" r="50000" t="50000"/>
+            <a:fillToRect l="50000" t="50000" r="50000" b="50000"/>
           </a:path>
         </a:gradFill>
       </a:bgFillStyleLst>
     </a:fmtScheme>
   </a:themeElements>
+  <a:objectDefaults/>
+  <a:extraClrSchemeLst/>
 </a:theme>
 </file>
 
 <file path=ppt/theme/theme2.xml><?xml version="1.0" encoding="utf-8"?>
-<a:theme xmlns:a="http://schemas.openxmlformats.org/drawingml/2006/main" xmlns:r="http://schemas.openxmlformats.org/officeDocument/2006/relationships" name="Custom Theme">
+<a:theme xmlns:a="http://schemas.openxmlformats.org/drawingml/2006/main" name="Custom Theme">
   <a:themeElements>
     <a:clrScheme name="Default">
       <a:dk1>
@@ -9054,7 +9315,7 @@
         </a:gradFill>
       </a:fillStyleLst>
       <a:lnStyleLst>
-        <a:ln cap="flat" cmpd="sng" w="9525" algn="ctr">
+        <a:ln w="9525" cap="flat" cmpd="sng" algn="ctr">
           <a:solidFill>
             <a:schemeClr val="phClr">
               <a:shade val="95000"/>
@@ -9063,13 +9324,13 @@
           </a:solidFill>
           <a:prstDash val="solid"/>
         </a:ln>
-        <a:ln cap="flat" cmpd="sng" w="25400" algn="ctr">
+        <a:ln w="25400" cap="flat" cmpd="sng" algn="ctr">
           <a:solidFill>
             <a:schemeClr val="phClr"/>
           </a:solidFill>
           <a:prstDash val="solid"/>
         </a:ln>
-        <a:ln cap="flat" cmpd="sng" w="38100" algn="ctr">
+        <a:ln w="38100" cap="flat" cmpd="sng" algn="ctr">
           <a:solidFill>
             <a:schemeClr val="phClr"/>
           </a:solidFill>
@@ -9079,7 +9340,7 @@
       <a:effectStyleLst>
         <a:effectStyle>
           <a:effectLst>
-            <a:outerShdw blurRad="40000" rotWithShape="0" dir="5400000" dist="20000">
+            <a:outerShdw blurRad="40000" dist="20000" dir="5400000" rotWithShape="0">
               <a:srgbClr val="000000">
                 <a:alpha val="38000"/>
               </a:srgbClr>
@@ -9088,7 +9349,7 @@
         </a:effectStyle>
         <a:effectStyle>
           <a:effectLst>
-            <a:outerShdw blurRad="40000" rotWithShape="0" dir="5400000" dist="23000">
+            <a:outerShdw blurRad="40000" dist="23000" dir="5400000" rotWithShape="0">
               <a:srgbClr val="000000">
                 <a:alpha val="35000"/>
               </a:srgbClr>
@@ -9097,7 +9358,7 @@
         </a:effectStyle>
         <a:effectStyle>
           <a:effectLst>
-            <a:outerShdw blurRad="40000" rotWithShape="0" dir="5400000" dist="23000">
+            <a:outerShdw blurRad="40000" dist="23000" dir="5400000" rotWithShape="0">
               <a:srgbClr val="000000">
                 <a:alpha val="35000"/>
               </a:srgbClr>
@@ -9107,12 +9368,12 @@
             <a:camera prst="orthographicFront">
               <a:rot lat="0" lon="0" rev="0"/>
             </a:camera>
-            <a:lightRig dir="t" rig="threePt">
+            <a:lightRig rig="threePt" dir="t">
               <a:rot lat="0" lon="0" rev="1200000"/>
             </a:lightRig>
           </a:scene3d>
           <a:sp3d>
-            <a:bevelT h="25400" w="63500"/>
+            <a:bevelT w="63500" h="25400"/>
           </a:sp3d>
         </a:effectStyle>
       </a:effectStyleLst>
@@ -9143,7 +9404,7 @@
             </a:gs>
           </a:gsLst>
           <a:path path="circle">
-            <a:fillToRect b="180000" l="50000" r="50000" t="-80000"/>
+            <a:fillToRect l="50000" t="-80000" r="50000" b="180000"/>
           </a:path>
         </a:gradFill>
         <a:gradFill rotWithShape="1">
@@ -9162,328 +9423,13 @@
             </a:gs>
           </a:gsLst>
           <a:path path="circle">
-            <a:fillToRect b="50000" l="50000" r="50000" t="50000"/>
+            <a:fillToRect l="50000" t="50000" r="50000" b="50000"/>
           </a:path>
         </a:gradFill>
       </a:bgFillStyleLst>
     </a:fmtScheme>
   </a:themeElements>
-</a:theme>
-</file>
-
-<file path=ppt/theme/theme3.xml><?xml version="1.0" encoding="utf-8"?>
-<a:theme xmlns:a="http://schemas.openxmlformats.org/drawingml/2006/main" xmlns:r="http://schemas.openxmlformats.org/officeDocument/2006/relationships" name="Office Theme">
-  <a:themeElements>
-    <a:clrScheme name="Office">
-      <a:dk1>
-        <a:sysClr lastClr="000000" val="windowText"/>
-      </a:dk1>
-      <a:lt1>
-        <a:sysClr lastClr="FFFFFF" val="window"/>
-      </a:lt1>
-      <a:dk2>
-        <a:srgbClr val="1F497D"/>
-      </a:dk2>
-      <a:lt2>
-        <a:srgbClr val="EEECE1"/>
-      </a:lt2>
-      <a:accent1>
-        <a:srgbClr val="4F81BD"/>
-      </a:accent1>
-      <a:accent2>
-        <a:srgbClr val="C0504D"/>
-      </a:accent2>
-      <a:accent3>
-        <a:srgbClr val="9BBB59"/>
-      </a:accent3>
-      <a:accent4>
-        <a:srgbClr val="8064A2"/>
-      </a:accent4>
-      <a:accent5>
-        <a:srgbClr val="4BACC6"/>
-      </a:accent5>
-      <a:accent6>
-        <a:srgbClr val="F79646"/>
-      </a:accent6>
-      <a:hlink>
-        <a:srgbClr val="0000FF"/>
-      </a:hlink>
-      <a:folHlink>
-        <a:srgbClr val="800080"/>
-      </a:folHlink>
-    </a:clrScheme>
-    <a:fontScheme name="Office">
-      <a:majorFont>
-        <a:latin typeface="Arial"/>
-        <a:ea typeface=""/>
-        <a:cs typeface=""/>
-        <a:font script="Jpan" typeface="ＭＳ Ｐゴシック"/>
-        <a:font script="Hang" typeface="맑은 고딕"/>
-        <a:font script="Hans" typeface="宋体"/>
-        <a:font script="Hant" typeface="新細明體"/>
-        <a:font script="Arab" typeface="Times New Roman"/>
-        <a:font script="Hebr" typeface="Times New Roman"/>
-        <a:font script="Thai" typeface="Angsana New"/>
-        <a:font script="Ethi" typeface="Nyala"/>
-        <a:font script="Beng" typeface="Vrinda"/>
-        <a:font script="Gujr" typeface="Shruti"/>
-        <a:font script="Khmr" typeface="MoolBoran"/>
-        <a:font script="Knda" typeface="Tunga"/>
-        <a:font script="Guru" typeface="Raavi"/>
-        <a:font script="Cans" typeface="Euphemia"/>
-        <a:font script="Cher" typeface="Plantagenet Cherokee"/>
-        <a:font script="Yiii" typeface="Microsoft Yi Baiti"/>
-        <a:font script="Tibt" typeface="Microsoft Himalaya"/>
-        <a:font script="Thaa" typeface="MV Boli"/>
-        <a:font script="Deva" typeface="Mangal"/>
-        <a:font script="Telu" typeface="Gautami"/>
-        <a:font script="Taml" typeface="Latha"/>
-        <a:font script="Syrc" typeface="Estrangelo Edessa"/>
-        <a:font script="Orya" typeface="Kalinga"/>
-        <a:font script="Mlym" typeface="Kartika"/>
-        <a:font script="Laoo" typeface="DokChampa"/>
-        <a:font script="Sinh" typeface="Iskoola Pota"/>
-        <a:font script="Mong" typeface="Mongolian Baiti"/>
-        <a:font script="Viet" typeface="Times New Roman"/>
-        <a:font script="Uigh" typeface="Microsoft Uighur"/>
-      </a:majorFont>
-      <a:minorFont>
-        <a:latin typeface="Arial"/>
-        <a:ea typeface=""/>
-        <a:cs typeface=""/>
-        <a:font script="Jpan" typeface="ＭＳ Ｐゴシック"/>
-        <a:font script="Hang" typeface="맑은 고딕"/>
-        <a:font script="Hans" typeface="宋体"/>
-        <a:font script="Hant" typeface="新細明體"/>
-        <a:font script="Arab" typeface="Times New Roman"/>
-        <a:font script="Hebr" typeface="Times New Roman"/>
-        <a:font script="Thai" typeface="Angsana New"/>
-        <a:font script="Ethi" typeface="Nyala"/>
-        <a:font script="Beng" typeface="Vrinda"/>
-        <a:font script="Gujr" typeface="Shruti"/>
-        <a:font script="Khmr" typeface="MoolBoran"/>
-        <a:font script="Knda" typeface="Tunga"/>
-        <a:font script="Guru" typeface="Raavi"/>
-        <a:font script="Cans" typeface="Euphemia"/>
-        <a:font script="Cher" typeface="Plantagenet Cherokee"/>
-        <a:font script="Yiii" typeface="Microsoft Yi Baiti"/>
-        <a:font script="Tibt" typeface="Microsoft Himalaya"/>
-        <a:font script="Thaa" typeface="MV Boli"/>
-        <a:font script="Deva" typeface="Mangal"/>
-        <a:font script="Telu" typeface="Gautami"/>
-        <a:font script="Taml" typeface="Latha"/>
-        <a:font script="Syrc" typeface="Estrangelo Edessa"/>
-        <a:font script="Orya" typeface="Kalinga"/>
-        <a:font script="Mlym" typeface="Kartika"/>
-        <a:font script="Laoo" typeface="DokChampa"/>
-        <a:font script="Sinh" typeface="Iskoola Pota"/>
-        <a:font script="Mong" typeface="Mongolian Baiti"/>
-        <a:font script="Viet" typeface="Times New Roman"/>
-        <a:font script="Uigh" typeface="Microsoft Uighur"/>
-      </a:minorFont>
-    </a:fontScheme>
-    <a:fmtScheme name="Office">
-      <a:fillStyleLst>
-        <a:solidFill>
-          <a:schemeClr val="phClr"/>
-        </a:solidFill>
-        <a:gradFill rotWithShape="1">
-          <a:gsLst>
-            <a:gs pos="0">
-              <a:schemeClr val="phClr">
-                <a:tint val="50000"/>
-                <a:satMod val="300000"/>
-              </a:schemeClr>
-            </a:gs>
-            <a:gs pos="35000">
-              <a:schemeClr val="phClr">
-                <a:tint val="37000"/>
-                <a:satMod val="300000"/>
-              </a:schemeClr>
-            </a:gs>
-            <a:gs pos="100000">
-              <a:schemeClr val="phClr">
-                <a:tint val="15000"/>
-                <a:satMod val="350000"/>
-              </a:schemeClr>
-            </a:gs>
-          </a:gsLst>
-          <a:lin ang="16200000" scaled="1"/>
-        </a:gradFill>
-        <a:gradFill rotWithShape="1">
-          <a:gsLst>
-            <a:gs pos="0">
-              <a:schemeClr val="phClr">
-                <a:tint val="100000"/>
-                <a:shade val="100000"/>
-                <a:satMod val="130000"/>
-              </a:schemeClr>
-            </a:gs>
-            <a:gs pos="100000">
-              <a:schemeClr val="phClr">
-                <a:tint val="50000"/>
-                <a:shade val="100000"/>
-                <a:satMod val="350000"/>
-              </a:schemeClr>
-            </a:gs>
-          </a:gsLst>
-          <a:lin ang="16200000" scaled="0"/>
-        </a:gradFill>
-      </a:fillStyleLst>
-      <a:lnStyleLst>
-        <a:ln cap="flat" cmpd="sng" w="9525" algn="ctr">
-          <a:solidFill>
-            <a:schemeClr val="phClr">
-              <a:shade val="95000"/>
-              <a:satMod val="105000"/>
-            </a:schemeClr>
-          </a:solidFill>
-          <a:prstDash val="solid"/>
-        </a:ln>
-        <a:ln cap="flat" cmpd="sng" w="25400" algn="ctr">
-          <a:solidFill>
-            <a:schemeClr val="phClr"/>
-          </a:solidFill>
-          <a:prstDash val="solid"/>
-        </a:ln>
-        <a:ln cap="flat" cmpd="sng" w="38100" algn="ctr">
-          <a:solidFill>
-            <a:schemeClr val="phClr"/>
-          </a:solidFill>
-          <a:prstDash val="solid"/>
-        </a:ln>
-      </a:lnStyleLst>
-      <a:effectStyleLst>
-        <a:effectStyle>
-          <a:effectLst>
-            <a:outerShdw blurRad="40000" rotWithShape="0" dir="5400000" dist="20000">
-              <a:srgbClr val="000000">
-                <a:alpha val="38000"/>
-              </a:srgbClr>
-            </a:outerShdw>
-          </a:effectLst>
-        </a:effectStyle>
-        <a:effectStyle>
-          <a:effectLst>
-            <a:outerShdw blurRad="40000" rotWithShape="0" dir="5400000" dist="23000">
-              <a:srgbClr val="000000">
-                <a:alpha val="35000"/>
-              </a:srgbClr>
-            </a:outerShdw>
-          </a:effectLst>
-        </a:effectStyle>
-        <a:effectStyle>
-          <a:effectLst>
-            <a:outerShdw blurRad="40000" rotWithShape="0" dir="5400000" dist="23000">
-              <a:srgbClr val="000000">
-                <a:alpha val="35000"/>
-              </a:srgbClr>
-            </a:outerShdw>
-          </a:effectLst>
-          <a:scene3d>
-            <a:camera prst="orthographicFront">
-              <a:rot lat="0" lon="0" rev="0"/>
-            </a:camera>
-            <a:lightRig dir="t" rig="threePt">
-              <a:rot lat="0" lon="0" rev="1200000"/>
-            </a:lightRig>
-          </a:scene3d>
-          <a:sp3d>
-            <a:bevelT h="25400" w="63500"/>
-          </a:sp3d>
-        </a:effectStyle>
-      </a:effectStyleLst>
-      <a:bgFillStyleLst>
-        <a:solidFill>
-          <a:schemeClr val="phClr"/>
-        </a:solidFill>
-        <a:gradFill rotWithShape="1">
-          <a:gsLst>
-            <a:gs pos="0">
-              <a:schemeClr val="phClr">
-                <a:tint val="40000"/>
-                <a:satMod val="350000"/>
-              </a:schemeClr>
-            </a:gs>
-            <a:gs pos="40000">
-              <a:schemeClr val="phClr">
-                <a:tint val="45000"/>
-                <a:shade val="99000"/>
-                <a:satMod val="350000"/>
-              </a:schemeClr>
-            </a:gs>
-            <a:gs pos="100000">
-              <a:schemeClr val="phClr">
-                <a:shade val="20000"/>
-                <a:satMod val="255000"/>
-              </a:schemeClr>
-            </a:gs>
-          </a:gsLst>
-          <a:path path="circle">
-            <a:fillToRect b="180000" l="50000" r="50000" t="-80000"/>
-          </a:path>
-        </a:gradFill>
-        <a:gradFill rotWithShape="1">
-          <a:gsLst>
-            <a:gs pos="0">
-              <a:schemeClr val="phClr">
-                <a:tint val="80000"/>
-                <a:satMod val="300000"/>
-              </a:schemeClr>
-            </a:gs>
-            <a:gs pos="100000">
-              <a:schemeClr val="phClr">
-                <a:shade val="30000"/>
-                <a:satMod val="200000"/>
-              </a:schemeClr>
-            </a:gs>
-          </a:gsLst>
-          <a:path path="circle">
-            <a:fillToRect b="50000" l="50000" r="50000" t="50000"/>
-          </a:path>
-        </a:gradFill>
-      </a:bgFillStyleLst>
-    </a:fmtScheme>
-  </a:themeElements>
-  <a:objectDefaults>
-    <a:spDef>
-      <a:spPr/>
-      <a:bodyPr/>
-      <a:lstStyle/>
-      <a:style>
-        <a:lnRef idx="1">
-          <a:schemeClr val="accent1"/>
-        </a:lnRef>
-        <a:fillRef idx="3">
-          <a:schemeClr val="accent1"/>
-        </a:fillRef>
-        <a:effectRef idx="2">
-          <a:schemeClr val="accent1"/>
-        </a:effectRef>
-        <a:fontRef idx="minor">
-          <a:schemeClr val="lt1"/>
-        </a:fontRef>
-      </a:style>
-    </a:spDef>
-    <a:lnDef>
-      <a:spPr/>
-      <a:bodyPr/>
-      <a:lstStyle/>
-      <a:style>
-        <a:lnRef idx="2">
-          <a:schemeClr val="accent1"/>
-        </a:lnRef>
-        <a:fillRef idx="0">
-          <a:schemeClr val="accent1"/>
-        </a:fillRef>
-        <a:effectRef idx="1">
-          <a:schemeClr val="accent1"/>
-        </a:effectRef>
-        <a:fontRef idx="minor">
-          <a:schemeClr val="tx1"/>
-        </a:fontRef>
-      </a:style>
-    </a:lnDef>
-  </a:objectDefaults>
+  <a:objectDefaults/>
+  <a:extraClrSchemeLst/>
 </a:theme>
 </file>